--- a/src/main/asciidoc/Abschlusspraesentation.pptx
+++ b/src/main/asciidoc/Abschlusspraesentation.pptx
@@ -8,24 +8,565 @@
     <p:sldMasterId id="2147483687" r:id="rId5"/>
     <p:sldMasterId id="2147483700" r:id="rId6"/>
     <p:sldMasterId id="2147483713" r:id="rId7"/>
+    <p:sldMasterId id="2147483726" r:id="rId8"/>
   </p:sldMasterIdLst>
+  <p:notesMasterIdLst>
+    <p:notesMasterId r:id="rId9"/>
+  </p:notesMasterIdLst>
   <p:sldIdLst>
-    <p:sldId id="256" r:id="rId8"/>
-    <p:sldId id="257" r:id="rId9"/>
-    <p:sldId id="258" r:id="rId10"/>
-    <p:sldId id="259" r:id="rId11"/>
-    <p:sldId id="260" r:id="rId12"/>
-    <p:sldId id="261" r:id="rId13"/>
-    <p:sldId id="262" r:id="rId14"/>
-    <p:sldId id="263" r:id="rId15"/>
-    <p:sldId id="264" r:id="rId16"/>
-    <p:sldId id="265" r:id="rId17"/>
-    <p:sldId id="266" r:id="rId18"/>
-    <p:sldId id="267" r:id="rId19"/>
+    <p:sldId id="256" r:id="rId10"/>
+    <p:sldId id="257" r:id="rId11"/>
+    <p:sldId id="258" r:id="rId12"/>
+    <p:sldId id="259" r:id="rId13"/>
+    <p:sldId id="260" r:id="rId14"/>
+    <p:sldId id="261" r:id="rId15"/>
+    <p:sldId id="262" r:id="rId16"/>
+    <p:sldId id="263" r:id="rId17"/>
+    <p:sldId id="264" r:id="rId18"/>
+    <p:sldId id="265" r:id="rId19"/>
+    <p:sldId id="266" r:id="rId20"/>
+    <p:sldId id="267" r:id="rId21"/>
+    <p:sldId id="268" r:id="rId22"/>
+    <p:sldId id="269" r:id="rId23"/>
+    <p:sldId id="270" r:id="rId24"/>
   </p:sldIdLst>
   <p:sldSz cx="9144000" cy="5143500"/>
   <p:notesSz cx="7559675" cy="10691812"/>
 </p:presentation>
+</file>
+
+<file path=ppt/notesMasters/notesMaster1.xml><?xml version="1.0" encoding="utf-8"?>
+<p:notesMaster xmlns:a="http://schemas.openxmlformats.org/drawingml/2006/main" xmlns:p="http://schemas.openxmlformats.org/presentationml/2006/main" xmlns:r="http://schemas.openxmlformats.org/officeDocument/2006/relationships" xmlns:p14="http://schemas.microsoft.com/office/powerpoint/2010/main" xmlns:p15="http://schemas.microsoft.com/office/powerpoint/2012/main" xmlns:mc="http://schemas.openxmlformats.org/markup-compatibility/2006">
+  <p:cSld>
+    <p:spTree>
+      <p:nvGrpSpPr>
+        <p:cNvPr id="1" name=""/>
+        <p:cNvGrpSpPr/>
+        <p:nvPr/>
+      </p:nvGrpSpPr>
+      <p:grpSpPr>
+        <a:xfrm>
+          <a:off x="0" y="0"/>
+          <a:ext cx="0" cy="0"/>
+          <a:chOff x="0" y="0"/>
+          <a:chExt cx="0" cy="0"/>
+        </a:xfrm>
+      </p:grpSpPr>
+      <p:sp>
+        <p:nvSpPr>
+          <p:cNvPr id="307" name="PlaceHolder 1"/>
+          <p:cNvSpPr>
+            <a:spLocks noGrp="1"/>
+          </p:cNvSpPr>
+          <p:nvPr>
+            <p:ph type="sldImg"/>
+          </p:nvPr>
+        </p:nvSpPr>
+        <p:spPr>
+          <a:xfrm>
+            <a:off x="216000" y="812520"/>
+            <a:ext cx="7127280" cy="4008960"/>
+          </a:xfrm>
+          <a:prstGeom prst="rect">
+            <a:avLst/>
+          </a:prstGeom>
+        </p:spPr>
+        <p:txBody>
+          <a:bodyPr lIns="0" rIns="0" tIns="0" bIns="0" anchor="ctr"/>
+          <a:p>
+            <a:pPr algn="ctr"/>
+            <a:r>
+              <a:rPr b="0" lang="de-DE" sz="4400" spc="-1" strike="noStrike">
+                <a:latin typeface="Arial"/>
+              </a:rPr>
+              <a:t>Click to move the slide</a:t>
+            </a:r>
+            <a:endParaRPr b="0" lang="de-DE" sz="4400" spc="-1" strike="noStrike">
+              <a:latin typeface="Arial"/>
+            </a:endParaRPr>
+          </a:p>
+        </p:txBody>
+      </p:sp>
+      <p:sp>
+        <p:nvSpPr>
+          <p:cNvPr id="308" name="PlaceHolder 2"/>
+          <p:cNvSpPr>
+            <a:spLocks noGrp="1"/>
+          </p:cNvSpPr>
+          <p:nvPr>
+            <p:ph type="body"/>
+          </p:nvPr>
+        </p:nvSpPr>
+        <p:spPr>
+          <a:xfrm>
+            <a:off x="756000" y="5078520"/>
+            <a:ext cx="6047640" cy="4811040"/>
+          </a:xfrm>
+          <a:prstGeom prst="rect">
+            <a:avLst/>
+          </a:prstGeom>
+        </p:spPr>
+        <p:txBody>
+          <a:bodyPr lIns="0" rIns="0" tIns="0" bIns="0"/>
+          <a:p>
+            <a:r>
+              <a:rPr b="0" lang="de-DE" sz="2000" spc="-1" strike="noStrike">
+                <a:latin typeface="Arial"/>
+              </a:rPr>
+              <a:t>Click to edit the notes format</a:t>
+            </a:r>
+            <a:endParaRPr b="0" lang="de-DE" sz="2000" spc="-1" strike="noStrike">
+              <a:latin typeface="Arial"/>
+            </a:endParaRPr>
+          </a:p>
+        </p:txBody>
+      </p:sp>
+      <p:sp>
+        <p:nvSpPr>
+          <p:cNvPr id="309" name="PlaceHolder 3"/>
+          <p:cNvSpPr>
+            <a:spLocks noGrp="1"/>
+          </p:cNvSpPr>
+          <p:nvPr>
+            <p:ph type="hdr"/>
+          </p:nvPr>
+        </p:nvSpPr>
+        <p:spPr>
+          <a:xfrm>
+            <a:off x="0" y="0"/>
+            <a:ext cx="3280680" cy="534240"/>
+          </a:xfrm>
+          <a:prstGeom prst="rect">
+            <a:avLst/>
+          </a:prstGeom>
+        </p:spPr>
+        <p:txBody>
+          <a:bodyPr lIns="0" rIns="0" tIns="0" bIns="0"/>
+          <a:p>
+            <a:r>
+              <a:rPr b="0" lang="de-DE" sz="1400" spc="-1" strike="noStrike">
+                <a:latin typeface="Times New Roman"/>
+              </a:rPr>
+              <a:t>&lt;header&gt;</a:t>
+            </a:r>
+            <a:endParaRPr b="0" lang="de-DE" sz="1400" spc="-1" strike="noStrike">
+              <a:latin typeface="Times New Roman"/>
+            </a:endParaRPr>
+          </a:p>
+        </p:txBody>
+      </p:sp>
+      <p:sp>
+        <p:nvSpPr>
+          <p:cNvPr id="310" name="PlaceHolder 4"/>
+          <p:cNvSpPr>
+            <a:spLocks noGrp="1"/>
+          </p:cNvSpPr>
+          <p:nvPr>
+            <p:ph type="dt"/>
+          </p:nvPr>
+        </p:nvSpPr>
+        <p:spPr>
+          <a:xfrm>
+            <a:off x="4278960" y="0"/>
+            <a:ext cx="3280680" cy="534240"/>
+          </a:xfrm>
+          <a:prstGeom prst="rect">
+            <a:avLst/>
+          </a:prstGeom>
+        </p:spPr>
+        <p:txBody>
+          <a:bodyPr lIns="0" rIns="0" tIns="0" bIns="0"/>
+          <a:p>
+            <a:pPr algn="r"/>
+            <a:r>
+              <a:rPr b="0" lang="de-DE" sz="1400" spc="-1" strike="noStrike">
+                <a:latin typeface="Times New Roman"/>
+              </a:rPr>
+              <a:t>&lt;date/time&gt;</a:t>
+            </a:r>
+            <a:endParaRPr b="0" lang="de-DE" sz="1400" spc="-1" strike="noStrike">
+              <a:latin typeface="Times New Roman"/>
+            </a:endParaRPr>
+          </a:p>
+        </p:txBody>
+      </p:sp>
+      <p:sp>
+        <p:nvSpPr>
+          <p:cNvPr id="311" name="PlaceHolder 5"/>
+          <p:cNvSpPr>
+            <a:spLocks noGrp="1"/>
+          </p:cNvSpPr>
+          <p:nvPr>
+            <p:ph type="ftr"/>
+          </p:nvPr>
+        </p:nvSpPr>
+        <p:spPr>
+          <a:xfrm>
+            <a:off x="0" y="10157400"/>
+            <a:ext cx="3280680" cy="534240"/>
+          </a:xfrm>
+          <a:prstGeom prst="rect">
+            <a:avLst/>
+          </a:prstGeom>
+        </p:spPr>
+        <p:txBody>
+          <a:bodyPr lIns="0" rIns="0" tIns="0" bIns="0" anchor="b"/>
+          <a:p>
+            <a:r>
+              <a:rPr b="0" lang="de-DE" sz="1400" spc="-1" strike="noStrike">
+                <a:latin typeface="Times New Roman"/>
+              </a:rPr>
+              <a:t>&lt;footer&gt;</a:t>
+            </a:r>
+            <a:endParaRPr b="0" lang="de-DE" sz="1400" spc="-1" strike="noStrike">
+              <a:latin typeface="Times New Roman"/>
+            </a:endParaRPr>
+          </a:p>
+        </p:txBody>
+      </p:sp>
+      <p:sp>
+        <p:nvSpPr>
+          <p:cNvPr id="312" name="PlaceHolder 6"/>
+          <p:cNvSpPr>
+            <a:spLocks noGrp="1"/>
+          </p:cNvSpPr>
+          <p:nvPr>
+            <p:ph type="sldNum"/>
+          </p:nvPr>
+        </p:nvSpPr>
+        <p:spPr>
+          <a:xfrm>
+            <a:off x="4278960" y="10157400"/>
+            <a:ext cx="3280680" cy="534240"/>
+          </a:xfrm>
+          <a:prstGeom prst="rect">
+            <a:avLst/>
+          </a:prstGeom>
+        </p:spPr>
+        <p:txBody>
+          <a:bodyPr lIns="0" rIns="0" tIns="0" bIns="0" anchor="b"/>
+          <a:p>
+            <a:pPr algn="r"/>
+            <a:fld id="{DA8232EB-A97A-4CAB-8151-0F46138CD781}" type="slidenum">
+              <a:rPr b="0" lang="de-DE" sz="1400" spc="-1" strike="noStrike">
+                <a:latin typeface="Times New Roman"/>
+              </a:rPr>
+              <a:t>&lt;number&gt;</a:t>
+            </a:fld>
+            <a:endParaRPr b="0" lang="de-DE" sz="1400" spc="-1" strike="noStrike">
+              <a:latin typeface="Times New Roman"/>
+            </a:endParaRPr>
+          </a:p>
+        </p:txBody>
+      </p:sp>
+    </p:spTree>
+  </p:cSld>
+  <p:clrMap bg1="lt1" bg2="lt2" tx1="dk1" tx2="dk2" accent1="accent1" accent2="accent2" accent3="accent3" accent4="accent4" accent5="accent5" accent6="accent6" hlink="hlink" folHlink="folHlink"/>
+</p:notesMaster>
+</file>
+
+<file path=ppt/notesSlides/notesSlide11.xml><?xml version="1.0" encoding="utf-8"?>
+<p:notes xmlns:a="http://schemas.openxmlformats.org/drawingml/2006/main" xmlns:p="http://schemas.openxmlformats.org/presentationml/2006/main" xmlns:r="http://schemas.openxmlformats.org/officeDocument/2006/relationships" xmlns:p14="http://schemas.microsoft.com/office/powerpoint/2010/main" xmlns:p15="http://schemas.microsoft.com/office/powerpoint/2012/main" xmlns:mc="http://schemas.openxmlformats.org/markup-compatibility/2006">
+  <p:cSld>
+    <p:spTree>
+      <p:nvGrpSpPr>
+        <p:cNvPr id="1" name=""/>
+        <p:cNvGrpSpPr/>
+        <p:nvPr/>
+      </p:nvGrpSpPr>
+      <p:grpSpPr>
+        <a:xfrm>
+          <a:off x="0" y="0"/>
+          <a:ext cx="0" cy="0"/>
+          <a:chOff x="0" y="0"/>
+          <a:chExt cx="0" cy="0"/>
+        </a:xfrm>
+      </p:grpSpPr>
+      <p:sp>
+        <p:nvSpPr>
+          <p:cNvPr id="348" name="PlaceHolder 1"/>
+          <p:cNvSpPr>
+            <a:spLocks noGrp="1"/>
+          </p:cNvSpPr>
+          <p:nvPr>
+            <p:ph type="sldImg"/>
+          </p:nvPr>
+        </p:nvSpPr>
+        <p:spPr>
+          <a:xfrm>
+            <a:off x="216360" y="812520"/>
+            <a:ext cx="7126920" cy="4008960"/>
+          </a:xfrm>
+          <a:prstGeom prst="rect">
+            <a:avLst/>
+          </a:prstGeom>
+        </p:spPr>
+      </p:sp>
+      <p:sp>
+        <p:nvSpPr>
+          <p:cNvPr id="349" name="PlaceHolder 2"/>
+          <p:cNvSpPr>
+            <a:spLocks noGrp="1"/>
+          </p:cNvSpPr>
+          <p:nvPr>
+            <p:ph type="body"/>
+          </p:nvPr>
+        </p:nvSpPr>
+        <p:spPr>
+          <a:xfrm>
+            <a:off x="756000" y="5078520"/>
+            <a:ext cx="6047640" cy="4811040"/>
+          </a:xfrm>
+          <a:prstGeom prst="rect">
+            <a:avLst/>
+          </a:prstGeom>
+        </p:spPr>
+        <p:txBody>
+          <a:bodyPr lIns="0" rIns="0" tIns="0" bIns="0"/>
+          <a:p>
+            <a:r>
+              <a:rPr b="0" lang="de-DE" sz="2000" spc="-1" strike="noStrike">
+                <a:latin typeface="Arial"/>
+              </a:rPr>
+              <a:t>Test</a:t>
+            </a:r>
+            <a:endParaRPr b="0" lang="de-DE" sz="2000" spc="-1" strike="noStrike">
+              <a:latin typeface="Arial"/>
+            </a:endParaRPr>
+          </a:p>
+        </p:txBody>
+      </p:sp>
+    </p:spTree>
+  </p:cSld>
+</p:notes>
+</file>
+
+<file path=ppt/notesSlides/notesSlide12.xml><?xml version="1.0" encoding="utf-8"?>
+<p:notes xmlns:a="http://schemas.openxmlformats.org/drawingml/2006/main" xmlns:p="http://schemas.openxmlformats.org/presentationml/2006/main" xmlns:r="http://schemas.openxmlformats.org/officeDocument/2006/relationships" xmlns:p14="http://schemas.microsoft.com/office/powerpoint/2010/main" xmlns:p15="http://schemas.microsoft.com/office/powerpoint/2012/main" xmlns:mc="http://schemas.openxmlformats.org/markup-compatibility/2006">
+  <p:cSld>
+    <p:spTree>
+      <p:nvGrpSpPr>
+        <p:cNvPr id="1" name=""/>
+        <p:cNvGrpSpPr/>
+        <p:nvPr/>
+      </p:nvGrpSpPr>
+      <p:grpSpPr>
+        <a:xfrm>
+          <a:off x="0" y="0"/>
+          <a:ext cx="0" cy="0"/>
+          <a:chOff x="0" y="0"/>
+          <a:chExt cx="0" cy="0"/>
+        </a:xfrm>
+      </p:grpSpPr>
+      <p:sp>
+        <p:nvSpPr>
+          <p:cNvPr id="350" name="PlaceHolder 1"/>
+          <p:cNvSpPr>
+            <a:spLocks noGrp="1"/>
+          </p:cNvSpPr>
+          <p:nvPr>
+            <p:ph type="sldImg"/>
+          </p:nvPr>
+        </p:nvSpPr>
+        <p:spPr>
+          <a:xfrm>
+            <a:off x="216360" y="812520"/>
+            <a:ext cx="7126920" cy="4008960"/>
+          </a:xfrm>
+          <a:prstGeom prst="rect">
+            <a:avLst/>
+          </a:prstGeom>
+        </p:spPr>
+      </p:sp>
+      <p:sp>
+        <p:nvSpPr>
+          <p:cNvPr id="351" name="PlaceHolder 2"/>
+          <p:cNvSpPr>
+            <a:spLocks noGrp="1"/>
+          </p:cNvSpPr>
+          <p:nvPr>
+            <p:ph type="body"/>
+          </p:nvPr>
+        </p:nvSpPr>
+        <p:spPr>
+          <a:xfrm>
+            <a:off x="756000" y="5078520"/>
+            <a:ext cx="6047640" cy="4811040"/>
+          </a:xfrm>
+          <a:prstGeom prst="rect">
+            <a:avLst/>
+          </a:prstGeom>
+        </p:spPr>
+        <p:txBody>
+          <a:bodyPr lIns="0" rIns="0" tIns="0" bIns="0"/>
+          <a:p>
+            <a:r>
+              <a:rPr b="0" lang="de-DE" sz="2000" spc="-1" strike="noStrike">
+                <a:latin typeface="Arial"/>
+              </a:rPr>
+              <a:t>Test</a:t>
+            </a:r>
+            <a:endParaRPr b="0" lang="de-DE" sz="2000" spc="-1" strike="noStrike">
+              <a:latin typeface="Arial"/>
+            </a:endParaRPr>
+          </a:p>
+        </p:txBody>
+      </p:sp>
+    </p:spTree>
+  </p:cSld>
+</p:notes>
+</file>
+
+<file path=ppt/notesSlides/notesSlide13.xml><?xml version="1.0" encoding="utf-8"?>
+<p:notes xmlns:a="http://schemas.openxmlformats.org/drawingml/2006/main" xmlns:p="http://schemas.openxmlformats.org/presentationml/2006/main" xmlns:r="http://schemas.openxmlformats.org/officeDocument/2006/relationships" xmlns:p14="http://schemas.microsoft.com/office/powerpoint/2010/main" xmlns:p15="http://schemas.microsoft.com/office/powerpoint/2012/main" xmlns:mc="http://schemas.openxmlformats.org/markup-compatibility/2006">
+  <p:cSld>
+    <p:spTree>
+      <p:nvGrpSpPr>
+        <p:cNvPr id="1" name=""/>
+        <p:cNvGrpSpPr/>
+        <p:nvPr/>
+      </p:nvGrpSpPr>
+      <p:grpSpPr>
+        <a:xfrm>
+          <a:off x="0" y="0"/>
+          <a:ext cx="0" cy="0"/>
+          <a:chOff x="0" y="0"/>
+          <a:chExt cx="0" cy="0"/>
+        </a:xfrm>
+      </p:grpSpPr>
+      <p:sp>
+        <p:nvSpPr>
+          <p:cNvPr id="352" name="PlaceHolder 1"/>
+          <p:cNvSpPr>
+            <a:spLocks noGrp="1"/>
+          </p:cNvSpPr>
+          <p:nvPr>
+            <p:ph type="sldImg"/>
+          </p:nvPr>
+        </p:nvSpPr>
+        <p:spPr>
+          <a:xfrm>
+            <a:off x="216360" y="812520"/>
+            <a:ext cx="7126920" cy="4008960"/>
+          </a:xfrm>
+          <a:prstGeom prst="rect">
+            <a:avLst/>
+          </a:prstGeom>
+        </p:spPr>
+      </p:sp>
+      <p:sp>
+        <p:nvSpPr>
+          <p:cNvPr id="353" name="PlaceHolder 2"/>
+          <p:cNvSpPr>
+            <a:spLocks noGrp="1"/>
+          </p:cNvSpPr>
+          <p:nvPr>
+            <p:ph type="body"/>
+          </p:nvPr>
+        </p:nvSpPr>
+        <p:spPr>
+          <a:xfrm>
+            <a:off x="756000" y="5078520"/>
+            <a:ext cx="6047640" cy="4811040"/>
+          </a:xfrm>
+          <a:prstGeom prst="rect">
+            <a:avLst/>
+          </a:prstGeom>
+        </p:spPr>
+        <p:txBody>
+          <a:bodyPr lIns="0" rIns="0" tIns="0" bIns="0"/>
+          <a:p>
+            <a:r>
+              <a:rPr b="0" lang="de-DE" sz="2000" spc="-1" strike="noStrike">
+                <a:latin typeface="Arial"/>
+              </a:rPr>
+              <a:t>Test</a:t>
+            </a:r>
+            <a:endParaRPr b="0" lang="de-DE" sz="2000" spc="-1" strike="noStrike">
+              <a:latin typeface="Arial"/>
+            </a:endParaRPr>
+          </a:p>
+        </p:txBody>
+      </p:sp>
+    </p:spTree>
+  </p:cSld>
+</p:notes>
+</file>
+
+<file path=ppt/notesSlides/notesSlide14.xml><?xml version="1.0" encoding="utf-8"?>
+<p:notes xmlns:a="http://schemas.openxmlformats.org/drawingml/2006/main" xmlns:p="http://schemas.openxmlformats.org/presentationml/2006/main" xmlns:r="http://schemas.openxmlformats.org/officeDocument/2006/relationships" xmlns:p14="http://schemas.microsoft.com/office/powerpoint/2010/main" xmlns:p15="http://schemas.microsoft.com/office/powerpoint/2012/main" xmlns:mc="http://schemas.openxmlformats.org/markup-compatibility/2006">
+  <p:cSld>
+    <p:spTree>
+      <p:nvGrpSpPr>
+        <p:cNvPr id="1" name=""/>
+        <p:cNvGrpSpPr/>
+        <p:nvPr/>
+      </p:nvGrpSpPr>
+      <p:grpSpPr>
+        <a:xfrm>
+          <a:off x="0" y="0"/>
+          <a:ext cx="0" cy="0"/>
+          <a:chOff x="0" y="0"/>
+          <a:chExt cx="0" cy="0"/>
+        </a:xfrm>
+      </p:grpSpPr>
+      <p:sp>
+        <p:nvSpPr>
+          <p:cNvPr id="354" name="PlaceHolder 1"/>
+          <p:cNvSpPr>
+            <a:spLocks noGrp="1"/>
+          </p:cNvSpPr>
+          <p:nvPr>
+            <p:ph type="sldImg"/>
+          </p:nvPr>
+        </p:nvSpPr>
+        <p:spPr>
+          <a:xfrm>
+            <a:off x="216360" y="812520"/>
+            <a:ext cx="7126920" cy="4008960"/>
+          </a:xfrm>
+          <a:prstGeom prst="rect">
+            <a:avLst/>
+          </a:prstGeom>
+        </p:spPr>
+      </p:sp>
+      <p:sp>
+        <p:nvSpPr>
+          <p:cNvPr id="355" name="PlaceHolder 2"/>
+          <p:cNvSpPr>
+            <a:spLocks noGrp="1"/>
+          </p:cNvSpPr>
+          <p:nvPr>
+            <p:ph type="body"/>
+          </p:nvPr>
+        </p:nvSpPr>
+        <p:spPr>
+          <a:xfrm>
+            <a:off x="756000" y="5078520"/>
+            <a:ext cx="6047640" cy="4811040"/>
+          </a:xfrm>
+          <a:prstGeom prst="rect">
+            <a:avLst/>
+          </a:prstGeom>
+        </p:spPr>
+        <p:txBody>
+          <a:bodyPr lIns="0" rIns="0" tIns="0" bIns="0"/>
+          <a:p>
+            <a:r>
+              <a:rPr b="0" lang="de-DE" sz="2000" spc="-1" strike="noStrike">
+                <a:latin typeface="Arial"/>
+              </a:rPr>
+              <a:t>Test</a:t>
+            </a:r>
+            <a:endParaRPr b="0" lang="de-DE" sz="2000" spc="-1" strike="noStrike">
+              <a:latin typeface="Arial"/>
+            </a:endParaRPr>
+          </a:p>
+        </p:txBody>
+      </p:sp>
+    </p:spTree>
+  </p:cSld>
+</p:notes>
 </file>
 
 <file path=ppt/slideLayouts/slideLayout1.xml><?xml version="1.0" encoding="utf-8"?>
@@ -87,9 +628,7 @@
           </a:prstGeom>
         </p:spPr>
         <p:txBody>
-          <a:bodyPr lIns="0" rIns="0" tIns="0" bIns="0" anchor="ctr">
-            <a:spAutoFit/>
-          </a:bodyPr>
+          <a:bodyPr lIns="0" rIns="0" tIns="0" bIns="0" anchor="ctr"/>
           <a:p>
             <a:pPr algn="ctr"/>
             <a:endParaRPr b="0" lang="de-DE" sz="4400" spc="-1" strike="noStrike">
@@ -200,9 +739,7 @@
           </a:prstGeom>
         </p:spPr>
         <p:txBody>
-          <a:bodyPr lIns="0" rIns="0" tIns="0" bIns="0" anchor="ctr">
-            <a:spAutoFit/>
-          </a:bodyPr>
+          <a:bodyPr lIns="0" rIns="0" tIns="0" bIns="0" anchor="ctr"/>
           <a:p>
             <a:pPr algn="ctr"/>
             <a:endParaRPr b="0" lang="de-DE" sz="4400" spc="-1" strike="noStrike">
@@ -373,9 +910,7 @@
           </a:prstGeom>
         </p:spPr>
         <p:txBody>
-          <a:bodyPr lIns="0" rIns="0" tIns="0" bIns="0" anchor="ctr">
-            <a:spAutoFit/>
-          </a:bodyPr>
+          <a:bodyPr lIns="0" rIns="0" tIns="0" bIns="0" anchor="ctr"/>
           <a:p>
             <a:pPr algn="ctr"/>
             <a:endParaRPr b="0" lang="de-DE" sz="4400" spc="-1" strike="noStrike">
@@ -628,9 +1163,7 @@
           </a:prstGeom>
         </p:spPr>
         <p:txBody>
-          <a:bodyPr lIns="0" rIns="0" tIns="0" bIns="0" anchor="ctr">
-            <a:spAutoFit/>
-          </a:bodyPr>
+          <a:bodyPr lIns="0" rIns="0" tIns="0" bIns="0" anchor="ctr"/>
           <a:p>
             <a:pPr algn="ctr"/>
             <a:endParaRPr b="0" lang="de-DE" sz="4400" spc="-1" strike="noStrike">
@@ -659,9 +1192,7 @@
           </a:prstGeom>
         </p:spPr>
         <p:txBody>
-          <a:bodyPr lIns="0" rIns="0" tIns="0" bIns="0" anchor="ctr">
-            <a:spAutoFit/>
-          </a:bodyPr>
+          <a:bodyPr lIns="0" rIns="0" tIns="0" bIns="0" anchor="ctr"/>
           <a:p>
             <a:pPr algn="ctr"/>
             <a:endParaRPr b="0" lang="de-DE" sz="3200" spc="-1" strike="noStrike">
@@ -712,9 +1243,7 @@
           </a:prstGeom>
         </p:spPr>
         <p:txBody>
-          <a:bodyPr lIns="0" rIns="0" tIns="0" bIns="0" anchor="ctr">
-            <a:spAutoFit/>
-          </a:bodyPr>
+          <a:bodyPr lIns="0" rIns="0" tIns="0" bIns="0" anchor="ctr"/>
           <a:p>
             <a:pPr algn="ctr"/>
             <a:endParaRPr b="0" lang="de-DE" sz="4400" spc="-1" strike="noStrike">
@@ -795,9 +1324,7 @@
           </a:prstGeom>
         </p:spPr>
         <p:txBody>
-          <a:bodyPr lIns="0" rIns="0" tIns="0" bIns="0" anchor="ctr">
-            <a:spAutoFit/>
-          </a:bodyPr>
+          <a:bodyPr lIns="0" rIns="0" tIns="0" bIns="0" anchor="ctr"/>
           <a:p>
             <a:pPr algn="ctr"/>
             <a:endParaRPr b="0" lang="de-DE" sz="4400" spc="-1" strike="noStrike">
@@ -908,9 +1435,7 @@
           </a:prstGeom>
         </p:spPr>
         <p:txBody>
-          <a:bodyPr lIns="0" rIns="0" tIns="0" bIns="0" anchor="ctr">
-            <a:spAutoFit/>
-          </a:bodyPr>
+          <a:bodyPr lIns="0" rIns="0" tIns="0" bIns="0" anchor="ctr"/>
           <a:p>
             <a:pPr algn="ctr"/>
             <a:endParaRPr b="0" lang="de-DE" sz="4400" spc="-1" strike="noStrike">
@@ -961,9 +1486,7 @@
           </a:prstGeom>
         </p:spPr>
         <p:txBody>
-          <a:bodyPr lIns="0" rIns="0" tIns="0" bIns="0" anchor="ctr">
-            <a:spAutoFit/>
-          </a:bodyPr>
+          <a:bodyPr lIns="0" rIns="0" tIns="0" bIns="0" anchor="ctr"/>
           <a:p>
             <a:pPr algn="ctr"/>
             <a:endParaRPr b="0" lang="de-DE" sz="3200" spc="-1" strike="noStrike">
@@ -1014,9 +1537,7 @@
           </a:prstGeom>
         </p:spPr>
         <p:txBody>
-          <a:bodyPr lIns="0" rIns="0" tIns="0" bIns="0" anchor="ctr">
-            <a:spAutoFit/>
-          </a:bodyPr>
+          <a:bodyPr lIns="0" rIns="0" tIns="0" bIns="0" anchor="ctr"/>
           <a:p>
             <a:pPr algn="ctr"/>
             <a:endParaRPr b="0" lang="de-DE" sz="4400" spc="-1" strike="noStrike">
@@ -1157,9 +1678,7 @@
           </a:prstGeom>
         </p:spPr>
         <p:txBody>
-          <a:bodyPr lIns="0" rIns="0" tIns="0" bIns="0" anchor="ctr">
-            <a:spAutoFit/>
-          </a:bodyPr>
+          <a:bodyPr lIns="0" rIns="0" tIns="0" bIns="0" anchor="ctr"/>
           <a:p>
             <a:pPr algn="ctr"/>
             <a:endParaRPr b="0" lang="de-DE" sz="4400" spc="-1" strike="noStrike">
@@ -1188,9 +1707,7 @@
           </a:prstGeom>
         </p:spPr>
         <p:txBody>
-          <a:bodyPr lIns="0" rIns="0" tIns="0" bIns="0" anchor="ctr">
-            <a:spAutoFit/>
-          </a:bodyPr>
+          <a:bodyPr lIns="0" rIns="0" tIns="0" bIns="0" anchor="ctr"/>
           <a:p>
             <a:pPr algn="ctr"/>
             <a:endParaRPr b="0" lang="de-DE" sz="3200" spc="-1" strike="noStrike">
@@ -1241,9 +1758,7 @@
           </a:prstGeom>
         </p:spPr>
         <p:txBody>
-          <a:bodyPr lIns="0" rIns="0" tIns="0" bIns="0" anchor="ctr">
-            <a:spAutoFit/>
-          </a:bodyPr>
+          <a:bodyPr lIns="0" rIns="0" tIns="0" bIns="0" anchor="ctr"/>
           <a:p>
             <a:pPr algn="ctr"/>
             <a:endParaRPr b="0" lang="de-DE" sz="4400" spc="-1" strike="noStrike">
@@ -1384,9 +1899,7 @@
           </a:prstGeom>
         </p:spPr>
         <p:txBody>
-          <a:bodyPr lIns="0" rIns="0" tIns="0" bIns="0" anchor="ctr">
-            <a:spAutoFit/>
-          </a:bodyPr>
+          <a:bodyPr lIns="0" rIns="0" tIns="0" bIns="0" anchor="ctr"/>
           <a:p>
             <a:pPr algn="ctr"/>
             <a:endParaRPr b="0" lang="de-DE" sz="4400" spc="-1" strike="noStrike">
@@ -1527,9 +2040,7 @@
           </a:prstGeom>
         </p:spPr>
         <p:txBody>
-          <a:bodyPr lIns="0" rIns="0" tIns="0" bIns="0" anchor="ctr">
-            <a:spAutoFit/>
-          </a:bodyPr>
+          <a:bodyPr lIns="0" rIns="0" tIns="0" bIns="0" anchor="ctr"/>
           <a:p>
             <a:pPr algn="ctr"/>
             <a:endParaRPr b="0" lang="de-DE" sz="4400" spc="-1" strike="noStrike">
@@ -1640,9 +2151,7 @@
           </a:prstGeom>
         </p:spPr>
         <p:txBody>
-          <a:bodyPr lIns="0" rIns="0" tIns="0" bIns="0" anchor="ctr">
-            <a:spAutoFit/>
-          </a:bodyPr>
+          <a:bodyPr lIns="0" rIns="0" tIns="0" bIns="0" anchor="ctr"/>
           <a:p>
             <a:pPr algn="ctr"/>
             <a:endParaRPr b="0" lang="de-DE" sz="4400" spc="-1" strike="noStrike">
@@ -1813,9 +2322,7 @@
           </a:prstGeom>
         </p:spPr>
         <p:txBody>
-          <a:bodyPr lIns="0" rIns="0" tIns="0" bIns="0" anchor="ctr">
-            <a:spAutoFit/>
-          </a:bodyPr>
+          <a:bodyPr lIns="0" rIns="0" tIns="0" bIns="0" anchor="ctr"/>
           <a:p>
             <a:pPr algn="ctr"/>
             <a:endParaRPr b="0" lang="de-DE" sz="4400" spc="-1" strike="noStrike">
@@ -2068,9 +2575,7 @@
           </a:prstGeom>
         </p:spPr>
         <p:txBody>
-          <a:bodyPr lIns="0" rIns="0" tIns="0" bIns="0" anchor="ctr">
-            <a:spAutoFit/>
-          </a:bodyPr>
+          <a:bodyPr lIns="0" rIns="0" tIns="0" bIns="0" anchor="ctr"/>
           <a:p>
             <a:pPr algn="ctr"/>
             <a:endParaRPr b="0" lang="de-DE" sz="4400" spc="-1" strike="noStrike">
@@ -2099,9 +2604,7 @@
           </a:prstGeom>
         </p:spPr>
         <p:txBody>
-          <a:bodyPr lIns="0" rIns="0" tIns="0" bIns="0" anchor="ctr">
-            <a:spAutoFit/>
-          </a:bodyPr>
+          <a:bodyPr lIns="0" rIns="0" tIns="0" bIns="0" anchor="ctr"/>
           <a:p>
             <a:pPr algn="ctr"/>
             <a:endParaRPr b="0" lang="de-DE" sz="3200" spc="-1" strike="noStrike">
@@ -2152,9 +2655,7 @@
           </a:prstGeom>
         </p:spPr>
         <p:txBody>
-          <a:bodyPr lIns="0" rIns="0" tIns="0" bIns="0" anchor="ctr">
-            <a:spAutoFit/>
-          </a:bodyPr>
+          <a:bodyPr lIns="0" rIns="0" tIns="0" bIns="0" anchor="ctr"/>
           <a:p>
             <a:pPr algn="ctr"/>
             <a:endParaRPr b="0" lang="de-DE" sz="4400" spc="-1" strike="noStrike">
@@ -2235,9 +2736,7 @@
           </a:prstGeom>
         </p:spPr>
         <p:txBody>
-          <a:bodyPr lIns="0" rIns="0" tIns="0" bIns="0" anchor="ctr">
-            <a:spAutoFit/>
-          </a:bodyPr>
+          <a:bodyPr lIns="0" rIns="0" tIns="0" bIns="0" anchor="ctr"/>
           <a:p>
             <a:pPr algn="ctr"/>
             <a:endParaRPr b="0" lang="de-DE" sz="4400" spc="-1" strike="noStrike">
@@ -2348,9 +2847,7 @@
           </a:prstGeom>
         </p:spPr>
         <p:txBody>
-          <a:bodyPr lIns="0" rIns="0" tIns="0" bIns="0" anchor="ctr">
-            <a:spAutoFit/>
-          </a:bodyPr>
+          <a:bodyPr lIns="0" rIns="0" tIns="0" bIns="0" anchor="ctr"/>
           <a:p>
             <a:pPr algn="ctr"/>
             <a:endParaRPr b="0" lang="de-DE" sz="4400" spc="-1" strike="noStrike">
@@ -2401,9 +2898,7 @@
           </a:prstGeom>
         </p:spPr>
         <p:txBody>
-          <a:bodyPr lIns="0" rIns="0" tIns="0" bIns="0" anchor="ctr">
-            <a:spAutoFit/>
-          </a:bodyPr>
+          <a:bodyPr lIns="0" rIns="0" tIns="0" bIns="0" anchor="ctr"/>
           <a:p>
             <a:pPr algn="ctr"/>
             <a:endParaRPr b="0" lang="de-DE" sz="4400" spc="-1" strike="noStrike">
@@ -2484,9 +2979,7 @@
           </a:prstGeom>
         </p:spPr>
         <p:txBody>
-          <a:bodyPr lIns="0" rIns="0" tIns="0" bIns="0" anchor="ctr">
-            <a:spAutoFit/>
-          </a:bodyPr>
+          <a:bodyPr lIns="0" rIns="0" tIns="0" bIns="0" anchor="ctr"/>
           <a:p>
             <a:pPr algn="ctr"/>
             <a:endParaRPr b="0" lang="de-DE" sz="3200" spc="-1" strike="noStrike">
@@ -2537,9 +3030,7 @@
           </a:prstGeom>
         </p:spPr>
         <p:txBody>
-          <a:bodyPr lIns="0" rIns="0" tIns="0" bIns="0" anchor="ctr">
-            <a:spAutoFit/>
-          </a:bodyPr>
+          <a:bodyPr lIns="0" rIns="0" tIns="0" bIns="0" anchor="ctr"/>
           <a:p>
             <a:pPr algn="ctr"/>
             <a:endParaRPr b="0" lang="de-DE" sz="4400" spc="-1" strike="noStrike">
@@ -2680,9 +3171,7 @@
           </a:prstGeom>
         </p:spPr>
         <p:txBody>
-          <a:bodyPr lIns="0" rIns="0" tIns="0" bIns="0" anchor="ctr">
-            <a:spAutoFit/>
-          </a:bodyPr>
+          <a:bodyPr lIns="0" rIns="0" tIns="0" bIns="0" anchor="ctr"/>
           <a:p>
             <a:pPr algn="ctr"/>
             <a:endParaRPr b="0" lang="de-DE" sz="4400" spc="-1" strike="noStrike">
@@ -2823,9 +3312,7 @@
           </a:prstGeom>
         </p:spPr>
         <p:txBody>
-          <a:bodyPr lIns="0" rIns="0" tIns="0" bIns="0" anchor="ctr">
-            <a:spAutoFit/>
-          </a:bodyPr>
+          <a:bodyPr lIns="0" rIns="0" tIns="0" bIns="0" anchor="ctr"/>
           <a:p>
             <a:pPr algn="ctr"/>
             <a:endParaRPr b="0" lang="de-DE" sz="4400" spc="-1" strike="noStrike">
@@ -2966,9 +3453,7 @@
           </a:prstGeom>
         </p:spPr>
         <p:txBody>
-          <a:bodyPr lIns="0" rIns="0" tIns="0" bIns="0" anchor="ctr">
-            <a:spAutoFit/>
-          </a:bodyPr>
+          <a:bodyPr lIns="0" rIns="0" tIns="0" bIns="0" anchor="ctr"/>
           <a:p>
             <a:pPr algn="ctr"/>
             <a:endParaRPr b="0" lang="de-DE" sz="4400" spc="-1" strike="noStrike">
@@ -3079,9 +3564,7 @@
           </a:prstGeom>
         </p:spPr>
         <p:txBody>
-          <a:bodyPr lIns="0" rIns="0" tIns="0" bIns="0" anchor="ctr">
-            <a:spAutoFit/>
-          </a:bodyPr>
+          <a:bodyPr lIns="0" rIns="0" tIns="0" bIns="0" anchor="ctr"/>
           <a:p>
             <a:pPr algn="ctr"/>
             <a:endParaRPr b="0" lang="de-DE" sz="4400" spc="-1" strike="noStrike">
@@ -3252,9 +3735,7 @@
           </a:prstGeom>
         </p:spPr>
         <p:txBody>
-          <a:bodyPr lIns="0" rIns="0" tIns="0" bIns="0" anchor="ctr">
-            <a:spAutoFit/>
-          </a:bodyPr>
+          <a:bodyPr lIns="0" rIns="0" tIns="0" bIns="0" anchor="ctr"/>
           <a:p>
             <a:pPr algn="ctr"/>
             <a:endParaRPr b="0" lang="de-DE" sz="4400" spc="-1" strike="noStrike">
@@ -3507,9 +3988,7 @@
           </a:prstGeom>
         </p:spPr>
         <p:txBody>
-          <a:bodyPr lIns="0" rIns="0" tIns="0" bIns="0" anchor="ctr">
-            <a:spAutoFit/>
-          </a:bodyPr>
+          <a:bodyPr lIns="0" rIns="0" tIns="0" bIns="0" anchor="ctr"/>
           <a:p>
             <a:pPr algn="ctr"/>
             <a:endParaRPr b="0" lang="de-DE" sz="4400" spc="-1" strike="noStrike">
@@ -3538,9 +4017,7 @@
           </a:prstGeom>
         </p:spPr>
         <p:txBody>
-          <a:bodyPr lIns="0" rIns="0" tIns="0" bIns="0" anchor="ctr">
-            <a:spAutoFit/>
-          </a:bodyPr>
+          <a:bodyPr lIns="0" rIns="0" tIns="0" bIns="0" anchor="ctr"/>
           <a:p>
             <a:pPr algn="ctr"/>
             <a:endParaRPr b="0" lang="de-DE" sz="3200" spc="-1" strike="noStrike">
@@ -3591,9 +4068,7 @@
           </a:prstGeom>
         </p:spPr>
         <p:txBody>
-          <a:bodyPr lIns="0" rIns="0" tIns="0" bIns="0" anchor="ctr">
-            <a:spAutoFit/>
-          </a:bodyPr>
+          <a:bodyPr lIns="0" rIns="0" tIns="0" bIns="0" anchor="ctr"/>
           <a:p>
             <a:pPr algn="ctr"/>
             <a:endParaRPr b="0" lang="de-DE" sz="4400" spc="-1" strike="noStrike">
@@ -3674,9 +4149,7 @@
           </a:prstGeom>
         </p:spPr>
         <p:txBody>
-          <a:bodyPr lIns="0" rIns="0" tIns="0" bIns="0" anchor="ctr">
-            <a:spAutoFit/>
-          </a:bodyPr>
+          <a:bodyPr lIns="0" rIns="0" tIns="0" bIns="0" anchor="ctr"/>
           <a:p>
             <a:pPr algn="ctr"/>
             <a:endParaRPr b="0" lang="de-DE" sz="4400" spc="-1" strike="noStrike">
@@ -3787,9 +4260,7 @@
           </a:prstGeom>
         </p:spPr>
         <p:txBody>
-          <a:bodyPr lIns="0" rIns="0" tIns="0" bIns="0" anchor="ctr">
-            <a:spAutoFit/>
-          </a:bodyPr>
+          <a:bodyPr lIns="0" rIns="0" tIns="0" bIns="0" anchor="ctr"/>
           <a:p>
             <a:pPr algn="ctr"/>
             <a:endParaRPr b="0" lang="de-DE" sz="4400" spc="-1" strike="noStrike">
@@ -3900,9 +4371,7 @@
           </a:prstGeom>
         </p:spPr>
         <p:txBody>
-          <a:bodyPr lIns="0" rIns="0" tIns="0" bIns="0" anchor="ctr">
-            <a:spAutoFit/>
-          </a:bodyPr>
+          <a:bodyPr lIns="0" rIns="0" tIns="0" bIns="0" anchor="ctr"/>
           <a:p>
             <a:pPr algn="ctr"/>
             <a:endParaRPr b="0" lang="de-DE" sz="4400" spc="-1" strike="noStrike">
@@ -3953,9 +4422,7 @@
           </a:prstGeom>
         </p:spPr>
         <p:txBody>
-          <a:bodyPr lIns="0" rIns="0" tIns="0" bIns="0" anchor="ctr">
-            <a:spAutoFit/>
-          </a:bodyPr>
+          <a:bodyPr lIns="0" rIns="0" tIns="0" bIns="0" anchor="ctr"/>
           <a:p>
             <a:pPr algn="ctr"/>
             <a:endParaRPr b="0" lang="de-DE" sz="3200" spc="-1" strike="noStrike">
@@ -4006,9 +4473,7 @@
           </a:prstGeom>
         </p:spPr>
         <p:txBody>
-          <a:bodyPr lIns="0" rIns="0" tIns="0" bIns="0" anchor="ctr">
-            <a:spAutoFit/>
-          </a:bodyPr>
+          <a:bodyPr lIns="0" rIns="0" tIns="0" bIns="0" anchor="ctr"/>
           <a:p>
             <a:pPr algn="ctr"/>
             <a:endParaRPr b="0" lang="de-DE" sz="4400" spc="-1" strike="noStrike">
@@ -4149,9 +4614,7 @@
           </a:prstGeom>
         </p:spPr>
         <p:txBody>
-          <a:bodyPr lIns="0" rIns="0" tIns="0" bIns="0" anchor="ctr">
-            <a:spAutoFit/>
-          </a:bodyPr>
+          <a:bodyPr lIns="0" rIns="0" tIns="0" bIns="0" anchor="ctr"/>
           <a:p>
             <a:pPr algn="ctr"/>
             <a:endParaRPr b="0" lang="de-DE" sz="4400" spc="-1" strike="noStrike">
@@ -4292,9 +4755,7 @@
           </a:prstGeom>
         </p:spPr>
         <p:txBody>
-          <a:bodyPr lIns="0" rIns="0" tIns="0" bIns="0" anchor="ctr">
-            <a:spAutoFit/>
-          </a:bodyPr>
+          <a:bodyPr lIns="0" rIns="0" tIns="0" bIns="0" anchor="ctr"/>
           <a:p>
             <a:pPr algn="ctr"/>
             <a:endParaRPr b="0" lang="de-DE" sz="4400" spc="-1" strike="noStrike">
@@ -4435,9 +4896,7 @@
           </a:prstGeom>
         </p:spPr>
         <p:txBody>
-          <a:bodyPr lIns="0" rIns="0" tIns="0" bIns="0" anchor="ctr">
-            <a:spAutoFit/>
-          </a:bodyPr>
+          <a:bodyPr lIns="0" rIns="0" tIns="0" bIns="0" anchor="ctr"/>
           <a:p>
             <a:pPr algn="ctr"/>
             <a:endParaRPr b="0" lang="de-DE" sz="4400" spc="-1" strike="noStrike">
@@ -4548,9 +5007,7 @@
           </a:prstGeom>
         </p:spPr>
         <p:txBody>
-          <a:bodyPr lIns="0" rIns="0" tIns="0" bIns="0" anchor="ctr">
-            <a:spAutoFit/>
-          </a:bodyPr>
+          <a:bodyPr lIns="0" rIns="0" tIns="0" bIns="0" anchor="ctr"/>
           <a:p>
             <a:pPr algn="ctr"/>
             <a:endParaRPr b="0" lang="de-DE" sz="4400" spc="-1" strike="noStrike">
@@ -4721,9 +5178,7 @@
           </a:prstGeom>
         </p:spPr>
         <p:txBody>
-          <a:bodyPr lIns="0" rIns="0" tIns="0" bIns="0" anchor="ctr">
-            <a:spAutoFit/>
-          </a:bodyPr>
+          <a:bodyPr lIns="0" rIns="0" tIns="0" bIns="0" anchor="ctr"/>
           <a:p>
             <a:pPr algn="ctr"/>
             <a:endParaRPr b="0" lang="de-DE" sz="4400" spc="-1" strike="noStrike">
@@ -4976,9 +5431,7 @@
           </a:prstGeom>
         </p:spPr>
         <p:txBody>
-          <a:bodyPr lIns="0" rIns="0" tIns="0" bIns="0" anchor="ctr">
-            <a:spAutoFit/>
-          </a:bodyPr>
+          <a:bodyPr lIns="0" rIns="0" tIns="0" bIns="0" anchor="ctr"/>
           <a:p>
             <a:pPr algn="ctr"/>
             <a:endParaRPr b="0" lang="de-DE" sz="4400" spc="-1" strike="noStrike">
@@ -5029,9 +5482,7 @@
           </a:prstGeom>
         </p:spPr>
         <p:txBody>
-          <a:bodyPr lIns="0" rIns="0" tIns="0" bIns="0" anchor="ctr">
-            <a:spAutoFit/>
-          </a:bodyPr>
+          <a:bodyPr lIns="0" rIns="0" tIns="0" bIns="0" anchor="ctr"/>
           <a:p>
             <a:pPr algn="ctr"/>
             <a:endParaRPr b="0" lang="de-DE" sz="4400" spc="-1" strike="noStrike">
@@ -5060,9 +5511,7 @@
           </a:prstGeom>
         </p:spPr>
         <p:txBody>
-          <a:bodyPr lIns="0" rIns="0" tIns="0" bIns="0" anchor="ctr">
-            <a:spAutoFit/>
-          </a:bodyPr>
+          <a:bodyPr lIns="0" rIns="0" tIns="0" bIns="0" anchor="ctr"/>
           <a:p>
             <a:pPr algn="ctr"/>
             <a:endParaRPr b="0" lang="de-DE" sz="3200" spc="-1" strike="noStrike">
@@ -5113,9 +5562,7 @@
           </a:prstGeom>
         </p:spPr>
         <p:txBody>
-          <a:bodyPr lIns="0" rIns="0" tIns="0" bIns="0" anchor="ctr">
-            <a:spAutoFit/>
-          </a:bodyPr>
+          <a:bodyPr lIns="0" rIns="0" tIns="0" bIns="0" anchor="ctr"/>
           <a:p>
             <a:pPr algn="ctr"/>
             <a:endParaRPr b="0" lang="de-DE" sz="4400" spc="-1" strike="noStrike">
@@ -5196,9 +5643,7 @@
           </a:prstGeom>
         </p:spPr>
         <p:txBody>
-          <a:bodyPr lIns="0" rIns="0" tIns="0" bIns="0" anchor="ctr">
-            <a:spAutoFit/>
-          </a:bodyPr>
+          <a:bodyPr lIns="0" rIns="0" tIns="0" bIns="0" anchor="ctr"/>
           <a:p>
             <a:pPr algn="ctr"/>
             <a:endParaRPr b="0" lang="de-DE" sz="4400" spc="-1" strike="noStrike">
@@ -5309,9 +5754,7 @@
           </a:prstGeom>
         </p:spPr>
         <p:txBody>
-          <a:bodyPr lIns="0" rIns="0" tIns="0" bIns="0" anchor="ctr">
-            <a:spAutoFit/>
-          </a:bodyPr>
+          <a:bodyPr lIns="0" rIns="0" tIns="0" bIns="0" anchor="ctr"/>
           <a:p>
             <a:pPr algn="ctr"/>
             <a:endParaRPr b="0" lang="de-DE" sz="4400" spc="-1" strike="noStrike">
@@ -5362,9 +5805,7 @@
           </a:prstGeom>
         </p:spPr>
         <p:txBody>
-          <a:bodyPr lIns="0" rIns="0" tIns="0" bIns="0" anchor="ctr">
-            <a:spAutoFit/>
-          </a:bodyPr>
+          <a:bodyPr lIns="0" rIns="0" tIns="0" bIns="0" anchor="ctr"/>
           <a:p>
             <a:pPr algn="ctr"/>
             <a:endParaRPr b="0" lang="de-DE" sz="3200" spc="-1" strike="noStrike">
@@ -5415,9 +5856,7 @@
           </a:prstGeom>
         </p:spPr>
         <p:txBody>
-          <a:bodyPr lIns="0" rIns="0" tIns="0" bIns="0" anchor="ctr">
-            <a:spAutoFit/>
-          </a:bodyPr>
+          <a:bodyPr lIns="0" rIns="0" tIns="0" bIns="0" anchor="ctr"/>
           <a:p>
             <a:pPr algn="ctr"/>
             <a:endParaRPr b="0" lang="de-DE" sz="4400" spc="-1" strike="noStrike">
@@ -5558,9 +5997,7 @@
           </a:prstGeom>
         </p:spPr>
         <p:txBody>
-          <a:bodyPr lIns="0" rIns="0" tIns="0" bIns="0" anchor="ctr">
-            <a:spAutoFit/>
-          </a:bodyPr>
+          <a:bodyPr lIns="0" rIns="0" tIns="0" bIns="0" anchor="ctr"/>
           <a:p>
             <a:pPr algn="ctr"/>
             <a:endParaRPr b="0" lang="de-DE" sz="4400" spc="-1" strike="noStrike">
@@ -5701,9 +6138,7 @@
           </a:prstGeom>
         </p:spPr>
         <p:txBody>
-          <a:bodyPr lIns="0" rIns="0" tIns="0" bIns="0" anchor="ctr">
-            <a:spAutoFit/>
-          </a:bodyPr>
+          <a:bodyPr lIns="0" rIns="0" tIns="0" bIns="0" anchor="ctr"/>
           <a:p>
             <a:pPr algn="ctr"/>
             <a:endParaRPr b="0" lang="de-DE" sz="4400" spc="-1" strike="noStrike">
@@ -5844,9 +6279,7 @@
           </a:prstGeom>
         </p:spPr>
         <p:txBody>
-          <a:bodyPr lIns="0" rIns="0" tIns="0" bIns="0" anchor="ctr">
-            <a:spAutoFit/>
-          </a:bodyPr>
+          <a:bodyPr lIns="0" rIns="0" tIns="0" bIns="0" anchor="ctr"/>
           <a:p>
             <a:pPr algn="ctr"/>
             <a:endParaRPr b="0" lang="de-DE" sz="4400" spc="-1" strike="noStrike">
@@ -5957,9 +6390,7 @@
           </a:prstGeom>
         </p:spPr>
         <p:txBody>
-          <a:bodyPr lIns="0" rIns="0" tIns="0" bIns="0" anchor="ctr">
-            <a:spAutoFit/>
-          </a:bodyPr>
+          <a:bodyPr lIns="0" rIns="0" tIns="0" bIns="0" anchor="ctr"/>
           <a:p>
             <a:pPr algn="ctr"/>
             <a:endParaRPr b="0" lang="de-DE" sz="4400" spc="-1" strike="noStrike">
@@ -6130,9 +6561,7 @@
           </a:prstGeom>
         </p:spPr>
         <p:txBody>
-          <a:bodyPr lIns="0" rIns="0" tIns="0" bIns="0" anchor="ctr">
-            <a:spAutoFit/>
-          </a:bodyPr>
+          <a:bodyPr lIns="0" rIns="0" tIns="0" bIns="0" anchor="ctr"/>
           <a:p>
             <a:pPr algn="ctr"/>
             <a:endParaRPr b="0" lang="de-DE" sz="3200" spc="-1" strike="noStrike">
@@ -6183,9 +6612,7 @@
           </a:prstGeom>
         </p:spPr>
         <p:txBody>
-          <a:bodyPr lIns="0" rIns="0" tIns="0" bIns="0" anchor="ctr">
-            <a:spAutoFit/>
-          </a:bodyPr>
+          <a:bodyPr lIns="0" rIns="0" tIns="0" bIns="0" anchor="ctr"/>
           <a:p>
             <a:pPr algn="ctr"/>
             <a:endParaRPr b="0" lang="de-DE" sz="4400" spc="-1" strike="noStrike">
@@ -6438,9 +6865,7 @@
           </a:prstGeom>
         </p:spPr>
         <p:txBody>
-          <a:bodyPr lIns="0" rIns="0" tIns="0" bIns="0" anchor="ctr">
-            <a:spAutoFit/>
-          </a:bodyPr>
+          <a:bodyPr lIns="0" rIns="0" tIns="0" bIns="0" anchor="ctr"/>
           <a:p>
             <a:pPr algn="ctr"/>
             <a:endParaRPr b="0" lang="de-DE" sz="4400" spc="-1" strike="noStrike">
@@ -6469,9 +6894,7 @@
           </a:prstGeom>
         </p:spPr>
         <p:txBody>
-          <a:bodyPr lIns="0" rIns="0" tIns="0" bIns="0" anchor="ctr">
-            <a:spAutoFit/>
-          </a:bodyPr>
+          <a:bodyPr lIns="0" rIns="0" tIns="0" bIns="0" anchor="ctr"/>
           <a:p>
             <a:pPr algn="ctr"/>
             <a:endParaRPr b="0" lang="de-DE" sz="3200" spc="-1" strike="noStrike">
@@ -6522,9 +6945,7 @@
           </a:prstGeom>
         </p:spPr>
         <p:txBody>
-          <a:bodyPr lIns="0" rIns="0" tIns="0" bIns="0" anchor="ctr">
-            <a:spAutoFit/>
-          </a:bodyPr>
+          <a:bodyPr lIns="0" rIns="0" tIns="0" bIns="0" anchor="ctr"/>
           <a:p>
             <a:pPr algn="ctr"/>
             <a:endParaRPr b="0" lang="de-DE" sz="4400" spc="-1" strike="noStrike">
@@ -6605,9 +7026,7 @@
           </a:prstGeom>
         </p:spPr>
         <p:txBody>
-          <a:bodyPr lIns="0" rIns="0" tIns="0" bIns="0" anchor="ctr">
-            <a:spAutoFit/>
-          </a:bodyPr>
+          <a:bodyPr lIns="0" rIns="0" tIns="0" bIns="0" anchor="ctr"/>
           <a:p>
             <a:pPr algn="ctr"/>
             <a:endParaRPr b="0" lang="de-DE" sz="4400" spc="-1" strike="noStrike">
@@ -6718,9 +7137,7 @@
           </a:prstGeom>
         </p:spPr>
         <p:txBody>
-          <a:bodyPr lIns="0" rIns="0" tIns="0" bIns="0" anchor="ctr">
-            <a:spAutoFit/>
-          </a:bodyPr>
+          <a:bodyPr lIns="0" rIns="0" tIns="0" bIns="0" anchor="ctr"/>
           <a:p>
             <a:pPr algn="ctr"/>
             <a:endParaRPr b="0" lang="de-DE" sz="4400" spc="-1" strike="noStrike">
@@ -6771,9 +7188,7 @@
           </a:prstGeom>
         </p:spPr>
         <p:txBody>
-          <a:bodyPr lIns="0" rIns="0" tIns="0" bIns="0" anchor="ctr">
-            <a:spAutoFit/>
-          </a:bodyPr>
+          <a:bodyPr lIns="0" rIns="0" tIns="0" bIns="0" anchor="ctr"/>
           <a:p>
             <a:pPr algn="ctr"/>
             <a:endParaRPr b="0" lang="de-DE" sz="3200" spc="-1" strike="noStrike">
@@ -6824,9 +7239,7 @@
           </a:prstGeom>
         </p:spPr>
         <p:txBody>
-          <a:bodyPr lIns="0" rIns="0" tIns="0" bIns="0" anchor="ctr">
-            <a:spAutoFit/>
-          </a:bodyPr>
+          <a:bodyPr lIns="0" rIns="0" tIns="0" bIns="0" anchor="ctr"/>
           <a:p>
             <a:pPr algn="ctr"/>
             <a:endParaRPr b="0" lang="de-DE" sz="4400" spc="-1" strike="noStrike">
@@ -6967,9 +7380,7 @@
           </a:prstGeom>
         </p:spPr>
         <p:txBody>
-          <a:bodyPr lIns="0" rIns="0" tIns="0" bIns="0" anchor="ctr">
-            <a:spAutoFit/>
-          </a:bodyPr>
+          <a:bodyPr lIns="0" rIns="0" tIns="0" bIns="0" anchor="ctr"/>
           <a:p>
             <a:pPr algn="ctr"/>
             <a:endParaRPr b="0" lang="de-DE" sz="4400" spc="-1" strike="noStrike">
@@ -7110,9 +7521,7 @@
           </a:prstGeom>
         </p:spPr>
         <p:txBody>
-          <a:bodyPr lIns="0" rIns="0" tIns="0" bIns="0" anchor="ctr">
-            <a:spAutoFit/>
-          </a:bodyPr>
+          <a:bodyPr lIns="0" rIns="0" tIns="0" bIns="0" anchor="ctr"/>
           <a:p>
             <a:pPr algn="ctr"/>
             <a:endParaRPr b="0" lang="de-DE" sz="4400" spc="-1" strike="noStrike">
@@ -7253,9 +7662,7 @@
           </a:prstGeom>
         </p:spPr>
         <p:txBody>
-          <a:bodyPr lIns="0" rIns="0" tIns="0" bIns="0" anchor="ctr">
-            <a:spAutoFit/>
-          </a:bodyPr>
+          <a:bodyPr lIns="0" rIns="0" tIns="0" bIns="0" anchor="ctr"/>
           <a:p>
             <a:pPr algn="ctr"/>
             <a:endParaRPr b="0" lang="de-DE" sz="4400" spc="-1" strike="noStrike">
@@ -7396,9 +7803,7 @@
           </a:prstGeom>
         </p:spPr>
         <p:txBody>
-          <a:bodyPr lIns="0" rIns="0" tIns="0" bIns="0" anchor="ctr">
-            <a:spAutoFit/>
-          </a:bodyPr>
+          <a:bodyPr lIns="0" rIns="0" tIns="0" bIns="0" anchor="ctr"/>
           <a:p>
             <a:pPr algn="ctr"/>
             <a:endParaRPr b="0" lang="de-DE" sz="4400" spc="-1" strike="noStrike">
@@ -7509,9 +7914,7 @@
           </a:prstGeom>
         </p:spPr>
         <p:txBody>
-          <a:bodyPr lIns="0" rIns="0" tIns="0" bIns="0" anchor="ctr">
-            <a:spAutoFit/>
-          </a:bodyPr>
+          <a:bodyPr lIns="0" rIns="0" tIns="0" bIns="0" anchor="ctr"/>
           <a:p>
             <a:pPr algn="ctr"/>
             <a:endParaRPr b="0" lang="de-DE" sz="4400" spc="-1" strike="noStrike">
@@ -7682,9 +8085,7 @@
           </a:prstGeom>
         </p:spPr>
         <p:txBody>
-          <a:bodyPr lIns="0" rIns="0" tIns="0" bIns="0" anchor="ctr">
-            <a:spAutoFit/>
-          </a:bodyPr>
+          <a:bodyPr lIns="0" rIns="0" tIns="0" bIns="0" anchor="ctr"/>
           <a:p>
             <a:pPr algn="ctr"/>
             <a:endParaRPr b="0" lang="de-DE" sz="4400" spc="-1" strike="noStrike">
@@ -7857,6 +8258,543 @@
           <a:xfrm>
             <a:off x="6022080" y="2761920"/>
             <a:ext cx="2649600" cy="1422720"/>
+          </a:xfrm>
+          <a:prstGeom prst="rect">
+            <a:avLst/>
+          </a:prstGeom>
+        </p:spPr>
+        <p:txBody>
+          <a:bodyPr lIns="0" rIns="0" tIns="0" bIns="0">
+            <a:normAutofit/>
+          </a:bodyPr>
+          <a:p>
+            <a:endParaRPr b="0" lang="de-DE" sz="3200" spc="-1" strike="noStrike">
+              <a:latin typeface="Arial"/>
+            </a:endParaRPr>
+          </a:p>
+        </p:txBody>
+      </p:sp>
+    </p:spTree>
+  </p:cSld>
+</p:sldLayout>
+</file>
+
+<file path=ppt/slideLayouts/slideLayout73.xml><?xml version="1.0" encoding="utf-8"?>
+<p:sldLayout xmlns:a="http://schemas.openxmlformats.org/drawingml/2006/main" xmlns:p="http://schemas.openxmlformats.org/presentationml/2006/main" xmlns:r="http://schemas.openxmlformats.org/officeDocument/2006/relationships" xmlns:p14="http://schemas.microsoft.com/office/powerpoint/2010/main" xmlns:p15="http://schemas.microsoft.com/office/powerpoint/2012/main" xmlns:mc="http://schemas.openxmlformats.org/markup-compatibility/2006" type="blank" preserve="1">
+  <p:cSld name="Blank Slide">
+    <p:spTree>
+      <p:nvGrpSpPr>
+        <p:cNvPr id="1" name=""/>
+        <p:cNvGrpSpPr/>
+        <p:nvPr/>
+      </p:nvGrpSpPr>
+      <p:grpSpPr>
+        <a:xfrm>
+          <a:off x="0" y="0"/>
+          <a:ext cx="0" cy="0"/>
+          <a:chOff x="0" y="0"/>
+          <a:chExt cx="0" cy="0"/>
+        </a:xfrm>
+      </p:grpSpPr>
+    </p:spTree>
+  </p:cSld>
+</p:sldLayout>
+</file>
+
+<file path=ppt/slideLayouts/slideLayout74.xml><?xml version="1.0" encoding="utf-8"?>
+<p:sldLayout xmlns:a="http://schemas.openxmlformats.org/drawingml/2006/main" xmlns:p="http://schemas.openxmlformats.org/presentationml/2006/main" xmlns:r="http://schemas.openxmlformats.org/officeDocument/2006/relationships" xmlns:p14="http://schemas.microsoft.com/office/powerpoint/2010/main" xmlns:p15="http://schemas.microsoft.com/office/powerpoint/2012/main" xmlns:mc="http://schemas.openxmlformats.org/markup-compatibility/2006" type="tx" preserve="1">
+  <p:cSld name="Title Slide">
+    <p:spTree>
+      <p:nvGrpSpPr>
+        <p:cNvPr id="1" name=""/>
+        <p:cNvGrpSpPr/>
+        <p:nvPr/>
+      </p:nvGrpSpPr>
+      <p:grpSpPr>
+        <a:xfrm>
+          <a:off x="0" y="0"/>
+          <a:ext cx="0" cy="0"/>
+          <a:chOff x="0" y="0"/>
+          <a:chExt cx="0" cy="0"/>
+        </a:xfrm>
+      </p:grpSpPr>
+      <p:sp>
+        <p:nvSpPr>
+          <p:cNvPr id="271" name="PlaceHolder 1"/>
+          <p:cNvSpPr>
+            <a:spLocks noGrp="1"/>
+          </p:cNvSpPr>
+          <p:nvPr>
+            <p:ph type="title"/>
+          </p:nvPr>
+        </p:nvSpPr>
+        <p:spPr>
+          <a:xfrm>
+            <a:off x="457200" y="205200"/>
+            <a:ext cx="8229240" cy="858600"/>
+          </a:xfrm>
+          <a:prstGeom prst="rect">
+            <a:avLst/>
+          </a:prstGeom>
+        </p:spPr>
+        <p:txBody>
+          <a:bodyPr lIns="0" rIns="0" tIns="0" bIns="0" anchor="ctr"/>
+          <a:p>
+            <a:pPr algn="ctr"/>
+            <a:endParaRPr b="0" lang="de-DE" sz="4400" spc="-1" strike="noStrike">
+              <a:latin typeface="Arial"/>
+            </a:endParaRPr>
+          </a:p>
+        </p:txBody>
+      </p:sp>
+      <p:sp>
+        <p:nvSpPr>
+          <p:cNvPr id="272" name="PlaceHolder 2"/>
+          <p:cNvSpPr>
+            <a:spLocks noGrp="1"/>
+          </p:cNvSpPr>
+          <p:nvPr>
+            <p:ph type="subTitle"/>
+          </p:nvPr>
+        </p:nvSpPr>
+        <p:spPr>
+          <a:xfrm>
+            <a:off x="457200" y="1203480"/>
+            <a:ext cx="8229240" cy="2982960"/>
+          </a:xfrm>
+          <a:prstGeom prst="rect">
+            <a:avLst/>
+          </a:prstGeom>
+        </p:spPr>
+        <p:txBody>
+          <a:bodyPr lIns="0" rIns="0" tIns="0" bIns="0" anchor="ctr"/>
+          <a:p>
+            <a:pPr algn="ctr"/>
+            <a:endParaRPr b="0" lang="de-DE" sz="3200" spc="-1" strike="noStrike">
+              <a:latin typeface="Arial"/>
+            </a:endParaRPr>
+          </a:p>
+        </p:txBody>
+      </p:sp>
+    </p:spTree>
+  </p:cSld>
+</p:sldLayout>
+</file>
+
+<file path=ppt/slideLayouts/slideLayout75.xml><?xml version="1.0" encoding="utf-8"?>
+<p:sldLayout xmlns:a="http://schemas.openxmlformats.org/drawingml/2006/main" xmlns:p="http://schemas.openxmlformats.org/presentationml/2006/main" xmlns:r="http://schemas.openxmlformats.org/officeDocument/2006/relationships" xmlns:p14="http://schemas.microsoft.com/office/powerpoint/2010/main" xmlns:p15="http://schemas.microsoft.com/office/powerpoint/2012/main" xmlns:mc="http://schemas.openxmlformats.org/markup-compatibility/2006" type="obj" preserve="1">
+  <p:cSld name="Title, Content">
+    <p:spTree>
+      <p:nvGrpSpPr>
+        <p:cNvPr id="1" name=""/>
+        <p:cNvGrpSpPr/>
+        <p:nvPr/>
+      </p:nvGrpSpPr>
+      <p:grpSpPr>
+        <a:xfrm>
+          <a:off x="0" y="0"/>
+          <a:ext cx="0" cy="0"/>
+          <a:chOff x="0" y="0"/>
+          <a:chExt cx="0" cy="0"/>
+        </a:xfrm>
+      </p:grpSpPr>
+      <p:sp>
+        <p:nvSpPr>
+          <p:cNvPr id="273" name="PlaceHolder 1"/>
+          <p:cNvSpPr>
+            <a:spLocks noGrp="1"/>
+          </p:cNvSpPr>
+          <p:nvPr>
+            <p:ph type="title"/>
+          </p:nvPr>
+        </p:nvSpPr>
+        <p:spPr>
+          <a:xfrm>
+            <a:off x="457200" y="205200"/>
+            <a:ext cx="8229240" cy="858600"/>
+          </a:xfrm>
+          <a:prstGeom prst="rect">
+            <a:avLst/>
+          </a:prstGeom>
+        </p:spPr>
+        <p:txBody>
+          <a:bodyPr lIns="0" rIns="0" tIns="0" bIns="0" anchor="ctr"/>
+          <a:p>
+            <a:pPr algn="ctr"/>
+            <a:endParaRPr b="0" lang="de-DE" sz="4400" spc="-1" strike="noStrike">
+              <a:latin typeface="Arial"/>
+            </a:endParaRPr>
+          </a:p>
+        </p:txBody>
+      </p:sp>
+      <p:sp>
+        <p:nvSpPr>
+          <p:cNvPr id="274" name="PlaceHolder 2"/>
+          <p:cNvSpPr>
+            <a:spLocks noGrp="1"/>
+          </p:cNvSpPr>
+          <p:nvPr>
+            <p:ph type="body"/>
+          </p:nvPr>
+        </p:nvSpPr>
+        <p:spPr>
+          <a:xfrm>
+            <a:off x="457200" y="1203480"/>
+            <a:ext cx="8229240" cy="2982960"/>
+          </a:xfrm>
+          <a:prstGeom prst="rect">
+            <a:avLst/>
+          </a:prstGeom>
+        </p:spPr>
+        <p:txBody>
+          <a:bodyPr lIns="0" rIns="0" tIns="0" bIns="0">
+            <a:normAutofit/>
+          </a:bodyPr>
+          <a:p>
+            <a:endParaRPr b="0" lang="de-DE" sz="3200" spc="-1" strike="noStrike">
+              <a:latin typeface="Arial"/>
+            </a:endParaRPr>
+          </a:p>
+        </p:txBody>
+      </p:sp>
+    </p:spTree>
+  </p:cSld>
+</p:sldLayout>
+</file>
+
+<file path=ppt/slideLayouts/slideLayout76.xml><?xml version="1.0" encoding="utf-8"?>
+<p:sldLayout xmlns:a="http://schemas.openxmlformats.org/drawingml/2006/main" xmlns:p="http://schemas.openxmlformats.org/presentationml/2006/main" xmlns:r="http://schemas.openxmlformats.org/officeDocument/2006/relationships" xmlns:p14="http://schemas.microsoft.com/office/powerpoint/2010/main" xmlns:p15="http://schemas.microsoft.com/office/powerpoint/2012/main" xmlns:mc="http://schemas.openxmlformats.org/markup-compatibility/2006" type="twoObj" preserve="1">
+  <p:cSld name="Title, 2 Content">
+    <p:spTree>
+      <p:nvGrpSpPr>
+        <p:cNvPr id="1" name=""/>
+        <p:cNvGrpSpPr/>
+        <p:nvPr/>
+      </p:nvGrpSpPr>
+      <p:grpSpPr>
+        <a:xfrm>
+          <a:off x="0" y="0"/>
+          <a:ext cx="0" cy="0"/>
+          <a:chOff x="0" y="0"/>
+          <a:chExt cx="0" cy="0"/>
+        </a:xfrm>
+      </p:grpSpPr>
+      <p:sp>
+        <p:nvSpPr>
+          <p:cNvPr id="275" name="PlaceHolder 1"/>
+          <p:cNvSpPr>
+            <a:spLocks noGrp="1"/>
+          </p:cNvSpPr>
+          <p:nvPr>
+            <p:ph type="title"/>
+          </p:nvPr>
+        </p:nvSpPr>
+        <p:spPr>
+          <a:xfrm>
+            <a:off x="457200" y="205200"/>
+            <a:ext cx="8229240" cy="858600"/>
+          </a:xfrm>
+          <a:prstGeom prst="rect">
+            <a:avLst/>
+          </a:prstGeom>
+        </p:spPr>
+        <p:txBody>
+          <a:bodyPr lIns="0" rIns="0" tIns="0" bIns="0" anchor="ctr"/>
+          <a:p>
+            <a:pPr algn="ctr"/>
+            <a:endParaRPr b="0" lang="de-DE" sz="4400" spc="-1" strike="noStrike">
+              <a:latin typeface="Arial"/>
+            </a:endParaRPr>
+          </a:p>
+        </p:txBody>
+      </p:sp>
+      <p:sp>
+        <p:nvSpPr>
+          <p:cNvPr id="276" name="PlaceHolder 2"/>
+          <p:cNvSpPr>
+            <a:spLocks noGrp="1"/>
+          </p:cNvSpPr>
+          <p:nvPr>
+            <p:ph type="body"/>
+          </p:nvPr>
+        </p:nvSpPr>
+        <p:spPr>
+          <a:xfrm>
+            <a:off x="457200" y="1203480"/>
+            <a:ext cx="4015800" cy="2982960"/>
+          </a:xfrm>
+          <a:prstGeom prst="rect">
+            <a:avLst/>
+          </a:prstGeom>
+        </p:spPr>
+        <p:txBody>
+          <a:bodyPr lIns="0" rIns="0" tIns="0" bIns="0">
+            <a:normAutofit/>
+          </a:bodyPr>
+          <a:p>
+            <a:endParaRPr b="0" lang="de-DE" sz="3200" spc="-1" strike="noStrike">
+              <a:latin typeface="Arial"/>
+            </a:endParaRPr>
+          </a:p>
+        </p:txBody>
+      </p:sp>
+      <p:sp>
+        <p:nvSpPr>
+          <p:cNvPr id="277" name="PlaceHolder 3"/>
+          <p:cNvSpPr>
+            <a:spLocks noGrp="1"/>
+          </p:cNvSpPr>
+          <p:nvPr>
+            <p:ph type="body"/>
+          </p:nvPr>
+        </p:nvSpPr>
+        <p:spPr>
+          <a:xfrm>
+            <a:off x="4674240" y="1203480"/>
+            <a:ext cx="4015800" cy="2982960"/>
+          </a:xfrm>
+          <a:prstGeom prst="rect">
+            <a:avLst/>
+          </a:prstGeom>
+        </p:spPr>
+        <p:txBody>
+          <a:bodyPr lIns="0" rIns="0" tIns="0" bIns="0">
+            <a:normAutofit/>
+          </a:bodyPr>
+          <a:p>
+            <a:endParaRPr b="0" lang="de-DE" sz="3200" spc="-1" strike="noStrike">
+              <a:latin typeface="Arial"/>
+            </a:endParaRPr>
+          </a:p>
+        </p:txBody>
+      </p:sp>
+    </p:spTree>
+  </p:cSld>
+</p:sldLayout>
+</file>
+
+<file path=ppt/slideLayouts/slideLayout77.xml><?xml version="1.0" encoding="utf-8"?>
+<p:sldLayout xmlns:a="http://schemas.openxmlformats.org/drawingml/2006/main" xmlns:p="http://schemas.openxmlformats.org/presentationml/2006/main" xmlns:r="http://schemas.openxmlformats.org/officeDocument/2006/relationships" xmlns:p14="http://schemas.microsoft.com/office/powerpoint/2010/main" xmlns:p15="http://schemas.microsoft.com/office/powerpoint/2012/main" xmlns:mc="http://schemas.openxmlformats.org/markup-compatibility/2006" type="titleOnly" preserve="1">
+  <p:cSld name="Title Only">
+    <p:spTree>
+      <p:nvGrpSpPr>
+        <p:cNvPr id="1" name=""/>
+        <p:cNvGrpSpPr/>
+        <p:nvPr/>
+      </p:nvGrpSpPr>
+      <p:grpSpPr>
+        <a:xfrm>
+          <a:off x="0" y="0"/>
+          <a:ext cx="0" cy="0"/>
+          <a:chOff x="0" y="0"/>
+          <a:chExt cx="0" cy="0"/>
+        </a:xfrm>
+      </p:grpSpPr>
+      <p:sp>
+        <p:nvSpPr>
+          <p:cNvPr id="278" name="PlaceHolder 1"/>
+          <p:cNvSpPr>
+            <a:spLocks noGrp="1"/>
+          </p:cNvSpPr>
+          <p:nvPr>
+            <p:ph type="title"/>
+          </p:nvPr>
+        </p:nvSpPr>
+        <p:spPr>
+          <a:xfrm>
+            <a:off x="457200" y="205200"/>
+            <a:ext cx="8229240" cy="858600"/>
+          </a:xfrm>
+          <a:prstGeom prst="rect">
+            <a:avLst/>
+          </a:prstGeom>
+        </p:spPr>
+        <p:txBody>
+          <a:bodyPr lIns="0" rIns="0" tIns="0" bIns="0" anchor="ctr"/>
+          <a:p>
+            <a:pPr algn="ctr"/>
+            <a:endParaRPr b="0" lang="de-DE" sz="4400" spc="-1" strike="noStrike">
+              <a:latin typeface="Arial"/>
+            </a:endParaRPr>
+          </a:p>
+        </p:txBody>
+      </p:sp>
+    </p:spTree>
+  </p:cSld>
+</p:sldLayout>
+</file>
+
+<file path=ppt/slideLayouts/slideLayout78.xml><?xml version="1.0" encoding="utf-8"?>
+<p:sldLayout xmlns:a="http://schemas.openxmlformats.org/drawingml/2006/main" xmlns:p="http://schemas.openxmlformats.org/presentationml/2006/main" xmlns:r="http://schemas.openxmlformats.org/officeDocument/2006/relationships" xmlns:p14="http://schemas.microsoft.com/office/powerpoint/2010/main" xmlns:p15="http://schemas.microsoft.com/office/powerpoint/2012/main" xmlns:mc="http://schemas.openxmlformats.org/markup-compatibility/2006" type="objOnly" preserve="1">
+  <p:cSld name="Centered Text">
+    <p:spTree>
+      <p:nvGrpSpPr>
+        <p:cNvPr id="1" name=""/>
+        <p:cNvGrpSpPr/>
+        <p:nvPr/>
+      </p:nvGrpSpPr>
+      <p:grpSpPr>
+        <a:xfrm>
+          <a:off x="0" y="0"/>
+          <a:ext cx="0" cy="0"/>
+          <a:chOff x="0" y="0"/>
+          <a:chExt cx="0" cy="0"/>
+        </a:xfrm>
+      </p:grpSpPr>
+      <p:sp>
+        <p:nvSpPr>
+          <p:cNvPr id="279" name="PlaceHolder 1"/>
+          <p:cNvSpPr>
+            <a:spLocks noGrp="1"/>
+          </p:cNvSpPr>
+          <p:nvPr>
+            <p:ph type="subTitle"/>
+          </p:nvPr>
+        </p:nvSpPr>
+        <p:spPr>
+          <a:xfrm>
+            <a:off x="457200" y="205200"/>
+            <a:ext cx="8229240" cy="3981240"/>
+          </a:xfrm>
+          <a:prstGeom prst="rect">
+            <a:avLst/>
+          </a:prstGeom>
+        </p:spPr>
+        <p:txBody>
+          <a:bodyPr lIns="0" rIns="0" tIns="0" bIns="0" anchor="ctr"/>
+          <a:p>
+            <a:pPr algn="ctr"/>
+            <a:endParaRPr b="0" lang="de-DE" sz="3200" spc="-1" strike="noStrike">
+              <a:latin typeface="Arial"/>
+            </a:endParaRPr>
+          </a:p>
+        </p:txBody>
+      </p:sp>
+    </p:spTree>
+  </p:cSld>
+</p:sldLayout>
+</file>
+
+<file path=ppt/slideLayouts/slideLayout79.xml><?xml version="1.0" encoding="utf-8"?>
+<p:sldLayout xmlns:a="http://schemas.openxmlformats.org/drawingml/2006/main" xmlns:p="http://schemas.openxmlformats.org/presentationml/2006/main" xmlns:r="http://schemas.openxmlformats.org/officeDocument/2006/relationships" xmlns:p14="http://schemas.microsoft.com/office/powerpoint/2010/main" xmlns:p15="http://schemas.microsoft.com/office/powerpoint/2012/main" xmlns:mc="http://schemas.openxmlformats.org/markup-compatibility/2006" type="twoObjAndObj" preserve="1">
+  <p:cSld name="Title, 2 Content and Content">
+    <p:spTree>
+      <p:nvGrpSpPr>
+        <p:cNvPr id="1" name=""/>
+        <p:cNvGrpSpPr/>
+        <p:nvPr/>
+      </p:nvGrpSpPr>
+      <p:grpSpPr>
+        <a:xfrm>
+          <a:off x="0" y="0"/>
+          <a:ext cx="0" cy="0"/>
+          <a:chOff x="0" y="0"/>
+          <a:chExt cx="0" cy="0"/>
+        </a:xfrm>
+      </p:grpSpPr>
+      <p:sp>
+        <p:nvSpPr>
+          <p:cNvPr id="280" name="PlaceHolder 1"/>
+          <p:cNvSpPr>
+            <a:spLocks noGrp="1"/>
+          </p:cNvSpPr>
+          <p:nvPr>
+            <p:ph type="title"/>
+          </p:nvPr>
+        </p:nvSpPr>
+        <p:spPr>
+          <a:xfrm>
+            <a:off x="457200" y="205200"/>
+            <a:ext cx="8229240" cy="858600"/>
+          </a:xfrm>
+          <a:prstGeom prst="rect">
+            <a:avLst/>
+          </a:prstGeom>
+        </p:spPr>
+        <p:txBody>
+          <a:bodyPr lIns="0" rIns="0" tIns="0" bIns="0" anchor="ctr"/>
+          <a:p>
+            <a:pPr algn="ctr"/>
+            <a:endParaRPr b="0" lang="de-DE" sz="4400" spc="-1" strike="noStrike">
+              <a:latin typeface="Arial"/>
+            </a:endParaRPr>
+          </a:p>
+        </p:txBody>
+      </p:sp>
+      <p:sp>
+        <p:nvSpPr>
+          <p:cNvPr id="281" name="PlaceHolder 2"/>
+          <p:cNvSpPr>
+            <a:spLocks noGrp="1"/>
+          </p:cNvSpPr>
+          <p:nvPr>
+            <p:ph type="body"/>
+          </p:nvPr>
+        </p:nvSpPr>
+        <p:spPr>
+          <a:xfrm>
+            <a:off x="457200" y="1203480"/>
+            <a:ext cx="4015800" cy="1422720"/>
+          </a:xfrm>
+          <a:prstGeom prst="rect">
+            <a:avLst/>
+          </a:prstGeom>
+        </p:spPr>
+        <p:txBody>
+          <a:bodyPr lIns="0" rIns="0" tIns="0" bIns="0">
+            <a:normAutofit/>
+          </a:bodyPr>
+          <a:p>
+            <a:endParaRPr b="0" lang="de-DE" sz="3200" spc="-1" strike="noStrike">
+              <a:latin typeface="Arial"/>
+            </a:endParaRPr>
+          </a:p>
+        </p:txBody>
+      </p:sp>
+      <p:sp>
+        <p:nvSpPr>
+          <p:cNvPr id="282" name="PlaceHolder 3"/>
+          <p:cNvSpPr>
+            <a:spLocks noGrp="1"/>
+          </p:cNvSpPr>
+          <p:nvPr>
+            <p:ph type="body"/>
+          </p:nvPr>
+        </p:nvSpPr>
+        <p:spPr>
+          <a:xfrm>
+            <a:off x="4674240" y="1203480"/>
+            <a:ext cx="4015800" cy="2982960"/>
+          </a:xfrm>
+          <a:prstGeom prst="rect">
+            <a:avLst/>
+          </a:prstGeom>
+        </p:spPr>
+        <p:txBody>
+          <a:bodyPr lIns="0" rIns="0" tIns="0" bIns="0">
+            <a:normAutofit/>
+          </a:bodyPr>
+          <a:p>
+            <a:endParaRPr b="0" lang="de-DE" sz="3200" spc="-1" strike="noStrike">
+              <a:latin typeface="Arial"/>
+            </a:endParaRPr>
+          </a:p>
+        </p:txBody>
+      </p:sp>
+      <p:sp>
+        <p:nvSpPr>
+          <p:cNvPr id="283" name="PlaceHolder 4"/>
+          <p:cNvSpPr>
+            <a:spLocks noGrp="1"/>
+          </p:cNvSpPr>
+          <p:nvPr>
+            <p:ph type="body"/>
+          </p:nvPr>
+        </p:nvSpPr>
+        <p:spPr>
+          <a:xfrm>
+            <a:off x="457200" y="2761920"/>
+            <a:ext cx="4015800" cy="1422720"/>
           </a:xfrm>
           <a:prstGeom prst="rect">
             <a:avLst/>
@@ -7915,9 +8853,7 @@
           </a:prstGeom>
         </p:spPr>
         <p:txBody>
-          <a:bodyPr lIns="0" rIns="0" tIns="0" bIns="0" anchor="ctr">
-            <a:spAutoFit/>
-          </a:bodyPr>
+          <a:bodyPr lIns="0" rIns="0" tIns="0" bIns="0" anchor="ctr"/>
           <a:p>
             <a:pPr algn="ctr"/>
             <a:endParaRPr b="0" lang="de-DE" sz="4400" spc="-1" strike="noStrike">
@@ -8000,6 +8936,801 @@
           <a:xfrm>
             <a:off x="4674240" y="2761920"/>
             <a:ext cx="4015800" cy="1422720"/>
+          </a:xfrm>
+          <a:prstGeom prst="rect">
+            <a:avLst/>
+          </a:prstGeom>
+        </p:spPr>
+        <p:txBody>
+          <a:bodyPr lIns="0" rIns="0" tIns="0" bIns="0">
+            <a:normAutofit/>
+          </a:bodyPr>
+          <a:p>
+            <a:endParaRPr b="0" lang="de-DE" sz="3200" spc="-1" strike="noStrike">
+              <a:latin typeface="Arial"/>
+            </a:endParaRPr>
+          </a:p>
+        </p:txBody>
+      </p:sp>
+    </p:spTree>
+  </p:cSld>
+</p:sldLayout>
+</file>
+
+<file path=ppt/slideLayouts/slideLayout80.xml><?xml version="1.0" encoding="utf-8"?>
+<p:sldLayout xmlns:a="http://schemas.openxmlformats.org/drawingml/2006/main" xmlns:p="http://schemas.openxmlformats.org/presentationml/2006/main" xmlns:r="http://schemas.openxmlformats.org/officeDocument/2006/relationships" xmlns:p14="http://schemas.microsoft.com/office/powerpoint/2010/main" xmlns:p15="http://schemas.microsoft.com/office/powerpoint/2012/main" xmlns:mc="http://schemas.openxmlformats.org/markup-compatibility/2006" type="objAndTwoObj" preserve="1">
+  <p:cSld name="Title Content and 2 Content">
+    <p:spTree>
+      <p:nvGrpSpPr>
+        <p:cNvPr id="1" name=""/>
+        <p:cNvGrpSpPr/>
+        <p:nvPr/>
+      </p:nvGrpSpPr>
+      <p:grpSpPr>
+        <a:xfrm>
+          <a:off x="0" y="0"/>
+          <a:ext cx="0" cy="0"/>
+          <a:chOff x="0" y="0"/>
+          <a:chExt cx="0" cy="0"/>
+        </a:xfrm>
+      </p:grpSpPr>
+      <p:sp>
+        <p:nvSpPr>
+          <p:cNvPr id="284" name="PlaceHolder 1"/>
+          <p:cNvSpPr>
+            <a:spLocks noGrp="1"/>
+          </p:cNvSpPr>
+          <p:nvPr>
+            <p:ph type="title"/>
+          </p:nvPr>
+        </p:nvSpPr>
+        <p:spPr>
+          <a:xfrm>
+            <a:off x="457200" y="205200"/>
+            <a:ext cx="8229240" cy="858600"/>
+          </a:xfrm>
+          <a:prstGeom prst="rect">
+            <a:avLst/>
+          </a:prstGeom>
+        </p:spPr>
+        <p:txBody>
+          <a:bodyPr lIns="0" rIns="0" tIns="0" bIns="0" anchor="ctr"/>
+          <a:p>
+            <a:pPr algn="ctr"/>
+            <a:endParaRPr b="0" lang="de-DE" sz="4400" spc="-1" strike="noStrike">
+              <a:latin typeface="Arial"/>
+            </a:endParaRPr>
+          </a:p>
+        </p:txBody>
+      </p:sp>
+      <p:sp>
+        <p:nvSpPr>
+          <p:cNvPr id="285" name="PlaceHolder 2"/>
+          <p:cNvSpPr>
+            <a:spLocks noGrp="1"/>
+          </p:cNvSpPr>
+          <p:nvPr>
+            <p:ph type="body"/>
+          </p:nvPr>
+        </p:nvSpPr>
+        <p:spPr>
+          <a:xfrm>
+            <a:off x="457200" y="1203480"/>
+            <a:ext cx="4015800" cy="2982960"/>
+          </a:xfrm>
+          <a:prstGeom prst="rect">
+            <a:avLst/>
+          </a:prstGeom>
+        </p:spPr>
+        <p:txBody>
+          <a:bodyPr lIns="0" rIns="0" tIns="0" bIns="0">
+            <a:normAutofit/>
+          </a:bodyPr>
+          <a:p>
+            <a:endParaRPr b="0" lang="de-DE" sz="3200" spc="-1" strike="noStrike">
+              <a:latin typeface="Arial"/>
+            </a:endParaRPr>
+          </a:p>
+        </p:txBody>
+      </p:sp>
+      <p:sp>
+        <p:nvSpPr>
+          <p:cNvPr id="286" name="PlaceHolder 3"/>
+          <p:cNvSpPr>
+            <a:spLocks noGrp="1"/>
+          </p:cNvSpPr>
+          <p:nvPr>
+            <p:ph type="body"/>
+          </p:nvPr>
+        </p:nvSpPr>
+        <p:spPr>
+          <a:xfrm>
+            <a:off x="4674240" y="1203480"/>
+            <a:ext cx="4015800" cy="1422720"/>
+          </a:xfrm>
+          <a:prstGeom prst="rect">
+            <a:avLst/>
+          </a:prstGeom>
+        </p:spPr>
+        <p:txBody>
+          <a:bodyPr lIns="0" rIns="0" tIns="0" bIns="0">
+            <a:normAutofit/>
+          </a:bodyPr>
+          <a:p>
+            <a:endParaRPr b="0" lang="de-DE" sz="3200" spc="-1" strike="noStrike">
+              <a:latin typeface="Arial"/>
+            </a:endParaRPr>
+          </a:p>
+        </p:txBody>
+      </p:sp>
+      <p:sp>
+        <p:nvSpPr>
+          <p:cNvPr id="287" name="PlaceHolder 4"/>
+          <p:cNvSpPr>
+            <a:spLocks noGrp="1"/>
+          </p:cNvSpPr>
+          <p:nvPr>
+            <p:ph type="body"/>
+          </p:nvPr>
+        </p:nvSpPr>
+        <p:spPr>
+          <a:xfrm>
+            <a:off x="4674240" y="2761920"/>
+            <a:ext cx="4015800" cy="1422720"/>
+          </a:xfrm>
+          <a:prstGeom prst="rect">
+            <a:avLst/>
+          </a:prstGeom>
+        </p:spPr>
+        <p:txBody>
+          <a:bodyPr lIns="0" rIns="0" tIns="0" bIns="0">
+            <a:normAutofit/>
+          </a:bodyPr>
+          <a:p>
+            <a:endParaRPr b="0" lang="de-DE" sz="3200" spc="-1" strike="noStrike">
+              <a:latin typeface="Arial"/>
+            </a:endParaRPr>
+          </a:p>
+        </p:txBody>
+      </p:sp>
+    </p:spTree>
+  </p:cSld>
+</p:sldLayout>
+</file>
+
+<file path=ppt/slideLayouts/slideLayout81.xml><?xml version="1.0" encoding="utf-8"?>
+<p:sldLayout xmlns:a="http://schemas.openxmlformats.org/drawingml/2006/main" xmlns:p="http://schemas.openxmlformats.org/presentationml/2006/main" xmlns:r="http://schemas.openxmlformats.org/officeDocument/2006/relationships" xmlns:p14="http://schemas.microsoft.com/office/powerpoint/2010/main" xmlns:p15="http://schemas.microsoft.com/office/powerpoint/2012/main" xmlns:mc="http://schemas.openxmlformats.org/markup-compatibility/2006" type="twoObjOverTx" preserve="1">
+  <p:cSld name="Title, 2 Content over Content">
+    <p:spTree>
+      <p:nvGrpSpPr>
+        <p:cNvPr id="1" name=""/>
+        <p:cNvGrpSpPr/>
+        <p:nvPr/>
+      </p:nvGrpSpPr>
+      <p:grpSpPr>
+        <a:xfrm>
+          <a:off x="0" y="0"/>
+          <a:ext cx="0" cy="0"/>
+          <a:chOff x="0" y="0"/>
+          <a:chExt cx="0" cy="0"/>
+        </a:xfrm>
+      </p:grpSpPr>
+      <p:sp>
+        <p:nvSpPr>
+          <p:cNvPr id="288" name="PlaceHolder 1"/>
+          <p:cNvSpPr>
+            <a:spLocks noGrp="1"/>
+          </p:cNvSpPr>
+          <p:nvPr>
+            <p:ph type="title"/>
+          </p:nvPr>
+        </p:nvSpPr>
+        <p:spPr>
+          <a:xfrm>
+            <a:off x="457200" y="205200"/>
+            <a:ext cx="8229240" cy="858600"/>
+          </a:xfrm>
+          <a:prstGeom prst="rect">
+            <a:avLst/>
+          </a:prstGeom>
+        </p:spPr>
+        <p:txBody>
+          <a:bodyPr lIns="0" rIns="0" tIns="0" bIns="0" anchor="ctr"/>
+          <a:p>
+            <a:pPr algn="ctr"/>
+            <a:endParaRPr b="0" lang="de-DE" sz="4400" spc="-1" strike="noStrike">
+              <a:latin typeface="Arial"/>
+            </a:endParaRPr>
+          </a:p>
+        </p:txBody>
+      </p:sp>
+      <p:sp>
+        <p:nvSpPr>
+          <p:cNvPr id="289" name="PlaceHolder 2"/>
+          <p:cNvSpPr>
+            <a:spLocks noGrp="1"/>
+          </p:cNvSpPr>
+          <p:nvPr>
+            <p:ph type="body"/>
+          </p:nvPr>
+        </p:nvSpPr>
+        <p:spPr>
+          <a:xfrm>
+            <a:off x="457200" y="1203480"/>
+            <a:ext cx="4015800" cy="1422720"/>
+          </a:xfrm>
+          <a:prstGeom prst="rect">
+            <a:avLst/>
+          </a:prstGeom>
+        </p:spPr>
+        <p:txBody>
+          <a:bodyPr lIns="0" rIns="0" tIns="0" bIns="0">
+            <a:normAutofit/>
+          </a:bodyPr>
+          <a:p>
+            <a:endParaRPr b="0" lang="de-DE" sz="3200" spc="-1" strike="noStrike">
+              <a:latin typeface="Arial"/>
+            </a:endParaRPr>
+          </a:p>
+        </p:txBody>
+      </p:sp>
+      <p:sp>
+        <p:nvSpPr>
+          <p:cNvPr id="290" name="PlaceHolder 3"/>
+          <p:cNvSpPr>
+            <a:spLocks noGrp="1"/>
+          </p:cNvSpPr>
+          <p:nvPr>
+            <p:ph type="body"/>
+          </p:nvPr>
+        </p:nvSpPr>
+        <p:spPr>
+          <a:xfrm>
+            <a:off x="4674240" y="1203480"/>
+            <a:ext cx="4015800" cy="1422720"/>
+          </a:xfrm>
+          <a:prstGeom prst="rect">
+            <a:avLst/>
+          </a:prstGeom>
+        </p:spPr>
+        <p:txBody>
+          <a:bodyPr lIns="0" rIns="0" tIns="0" bIns="0">
+            <a:normAutofit/>
+          </a:bodyPr>
+          <a:p>
+            <a:endParaRPr b="0" lang="de-DE" sz="3200" spc="-1" strike="noStrike">
+              <a:latin typeface="Arial"/>
+            </a:endParaRPr>
+          </a:p>
+        </p:txBody>
+      </p:sp>
+      <p:sp>
+        <p:nvSpPr>
+          <p:cNvPr id="291" name="PlaceHolder 4"/>
+          <p:cNvSpPr>
+            <a:spLocks noGrp="1"/>
+          </p:cNvSpPr>
+          <p:nvPr>
+            <p:ph type="body"/>
+          </p:nvPr>
+        </p:nvSpPr>
+        <p:spPr>
+          <a:xfrm>
+            <a:off x="457200" y="2761920"/>
+            <a:ext cx="8229240" cy="1422720"/>
+          </a:xfrm>
+          <a:prstGeom prst="rect">
+            <a:avLst/>
+          </a:prstGeom>
+        </p:spPr>
+        <p:txBody>
+          <a:bodyPr lIns="0" rIns="0" tIns="0" bIns="0">
+            <a:normAutofit/>
+          </a:bodyPr>
+          <a:p>
+            <a:endParaRPr b="0" lang="de-DE" sz="3200" spc="-1" strike="noStrike">
+              <a:latin typeface="Arial"/>
+            </a:endParaRPr>
+          </a:p>
+        </p:txBody>
+      </p:sp>
+    </p:spTree>
+  </p:cSld>
+</p:sldLayout>
+</file>
+
+<file path=ppt/slideLayouts/slideLayout82.xml><?xml version="1.0" encoding="utf-8"?>
+<p:sldLayout xmlns:a="http://schemas.openxmlformats.org/drawingml/2006/main" xmlns:p="http://schemas.openxmlformats.org/presentationml/2006/main" xmlns:r="http://schemas.openxmlformats.org/officeDocument/2006/relationships" xmlns:p14="http://schemas.microsoft.com/office/powerpoint/2010/main" xmlns:p15="http://schemas.microsoft.com/office/powerpoint/2012/main" xmlns:mc="http://schemas.openxmlformats.org/markup-compatibility/2006" type="objOverTx" preserve="1">
+  <p:cSld name="Title, Content over Content">
+    <p:spTree>
+      <p:nvGrpSpPr>
+        <p:cNvPr id="1" name=""/>
+        <p:cNvGrpSpPr/>
+        <p:nvPr/>
+      </p:nvGrpSpPr>
+      <p:grpSpPr>
+        <a:xfrm>
+          <a:off x="0" y="0"/>
+          <a:ext cx="0" cy="0"/>
+          <a:chOff x="0" y="0"/>
+          <a:chExt cx="0" cy="0"/>
+        </a:xfrm>
+      </p:grpSpPr>
+      <p:sp>
+        <p:nvSpPr>
+          <p:cNvPr id="292" name="PlaceHolder 1"/>
+          <p:cNvSpPr>
+            <a:spLocks noGrp="1"/>
+          </p:cNvSpPr>
+          <p:nvPr>
+            <p:ph type="title"/>
+          </p:nvPr>
+        </p:nvSpPr>
+        <p:spPr>
+          <a:xfrm>
+            <a:off x="457200" y="205200"/>
+            <a:ext cx="8229240" cy="858600"/>
+          </a:xfrm>
+          <a:prstGeom prst="rect">
+            <a:avLst/>
+          </a:prstGeom>
+        </p:spPr>
+        <p:txBody>
+          <a:bodyPr lIns="0" rIns="0" tIns="0" bIns="0" anchor="ctr"/>
+          <a:p>
+            <a:pPr algn="ctr"/>
+            <a:endParaRPr b="0" lang="de-DE" sz="4400" spc="-1" strike="noStrike">
+              <a:latin typeface="Arial"/>
+            </a:endParaRPr>
+          </a:p>
+        </p:txBody>
+      </p:sp>
+      <p:sp>
+        <p:nvSpPr>
+          <p:cNvPr id="293" name="PlaceHolder 2"/>
+          <p:cNvSpPr>
+            <a:spLocks noGrp="1"/>
+          </p:cNvSpPr>
+          <p:nvPr>
+            <p:ph type="body"/>
+          </p:nvPr>
+        </p:nvSpPr>
+        <p:spPr>
+          <a:xfrm>
+            <a:off x="457200" y="1203480"/>
+            <a:ext cx="8229240" cy="1422720"/>
+          </a:xfrm>
+          <a:prstGeom prst="rect">
+            <a:avLst/>
+          </a:prstGeom>
+        </p:spPr>
+        <p:txBody>
+          <a:bodyPr lIns="0" rIns="0" tIns="0" bIns="0">
+            <a:normAutofit/>
+          </a:bodyPr>
+          <a:p>
+            <a:endParaRPr b="0" lang="de-DE" sz="3200" spc="-1" strike="noStrike">
+              <a:latin typeface="Arial"/>
+            </a:endParaRPr>
+          </a:p>
+        </p:txBody>
+      </p:sp>
+      <p:sp>
+        <p:nvSpPr>
+          <p:cNvPr id="294" name="PlaceHolder 3"/>
+          <p:cNvSpPr>
+            <a:spLocks noGrp="1"/>
+          </p:cNvSpPr>
+          <p:nvPr>
+            <p:ph type="body"/>
+          </p:nvPr>
+        </p:nvSpPr>
+        <p:spPr>
+          <a:xfrm>
+            <a:off x="457200" y="2761920"/>
+            <a:ext cx="8229240" cy="1422720"/>
+          </a:xfrm>
+          <a:prstGeom prst="rect">
+            <a:avLst/>
+          </a:prstGeom>
+        </p:spPr>
+        <p:txBody>
+          <a:bodyPr lIns="0" rIns="0" tIns="0" bIns="0">
+            <a:normAutofit/>
+          </a:bodyPr>
+          <a:p>
+            <a:endParaRPr b="0" lang="de-DE" sz="3200" spc="-1" strike="noStrike">
+              <a:latin typeface="Arial"/>
+            </a:endParaRPr>
+          </a:p>
+        </p:txBody>
+      </p:sp>
+    </p:spTree>
+  </p:cSld>
+</p:sldLayout>
+</file>
+
+<file path=ppt/slideLayouts/slideLayout83.xml><?xml version="1.0" encoding="utf-8"?>
+<p:sldLayout xmlns:a="http://schemas.openxmlformats.org/drawingml/2006/main" xmlns:p="http://schemas.openxmlformats.org/presentationml/2006/main" xmlns:r="http://schemas.openxmlformats.org/officeDocument/2006/relationships" xmlns:p14="http://schemas.microsoft.com/office/powerpoint/2010/main" xmlns:p15="http://schemas.microsoft.com/office/powerpoint/2012/main" xmlns:mc="http://schemas.openxmlformats.org/markup-compatibility/2006" type="fourObj" preserve="1">
+  <p:cSld name="Title, 4 Content">
+    <p:spTree>
+      <p:nvGrpSpPr>
+        <p:cNvPr id="1" name=""/>
+        <p:cNvGrpSpPr/>
+        <p:nvPr/>
+      </p:nvGrpSpPr>
+      <p:grpSpPr>
+        <a:xfrm>
+          <a:off x="0" y="0"/>
+          <a:ext cx="0" cy="0"/>
+          <a:chOff x="0" y="0"/>
+          <a:chExt cx="0" cy="0"/>
+        </a:xfrm>
+      </p:grpSpPr>
+      <p:sp>
+        <p:nvSpPr>
+          <p:cNvPr id="295" name="PlaceHolder 1"/>
+          <p:cNvSpPr>
+            <a:spLocks noGrp="1"/>
+          </p:cNvSpPr>
+          <p:nvPr>
+            <p:ph type="title"/>
+          </p:nvPr>
+        </p:nvSpPr>
+        <p:spPr>
+          <a:xfrm>
+            <a:off x="457200" y="205200"/>
+            <a:ext cx="8229240" cy="858600"/>
+          </a:xfrm>
+          <a:prstGeom prst="rect">
+            <a:avLst/>
+          </a:prstGeom>
+        </p:spPr>
+        <p:txBody>
+          <a:bodyPr lIns="0" rIns="0" tIns="0" bIns="0" anchor="ctr"/>
+          <a:p>
+            <a:pPr algn="ctr"/>
+            <a:endParaRPr b="0" lang="de-DE" sz="4400" spc="-1" strike="noStrike">
+              <a:latin typeface="Arial"/>
+            </a:endParaRPr>
+          </a:p>
+        </p:txBody>
+      </p:sp>
+      <p:sp>
+        <p:nvSpPr>
+          <p:cNvPr id="296" name="PlaceHolder 2"/>
+          <p:cNvSpPr>
+            <a:spLocks noGrp="1"/>
+          </p:cNvSpPr>
+          <p:nvPr>
+            <p:ph type="body"/>
+          </p:nvPr>
+        </p:nvSpPr>
+        <p:spPr>
+          <a:xfrm>
+            <a:off x="457200" y="1203480"/>
+            <a:ext cx="4015800" cy="1422720"/>
+          </a:xfrm>
+          <a:prstGeom prst="rect">
+            <a:avLst/>
+          </a:prstGeom>
+        </p:spPr>
+        <p:txBody>
+          <a:bodyPr lIns="0" rIns="0" tIns="0" bIns="0">
+            <a:normAutofit/>
+          </a:bodyPr>
+          <a:p>
+            <a:endParaRPr b="0" lang="de-DE" sz="3200" spc="-1" strike="noStrike">
+              <a:latin typeface="Arial"/>
+            </a:endParaRPr>
+          </a:p>
+        </p:txBody>
+      </p:sp>
+      <p:sp>
+        <p:nvSpPr>
+          <p:cNvPr id="297" name="PlaceHolder 3"/>
+          <p:cNvSpPr>
+            <a:spLocks noGrp="1"/>
+          </p:cNvSpPr>
+          <p:nvPr>
+            <p:ph type="body"/>
+          </p:nvPr>
+        </p:nvSpPr>
+        <p:spPr>
+          <a:xfrm>
+            <a:off x="4674240" y="1203480"/>
+            <a:ext cx="4015800" cy="1422720"/>
+          </a:xfrm>
+          <a:prstGeom prst="rect">
+            <a:avLst/>
+          </a:prstGeom>
+        </p:spPr>
+        <p:txBody>
+          <a:bodyPr lIns="0" rIns="0" tIns="0" bIns="0">
+            <a:normAutofit/>
+          </a:bodyPr>
+          <a:p>
+            <a:endParaRPr b="0" lang="de-DE" sz="3200" spc="-1" strike="noStrike">
+              <a:latin typeface="Arial"/>
+            </a:endParaRPr>
+          </a:p>
+        </p:txBody>
+      </p:sp>
+      <p:sp>
+        <p:nvSpPr>
+          <p:cNvPr id="298" name="PlaceHolder 4"/>
+          <p:cNvSpPr>
+            <a:spLocks noGrp="1"/>
+          </p:cNvSpPr>
+          <p:nvPr>
+            <p:ph type="body"/>
+          </p:nvPr>
+        </p:nvSpPr>
+        <p:spPr>
+          <a:xfrm>
+            <a:off x="457200" y="2761920"/>
+            <a:ext cx="4015800" cy="1422720"/>
+          </a:xfrm>
+          <a:prstGeom prst="rect">
+            <a:avLst/>
+          </a:prstGeom>
+        </p:spPr>
+        <p:txBody>
+          <a:bodyPr lIns="0" rIns="0" tIns="0" bIns="0">
+            <a:normAutofit/>
+          </a:bodyPr>
+          <a:p>
+            <a:endParaRPr b="0" lang="de-DE" sz="3200" spc="-1" strike="noStrike">
+              <a:latin typeface="Arial"/>
+            </a:endParaRPr>
+          </a:p>
+        </p:txBody>
+      </p:sp>
+      <p:sp>
+        <p:nvSpPr>
+          <p:cNvPr id="299" name="PlaceHolder 5"/>
+          <p:cNvSpPr>
+            <a:spLocks noGrp="1"/>
+          </p:cNvSpPr>
+          <p:nvPr>
+            <p:ph type="body"/>
+          </p:nvPr>
+        </p:nvSpPr>
+        <p:spPr>
+          <a:xfrm>
+            <a:off x="4674240" y="2761920"/>
+            <a:ext cx="4015800" cy="1422720"/>
+          </a:xfrm>
+          <a:prstGeom prst="rect">
+            <a:avLst/>
+          </a:prstGeom>
+        </p:spPr>
+        <p:txBody>
+          <a:bodyPr lIns="0" rIns="0" tIns="0" bIns="0">
+            <a:normAutofit/>
+          </a:bodyPr>
+          <a:p>
+            <a:endParaRPr b="0" lang="de-DE" sz="3200" spc="-1" strike="noStrike">
+              <a:latin typeface="Arial"/>
+            </a:endParaRPr>
+          </a:p>
+        </p:txBody>
+      </p:sp>
+    </p:spTree>
+  </p:cSld>
+</p:sldLayout>
+</file>
+
+<file path=ppt/slideLayouts/slideLayout84.xml><?xml version="1.0" encoding="utf-8"?>
+<p:sldLayout xmlns:a="http://schemas.openxmlformats.org/drawingml/2006/main" xmlns:p="http://schemas.openxmlformats.org/presentationml/2006/main" xmlns:r="http://schemas.openxmlformats.org/officeDocument/2006/relationships" xmlns:p14="http://schemas.microsoft.com/office/powerpoint/2010/main" xmlns:p15="http://schemas.microsoft.com/office/powerpoint/2012/main" xmlns:mc="http://schemas.openxmlformats.org/markup-compatibility/2006" type="blank" preserve="1">
+  <p:cSld name="Title, 6 Content">
+    <p:spTree>
+      <p:nvGrpSpPr>
+        <p:cNvPr id="1" name=""/>
+        <p:cNvGrpSpPr/>
+        <p:nvPr/>
+      </p:nvGrpSpPr>
+      <p:grpSpPr>
+        <a:xfrm>
+          <a:off x="0" y="0"/>
+          <a:ext cx="0" cy="0"/>
+          <a:chOff x="0" y="0"/>
+          <a:chExt cx="0" cy="0"/>
+        </a:xfrm>
+      </p:grpSpPr>
+      <p:sp>
+        <p:nvSpPr>
+          <p:cNvPr id="300" name="PlaceHolder 1"/>
+          <p:cNvSpPr>
+            <a:spLocks noGrp="1"/>
+          </p:cNvSpPr>
+          <p:nvPr>
+            <p:ph type="title"/>
+          </p:nvPr>
+        </p:nvSpPr>
+        <p:spPr>
+          <a:xfrm>
+            <a:off x="457200" y="205200"/>
+            <a:ext cx="8229240" cy="858600"/>
+          </a:xfrm>
+          <a:prstGeom prst="rect">
+            <a:avLst/>
+          </a:prstGeom>
+        </p:spPr>
+        <p:txBody>
+          <a:bodyPr lIns="0" rIns="0" tIns="0" bIns="0" anchor="ctr"/>
+          <a:p>
+            <a:pPr algn="ctr"/>
+            <a:endParaRPr b="0" lang="de-DE" sz="4400" spc="-1" strike="noStrike">
+              <a:latin typeface="Arial"/>
+            </a:endParaRPr>
+          </a:p>
+        </p:txBody>
+      </p:sp>
+      <p:sp>
+        <p:nvSpPr>
+          <p:cNvPr id="301" name="PlaceHolder 2"/>
+          <p:cNvSpPr>
+            <a:spLocks noGrp="1"/>
+          </p:cNvSpPr>
+          <p:nvPr>
+            <p:ph type="body"/>
+          </p:nvPr>
+        </p:nvSpPr>
+        <p:spPr>
+          <a:xfrm>
+            <a:off x="457200" y="1203480"/>
+            <a:ext cx="2649600" cy="1422720"/>
+          </a:xfrm>
+          <a:prstGeom prst="rect">
+            <a:avLst/>
+          </a:prstGeom>
+        </p:spPr>
+        <p:txBody>
+          <a:bodyPr lIns="0" rIns="0" tIns="0" bIns="0">
+            <a:normAutofit/>
+          </a:bodyPr>
+          <a:p>
+            <a:endParaRPr b="0" lang="de-DE" sz="3200" spc="-1" strike="noStrike">
+              <a:latin typeface="Arial"/>
+            </a:endParaRPr>
+          </a:p>
+        </p:txBody>
+      </p:sp>
+      <p:sp>
+        <p:nvSpPr>
+          <p:cNvPr id="302" name="PlaceHolder 3"/>
+          <p:cNvSpPr>
+            <a:spLocks noGrp="1"/>
+          </p:cNvSpPr>
+          <p:nvPr>
+            <p:ph type="body"/>
+          </p:nvPr>
+        </p:nvSpPr>
+        <p:spPr>
+          <a:xfrm>
+            <a:off x="3239640" y="1203480"/>
+            <a:ext cx="2649600" cy="1422720"/>
+          </a:xfrm>
+          <a:prstGeom prst="rect">
+            <a:avLst/>
+          </a:prstGeom>
+        </p:spPr>
+        <p:txBody>
+          <a:bodyPr lIns="0" rIns="0" tIns="0" bIns="0">
+            <a:normAutofit/>
+          </a:bodyPr>
+          <a:p>
+            <a:endParaRPr b="0" lang="de-DE" sz="3200" spc="-1" strike="noStrike">
+              <a:latin typeface="Arial"/>
+            </a:endParaRPr>
+          </a:p>
+        </p:txBody>
+      </p:sp>
+      <p:sp>
+        <p:nvSpPr>
+          <p:cNvPr id="303" name="PlaceHolder 4"/>
+          <p:cNvSpPr>
+            <a:spLocks noGrp="1"/>
+          </p:cNvSpPr>
+          <p:nvPr>
+            <p:ph type="body"/>
+          </p:nvPr>
+        </p:nvSpPr>
+        <p:spPr>
+          <a:xfrm>
+            <a:off x="6022080" y="1203480"/>
+            <a:ext cx="2649600" cy="1422720"/>
+          </a:xfrm>
+          <a:prstGeom prst="rect">
+            <a:avLst/>
+          </a:prstGeom>
+        </p:spPr>
+        <p:txBody>
+          <a:bodyPr lIns="0" rIns="0" tIns="0" bIns="0">
+            <a:normAutofit/>
+          </a:bodyPr>
+          <a:p>
+            <a:endParaRPr b="0" lang="de-DE" sz="3200" spc="-1" strike="noStrike">
+              <a:latin typeface="Arial"/>
+            </a:endParaRPr>
+          </a:p>
+        </p:txBody>
+      </p:sp>
+      <p:sp>
+        <p:nvSpPr>
+          <p:cNvPr id="304" name="PlaceHolder 5"/>
+          <p:cNvSpPr>
+            <a:spLocks noGrp="1"/>
+          </p:cNvSpPr>
+          <p:nvPr>
+            <p:ph type="body"/>
+          </p:nvPr>
+        </p:nvSpPr>
+        <p:spPr>
+          <a:xfrm>
+            <a:off x="457200" y="2761920"/>
+            <a:ext cx="2649600" cy="1422720"/>
+          </a:xfrm>
+          <a:prstGeom prst="rect">
+            <a:avLst/>
+          </a:prstGeom>
+        </p:spPr>
+        <p:txBody>
+          <a:bodyPr lIns="0" rIns="0" tIns="0" bIns="0">
+            <a:normAutofit/>
+          </a:bodyPr>
+          <a:p>
+            <a:endParaRPr b="0" lang="de-DE" sz="3200" spc="-1" strike="noStrike">
+              <a:latin typeface="Arial"/>
+            </a:endParaRPr>
+          </a:p>
+        </p:txBody>
+      </p:sp>
+      <p:sp>
+        <p:nvSpPr>
+          <p:cNvPr id="305" name="PlaceHolder 6"/>
+          <p:cNvSpPr>
+            <a:spLocks noGrp="1"/>
+          </p:cNvSpPr>
+          <p:nvPr>
+            <p:ph type="body"/>
+          </p:nvPr>
+        </p:nvSpPr>
+        <p:spPr>
+          <a:xfrm>
+            <a:off x="3239640" y="2761920"/>
+            <a:ext cx="2649600" cy="1422720"/>
+          </a:xfrm>
+          <a:prstGeom prst="rect">
+            <a:avLst/>
+          </a:prstGeom>
+        </p:spPr>
+        <p:txBody>
+          <a:bodyPr lIns="0" rIns="0" tIns="0" bIns="0">
+            <a:normAutofit/>
+          </a:bodyPr>
+          <a:p>
+            <a:endParaRPr b="0" lang="de-DE" sz="3200" spc="-1" strike="noStrike">
+              <a:latin typeface="Arial"/>
+            </a:endParaRPr>
+          </a:p>
+        </p:txBody>
+      </p:sp>
+      <p:sp>
+        <p:nvSpPr>
+          <p:cNvPr id="306" name="PlaceHolder 7"/>
+          <p:cNvSpPr>
+            <a:spLocks noGrp="1"/>
+          </p:cNvSpPr>
+          <p:nvPr>
+            <p:ph type="body"/>
+          </p:nvPr>
+        </p:nvSpPr>
+        <p:spPr>
+          <a:xfrm>
+            <a:off x="6022080" y="2761920"/>
+            <a:ext cx="2649600" cy="1422720"/>
           </a:xfrm>
           <a:prstGeom prst="rect">
             <a:avLst/>
@@ -8058,9 +9789,7 @@
           </a:prstGeom>
         </p:spPr>
         <p:txBody>
-          <a:bodyPr lIns="0" rIns="0" tIns="0" bIns="0" anchor="ctr">
-            <a:spAutoFit/>
-          </a:bodyPr>
+          <a:bodyPr lIns="0" rIns="0" tIns="0" bIns="0" anchor="ctr"/>
           <a:p>
             <a:pPr algn="ctr"/>
             <a:endParaRPr b="0" lang="de-DE" sz="4400" spc="-1" strike="noStrike">
@@ -8197,7 +9926,7 @@
         <p:spPr>
           <a:xfrm>
             <a:off x="2681280" y="4651200"/>
-            <a:ext cx="3890160" cy="365040"/>
+            <a:ext cx="3889800" cy="364680"/>
           </a:xfrm>
           <a:prstGeom prst="rect">
             <a:avLst/>
@@ -8214,9 +9943,7 @@
           <a:fontRef idx="minor"/>
         </p:style>
         <p:txBody>
-          <a:bodyPr lIns="0" rIns="0" tIns="0" bIns="0" anchor="b">
-            <a:spAutoFit/>
-          </a:bodyPr>
+          <a:bodyPr lIns="0" rIns="0" tIns="0" bIns="0" anchor="b"/>
           <a:p>
             <a:pPr>
               <a:lnSpc>
@@ -8288,7 +10015,7 @@
         <p:spPr>
           <a:xfrm>
             <a:off x="0" y="4592160"/>
-            <a:ext cx="9144000" cy="0"/>
+            <a:ext cx="9144000" cy="360"/>
           </a:xfrm>
           <a:prstGeom prst="line">
             <a:avLst/>
@@ -8323,8 +10050,8 @@
         </p:nvSpPr>
         <p:spPr>
           <a:xfrm>
-            <a:off x="6724800" y="4367160"/>
-            <a:ext cx="527760" cy="639000"/>
+            <a:off x="6724800" y="4366800"/>
+            <a:ext cx="527400" cy="639000"/>
           </a:xfrm>
           <a:prstGeom prst="rect">
             <a:avLst/>
@@ -8341,9 +10068,7 @@
           <a:fontRef idx="minor"/>
         </p:style>
         <p:txBody>
-          <a:bodyPr lIns="0" rIns="0" tIns="0" bIns="0" anchor="b">
-            <a:spAutoFit/>
-          </a:bodyPr>
+          <a:bodyPr lIns="0" rIns="0" tIns="0" bIns="0" anchor="b"/>
           <a:p>
             <a:pPr algn="r">
               <a:lnSpc>
@@ -8361,7 +10086,7 @@
               </a:rPr>
               <a:t>Folie </a:t>
             </a:r>
-            <a:fld id="{C0DA8A47-6BDF-4167-B67A-4CC0AE4C0A00}" type="slidenum">
+            <a:fld id="{062A07CC-FEE9-47BF-A97B-35733B45D08B}" type="slidenum">
               <a:rPr b="0" lang="de-DE" sz="800" spc="-1" strike="noStrike">
                 <a:solidFill>
                   <a:srgbClr val="727879"/>
@@ -8369,7 +10094,7 @@
                 <a:latin typeface="Open Sans"/>
                 <a:ea typeface="Open Sans"/>
               </a:rPr>
-              <a:t>9</a:t>
+              <a:t>&lt;number&gt;</a:t>
             </a:fld>
             <a:endParaRPr b="0" lang="de-DE" sz="800" spc="-1" strike="noStrike">
               <a:latin typeface="Arial"/>
@@ -8400,7 +10125,7 @@
         <p:spPr>
           <a:xfrm>
             <a:off x="8230320" y="4752360"/>
-            <a:ext cx="577080" cy="262080"/>
+            <a:ext cx="576720" cy="261720"/>
           </a:xfrm>
           <a:prstGeom prst="rect">
             <a:avLst/>
@@ -8423,7 +10148,7 @@
         <p:spPr>
           <a:xfrm>
             <a:off x="379800" y="4752360"/>
-            <a:ext cx="835920" cy="242640"/>
+            <a:ext cx="835560" cy="242280"/>
           </a:xfrm>
           <a:prstGeom prst="rect">
             <a:avLst/>
@@ -8442,7 +10167,7 @@
         <p:spPr>
           <a:xfrm>
             <a:off x="0" y="769320"/>
-            <a:ext cx="9143280" cy="4373640"/>
+            <a:ext cx="9142920" cy="4373280"/>
           </a:xfrm>
           <a:prstGeom prst="rect">
             <a:avLst/>
@@ -8486,7 +10211,7 @@
         <p:spPr>
           <a:xfrm>
             <a:off x="0" y="769320"/>
-            <a:ext cx="9143280" cy="127800"/>
+            <a:ext cx="9142920" cy="127440"/>
           </a:xfrm>
           <a:prstGeom prst="rect">
             <a:avLst/>
@@ -8528,7 +10253,7 @@
         <p:spPr>
           <a:xfrm>
             <a:off x="8019720" y="246240"/>
-            <a:ext cx="913320" cy="415080"/>
+            <a:ext cx="912960" cy="414720"/>
           </a:xfrm>
           <a:prstGeom prst="rect">
             <a:avLst/>
@@ -8551,7 +10276,7 @@
         <p:spPr>
           <a:xfrm>
             <a:off x="217800" y="262440"/>
-            <a:ext cx="1323000" cy="384120"/>
+            <a:ext cx="1322640" cy="383760"/>
           </a:xfrm>
           <a:prstGeom prst="rect">
             <a:avLst/>
@@ -8581,16 +10306,14 @@
           </a:prstGeom>
         </p:spPr>
         <p:txBody>
-          <a:bodyPr lIns="0" rIns="0" tIns="0" bIns="0" anchor="ctr">
-            <a:noAutofit/>
-          </a:bodyPr>
+          <a:bodyPr lIns="0" rIns="0" tIns="0" bIns="0" anchor="ctr"/>
           <a:p>
             <a:pPr algn="ctr"/>
             <a:r>
               <a:rPr b="0" lang="de-DE" sz="4400" spc="-1" strike="noStrike">
                 <a:latin typeface="Arial"/>
               </a:rPr>
-              <a:t>Format des Titeltextes durch Klicken bearbeiten</a:t>
+              <a:t>Click to edit the title text format</a:t>
             </a:r>
             <a:endParaRPr b="0" lang="de-DE" sz="4400" spc="-1" strike="noStrike">
               <a:latin typeface="Arial"/>
@@ -8619,7 +10342,7 @@
         </p:spPr>
         <p:txBody>
           <a:bodyPr lIns="0" rIns="0" tIns="0" bIns="0">
-            <a:normAutofit fontScale="80000"/>
+            <a:normAutofit/>
           </a:bodyPr>
           <a:p>
             <a:pPr marL="432000" indent="-324000">
@@ -8637,7 +10360,7 @@
               <a:rPr b="0" lang="de-DE" sz="3200" spc="-1" strike="noStrike">
                 <a:latin typeface="Arial"/>
               </a:rPr>
-              <a:t>Format des Gliederungstextes durch Klicken bearbeiten</a:t>
+              <a:t>Click to edit the outline text format</a:t>
             </a:r>
             <a:endParaRPr b="0" lang="de-DE" sz="3200" spc="-1" strike="noStrike">
               <a:latin typeface="Arial"/>
@@ -8659,7 +10382,7 @@
               <a:rPr b="0" lang="de-DE" sz="2800" spc="-1" strike="noStrike">
                 <a:latin typeface="Arial"/>
               </a:rPr>
-              <a:t>Zweite Gliederungsebene</a:t>
+              <a:t>Second Outline Level</a:t>
             </a:r>
             <a:endParaRPr b="0" lang="de-DE" sz="2800" spc="-1" strike="noStrike">
               <a:latin typeface="Arial"/>
@@ -8681,7 +10404,7 @@
               <a:rPr b="0" lang="de-DE" sz="2400" spc="-1" strike="noStrike">
                 <a:latin typeface="Arial"/>
               </a:rPr>
-              <a:t>Dritte Gliederungsebene</a:t>
+              <a:t>Third Outline Level</a:t>
             </a:r>
             <a:endParaRPr b="0" lang="de-DE" sz="2400" spc="-1" strike="noStrike">
               <a:latin typeface="Arial"/>
@@ -8703,7 +10426,7 @@
               <a:rPr b="0" lang="de-DE" sz="2000" spc="-1" strike="noStrike">
                 <a:latin typeface="Arial"/>
               </a:rPr>
-              <a:t>Vierte Gliederungsebene</a:t>
+              <a:t>Fourth Outline Level</a:t>
             </a:r>
             <a:endParaRPr b="0" lang="de-DE" sz="2000" spc="-1" strike="noStrike">
               <a:latin typeface="Arial"/>
@@ -8725,7 +10448,7 @@
               <a:rPr b="0" lang="de-DE" sz="2000" spc="-1" strike="noStrike">
                 <a:latin typeface="Arial"/>
               </a:rPr>
-              <a:t>Fünfte Gliederungsebene</a:t>
+              <a:t>Fifth Outline Level</a:t>
             </a:r>
             <a:endParaRPr b="0" lang="de-DE" sz="2000" spc="-1" strike="noStrike">
               <a:latin typeface="Arial"/>
@@ -8747,7 +10470,7 @@
               <a:rPr b="0" lang="de-DE" sz="2000" spc="-1" strike="noStrike">
                 <a:latin typeface="Arial"/>
               </a:rPr>
-              <a:t>Sechste Gliederungsebene</a:t>
+              <a:t>Sixth Outline Level</a:t>
             </a:r>
             <a:endParaRPr b="0" lang="de-DE" sz="2000" spc="-1" strike="noStrike">
               <a:latin typeface="Arial"/>
@@ -8769,7 +10492,7 @@
               <a:rPr b="0" lang="de-DE" sz="2000" spc="-1" strike="noStrike">
                 <a:latin typeface="Arial"/>
               </a:rPr>
-              <a:t>Siebte Gliederungsebene</a:t>
+              <a:t>Seventh Outline Level</a:t>
             </a:r>
             <a:endParaRPr b="0" lang="de-DE" sz="2000" spc="-1" strike="noStrike">
               <a:latin typeface="Arial"/>
@@ -8829,8 +10552,8 @@
         </p:nvSpPr>
         <p:spPr>
           <a:xfrm>
-            <a:off x="2664000" y="4627800"/>
-            <a:ext cx="3890160" cy="486360"/>
+            <a:off x="2664000" y="4627440"/>
+            <a:ext cx="3889800" cy="486360"/>
           </a:xfrm>
           <a:prstGeom prst="rect">
             <a:avLst/>
@@ -8847,9 +10570,7 @@
           <a:fontRef idx="minor"/>
         </p:style>
         <p:txBody>
-          <a:bodyPr lIns="0" rIns="0" tIns="0" bIns="0" anchor="b">
-            <a:spAutoFit/>
-          </a:bodyPr>
+          <a:bodyPr lIns="0" rIns="0" tIns="0" bIns="0" anchor="b"/>
           <a:p>
             <a:pPr>
               <a:lnSpc>
@@ -8941,7 +10662,7 @@
         <p:spPr>
           <a:xfrm>
             <a:off x="0" y="4592160"/>
-            <a:ext cx="9144000" cy="0"/>
+            <a:ext cx="9144000" cy="360"/>
           </a:xfrm>
           <a:prstGeom prst="line">
             <a:avLst/>
@@ -8976,8 +10697,8 @@
         </p:nvSpPr>
         <p:spPr>
           <a:xfrm>
-            <a:off x="6724800" y="4367160"/>
-            <a:ext cx="527760" cy="639000"/>
+            <a:off x="6724800" y="4366800"/>
+            <a:ext cx="527400" cy="639000"/>
           </a:xfrm>
           <a:prstGeom prst="rect">
             <a:avLst/>
@@ -8994,9 +10715,7 @@
           <a:fontRef idx="minor"/>
         </p:style>
         <p:txBody>
-          <a:bodyPr lIns="0" rIns="0" tIns="0" bIns="0" anchor="b">
-            <a:spAutoFit/>
-          </a:bodyPr>
+          <a:bodyPr lIns="0" rIns="0" tIns="0" bIns="0" anchor="b"/>
           <a:p>
             <a:pPr algn="r">
               <a:lnSpc>
@@ -9014,7 +10733,7 @@
               </a:rPr>
               <a:t>Folie </a:t>
             </a:r>
-            <a:fld id="{75740625-B37E-4960-8765-BD5A9D7C1B01}" type="slidenum">
+            <a:fld id="{25AF8B7F-F9C0-4F6E-8727-0F79BF511DEB}" type="slidenum">
               <a:rPr b="0" lang="de-DE" sz="800" spc="-1" strike="noStrike">
                 <a:solidFill>
                   <a:srgbClr val="727879"/>
@@ -9022,7 +10741,7 @@
                 <a:latin typeface="Open Sans"/>
                 <a:ea typeface="Open Sans"/>
               </a:rPr>
-              <a:t>&lt;Foliennummer&gt;</a:t>
+              <a:t>&lt;number&gt;</a:t>
             </a:fld>
             <a:endParaRPr b="0" lang="de-DE" sz="800" spc="-1" strike="noStrike">
               <a:latin typeface="Arial"/>
@@ -9053,7 +10772,7 @@
         <p:spPr>
           <a:xfrm>
             <a:off x="8230320" y="4752360"/>
-            <a:ext cx="577080" cy="262080"/>
+            <a:ext cx="576720" cy="261720"/>
           </a:xfrm>
           <a:prstGeom prst="rect">
             <a:avLst/>
@@ -9076,7 +10795,7 @@
         <p:spPr>
           <a:xfrm>
             <a:off x="379800" y="4752360"/>
-            <a:ext cx="835920" cy="242640"/>
+            <a:ext cx="835560" cy="242280"/>
           </a:xfrm>
           <a:prstGeom prst="rect">
             <a:avLst/>
@@ -9106,16 +10825,14 @@
           </a:prstGeom>
         </p:spPr>
         <p:txBody>
-          <a:bodyPr lIns="0" rIns="0" tIns="0" bIns="0" anchor="ctr">
-            <a:noAutofit/>
-          </a:bodyPr>
+          <a:bodyPr lIns="0" rIns="0" tIns="0" bIns="0" anchor="ctr"/>
           <a:p>
             <a:pPr algn="ctr"/>
             <a:r>
               <a:rPr b="0" lang="de-DE" sz="4400" spc="-1" strike="noStrike">
                 <a:latin typeface="Arial"/>
               </a:rPr>
-              <a:t>Format des Titeltextes durch Klicken bearbeiten</a:t>
+              <a:t>Click to edit the title text format</a:t>
             </a:r>
             <a:endParaRPr b="0" lang="de-DE" sz="4400" spc="-1" strike="noStrike">
               <a:latin typeface="Arial"/>
@@ -9144,7 +10861,7 @@
         </p:spPr>
         <p:txBody>
           <a:bodyPr lIns="0" rIns="0" tIns="0" bIns="0">
-            <a:normAutofit fontScale="88000"/>
+            <a:normAutofit/>
           </a:bodyPr>
           <a:p>
             <a:pPr marL="432000" indent="-324000">
@@ -9162,7 +10879,7 @@
               <a:rPr b="0" lang="de-DE" sz="3200" spc="-1" strike="noStrike">
                 <a:latin typeface="Arial"/>
               </a:rPr>
-              <a:t>Format des Gliederungstextes durch Klicken bearbeiten</a:t>
+              <a:t>Click to edit the outline text format</a:t>
             </a:r>
             <a:endParaRPr b="0" lang="de-DE" sz="3200" spc="-1" strike="noStrike">
               <a:latin typeface="Arial"/>
@@ -9184,7 +10901,7 @@
               <a:rPr b="0" lang="de-DE" sz="2800" spc="-1" strike="noStrike">
                 <a:latin typeface="Arial"/>
               </a:rPr>
-              <a:t>Zweite Gliederungsebene</a:t>
+              <a:t>Second Outline Level</a:t>
             </a:r>
             <a:endParaRPr b="0" lang="de-DE" sz="2800" spc="-1" strike="noStrike">
               <a:latin typeface="Arial"/>
@@ -9206,7 +10923,7 @@
               <a:rPr b="0" lang="de-DE" sz="2400" spc="-1" strike="noStrike">
                 <a:latin typeface="Arial"/>
               </a:rPr>
-              <a:t>Dritte Gliederungsebene</a:t>
+              <a:t>Third Outline Level</a:t>
             </a:r>
             <a:endParaRPr b="0" lang="de-DE" sz="2400" spc="-1" strike="noStrike">
               <a:latin typeface="Arial"/>
@@ -9228,7 +10945,7 @@
               <a:rPr b="0" lang="de-DE" sz="2000" spc="-1" strike="noStrike">
                 <a:latin typeface="Arial"/>
               </a:rPr>
-              <a:t>Vierte Gliederungsebene</a:t>
+              <a:t>Fourth Outline Level</a:t>
             </a:r>
             <a:endParaRPr b="0" lang="de-DE" sz="2000" spc="-1" strike="noStrike">
               <a:latin typeface="Arial"/>
@@ -9250,7 +10967,7 @@
               <a:rPr b="0" lang="de-DE" sz="2000" spc="-1" strike="noStrike">
                 <a:latin typeface="Arial"/>
               </a:rPr>
-              <a:t>Fünfte Gliederungsebene</a:t>
+              <a:t>Fifth Outline Level</a:t>
             </a:r>
             <a:endParaRPr b="0" lang="de-DE" sz="2000" spc="-1" strike="noStrike">
               <a:latin typeface="Arial"/>
@@ -9272,7 +10989,7 @@
               <a:rPr b="0" lang="de-DE" sz="2000" spc="-1" strike="noStrike">
                 <a:latin typeface="Arial"/>
               </a:rPr>
-              <a:t>Sechste Gliederungsebene</a:t>
+              <a:t>Sixth Outline Level</a:t>
             </a:r>
             <a:endParaRPr b="0" lang="de-DE" sz="2000" spc="-1" strike="noStrike">
               <a:latin typeface="Arial"/>
@@ -9294,7 +11011,7 @@
               <a:rPr b="0" lang="de-DE" sz="2000" spc="-1" strike="noStrike">
                 <a:latin typeface="Arial"/>
               </a:rPr>
-              <a:t>Siebte Gliederungsebene</a:t>
+              <a:t>Seventh Outline Level</a:t>
             </a:r>
             <a:endParaRPr b="0" lang="de-DE" sz="2000" spc="-1" strike="noStrike">
               <a:latin typeface="Arial"/>
@@ -9355,7 +11072,7 @@
         <p:spPr>
           <a:xfrm>
             <a:off x="0" y="4592160"/>
-            <a:ext cx="9144000" cy="0"/>
+            <a:ext cx="9144000" cy="360"/>
           </a:xfrm>
           <a:prstGeom prst="line">
             <a:avLst/>
@@ -9390,8 +11107,8 @@
         </p:nvSpPr>
         <p:spPr>
           <a:xfrm>
-            <a:off x="6724800" y="4367160"/>
-            <a:ext cx="527760" cy="639000"/>
+            <a:off x="6724800" y="4366800"/>
+            <a:ext cx="527400" cy="639000"/>
           </a:xfrm>
           <a:prstGeom prst="rect">
             <a:avLst/>
@@ -9408,9 +11125,7 @@
           <a:fontRef idx="minor"/>
         </p:style>
         <p:txBody>
-          <a:bodyPr lIns="0" rIns="0" tIns="0" bIns="0" anchor="b">
-            <a:spAutoFit/>
-          </a:bodyPr>
+          <a:bodyPr lIns="0" rIns="0" tIns="0" bIns="0" anchor="b"/>
           <a:p>
             <a:pPr algn="r">
               <a:lnSpc>
@@ -9428,7 +11143,7 @@
               </a:rPr>
               <a:t>Folie </a:t>
             </a:r>
-            <a:fld id="{33FF77ED-91A4-4543-9A43-FDC2CC58325D}" type="slidenum">
+            <a:fld id="{9981B4DB-F5C0-4D85-A37D-B37FFFE535BB}" type="slidenum">
               <a:rPr b="0" lang="de-DE" sz="800" spc="-1" strike="noStrike">
                 <a:solidFill>
                   <a:srgbClr val="727879"/>
@@ -9436,7 +11151,7 @@
                 <a:latin typeface="Open Sans"/>
                 <a:ea typeface="Open Sans"/>
               </a:rPr>
-              <a:t>&lt;Foliennummer&gt;</a:t>
+              <a:t>&lt;number&gt;</a:t>
             </a:fld>
             <a:endParaRPr b="0" lang="de-DE" sz="800" spc="-1" strike="noStrike">
               <a:latin typeface="Arial"/>
@@ -9467,7 +11182,7 @@
         <p:spPr>
           <a:xfrm>
             <a:off x="8230320" y="4752360"/>
-            <a:ext cx="577080" cy="262080"/>
+            <a:ext cx="576720" cy="261720"/>
           </a:xfrm>
           <a:prstGeom prst="rect">
             <a:avLst/>
@@ -9490,7 +11205,7 @@
         <p:spPr>
           <a:xfrm>
             <a:off x="379800" y="4752360"/>
-            <a:ext cx="835920" cy="242640"/>
+            <a:ext cx="835560" cy="242280"/>
           </a:xfrm>
           <a:prstGeom prst="rect">
             <a:avLst/>
@@ -9509,7 +11224,7 @@
         <p:spPr>
           <a:xfrm>
             <a:off x="0" y="0"/>
-            <a:ext cx="9143280" cy="4596120"/>
+            <a:ext cx="9142920" cy="4595760"/>
           </a:xfrm>
           <a:prstGeom prst="rect">
             <a:avLst/>
@@ -9552,8 +11267,8 @@
         </p:nvSpPr>
         <p:spPr>
           <a:xfrm>
-            <a:off x="2664000" y="4627800"/>
-            <a:ext cx="3890160" cy="486360"/>
+            <a:off x="2664000" y="4627440"/>
+            <a:ext cx="3889800" cy="486360"/>
           </a:xfrm>
           <a:prstGeom prst="rect">
             <a:avLst/>
@@ -9570,9 +11285,7 @@
           <a:fontRef idx="minor"/>
         </p:style>
         <p:txBody>
-          <a:bodyPr lIns="0" rIns="0" tIns="0" bIns="0" anchor="b">
-            <a:spAutoFit/>
-          </a:bodyPr>
+          <a:bodyPr lIns="0" rIns="0" tIns="0" bIns="0" anchor="b"/>
           <a:p>
             <a:pPr>
               <a:lnSpc>
@@ -9675,16 +11388,14 @@
           </a:prstGeom>
         </p:spPr>
         <p:txBody>
-          <a:bodyPr lIns="0" rIns="0" tIns="0" bIns="0" anchor="ctr">
-            <a:noAutofit/>
-          </a:bodyPr>
+          <a:bodyPr lIns="0" rIns="0" tIns="0" bIns="0" anchor="ctr"/>
           <a:p>
             <a:pPr algn="ctr"/>
             <a:r>
               <a:rPr b="0" lang="de-DE" sz="4400" spc="-1" strike="noStrike">
                 <a:latin typeface="Arial"/>
               </a:rPr>
-              <a:t>Format des Titeltextes durch Klicken bearbeiten</a:t>
+              <a:t>Click to edit the title text format</a:t>
             </a:r>
             <a:endParaRPr b="0" lang="de-DE" sz="4400" spc="-1" strike="noStrike">
               <a:latin typeface="Arial"/>
@@ -9713,7 +11424,7 @@
         </p:spPr>
         <p:txBody>
           <a:bodyPr lIns="0" rIns="0" tIns="0" bIns="0">
-            <a:normAutofit fontScale="88000"/>
+            <a:normAutofit/>
           </a:bodyPr>
           <a:p>
             <a:pPr marL="432000" indent="-324000">
@@ -9731,7 +11442,7 @@
               <a:rPr b="0" lang="de-DE" sz="3200" spc="-1" strike="noStrike">
                 <a:latin typeface="Arial"/>
               </a:rPr>
-              <a:t>Format des Gliederungstextes durch Klicken bearbeiten</a:t>
+              <a:t>Click to edit the outline text format</a:t>
             </a:r>
             <a:endParaRPr b="0" lang="de-DE" sz="3200" spc="-1" strike="noStrike">
               <a:latin typeface="Arial"/>
@@ -9753,7 +11464,7 @@
               <a:rPr b="0" lang="de-DE" sz="2800" spc="-1" strike="noStrike">
                 <a:latin typeface="Arial"/>
               </a:rPr>
-              <a:t>Zweite Gliederungsebene</a:t>
+              <a:t>Second Outline Level</a:t>
             </a:r>
             <a:endParaRPr b="0" lang="de-DE" sz="2800" spc="-1" strike="noStrike">
               <a:latin typeface="Arial"/>
@@ -9775,7 +11486,7 @@
               <a:rPr b="0" lang="de-DE" sz="2400" spc="-1" strike="noStrike">
                 <a:latin typeface="Arial"/>
               </a:rPr>
-              <a:t>Dritte Gliederungsebene</a:t>
+              <a:t>Third Outline Level</a:t>
             </a:r>
             <a:endParaRPr b="0" lang="de-DE" sz="2400" spc="-1" strike="noStrike">
               <a:latin typeface="Arial"/>
@@ -9797,7 +11508,7 @@
               <a:rPr b="0" lang="de-DE" sz="2000" spc="-1" strike="noStrike">
                 <a:latin typeface="Arial"/>
               </a:rPr>
-              <a:t>Vierte Gliederungsebene</a:t>
+              <a:t>Fourth Outline Level</a:t>
             </a:r>
             <a:endParaRPr b="0" lang="de-DE" sz="2000" spc="-1" strike="noStrike">
               <a:latin typeface="Arial"/>
@@ -9819,7 +11530,7 @@
               <a:rPr b="0" lang="de-DE" sz="2000" spc="-1" strike="noStrike">
                 <a:latin typeface="Arial"/>
               </a:rPr>
-              <a:t>Fünfte Gliederungsebene</a:t>
+              <a:t>Fifth Outline Level</a:t>
             </a:r>
             <a:endParaRPr b="0" lang="de-DE" sz="2000" spc="-1" strike="noStrike">
               <a:latin typeface="Arial"/>
@@ -9841,7 +11552,7 @@
               <a:rPr b="0" lang="de-DE" sz="2000" spc="-1" strike="noStrike">
                 <a:latin typeface="Arial"/>
               </a:rPr>
-              <a:t>Sechste Gliederungsebene</a:t>
+              <a:t>Sixth Outline Level</a:t>
             </a:r>
             <a:endParaRPr b="0" lang="de-DE" sz="2000" spc="-1" strike="noStrike">
               <a:latin typeface="Arial"/>
@@ -9863,7 +11574,7 @@
               <a:rPr b="0" lang="de-DE" sz="2000" spc="-1" strike="noStrike">
                 <a:latin typeface="Arial"/>
               </a:rPr>
-              <a:t>Siebte Gliederungsebene</a:t>
+              <a:t>Seventh Outline Level</a:t>
             </a:r>
             <a:endParaRPr b="0" lang="de-DE" sz="2000" spc="-1" strike="noStrike">
               <a:latin typeface="Arial"/>
@@ -9923,8 +11634,8 @@
         </p:nvSpPr>
         <p:spPr>
           <a:xfrm>
-            <a:off x="2664000" y="4627800"/>
-            <a:ext cx="3890160" cy="486360"/>
+            <a:off x="2664000" y="4627440"/>
+            <a:ext cx="3889800" cy="486360"/>
           </a:xfrm>
           <a:prstGeom prst="rect">
             <a:avLst/>
@@ -9941,9 +11652,7 @@
           <a:fontRef idx="minor"/>
         </p:style>
         <p:txBody>
-          <a:bodyPr lIns="0" rIns="0" tIns="0" bIns="0" anchor="b">
-            <a:spAutoFit/>
-          </a:bodyPr>
+          <a:bodyPr lIns="0" rIns="0" tIns="0" bIns="0" anchor="b"/>
           <a:p>
             <a:pPr>
               <a:lnSpc>
@@ -10035,7 +11744,7 @@
         <p:spPr>
           <a:xfrm>
             <a:off x="0" y="4592160"/>
-            <a:ext cx="9144000" cy="0"/>
+            <a:ext cx="9144000" cy="360"/>
           </a:xfrm>
           <a:prstGeom prst="line">
             <a:avLst/>
@@ -10070,8 +11779,8 @@
         </p:nvSpPr>
         <p:spPr>
           <a:xfrm>
-            <a:off x="6724800" y="4367160"/>
-            <a:ext cx="527760" cy="639000"/>
+            <a:off x="6724800" y="4366800"/>
+            <a:ext cx="527400" cy="639000"/>
           </a:xfrm>
           <a:prstGeom prst="rect">
             <a:avLst/>
@@ -10088,9 +11797,7 @@
           <a:fontRef idx="minor"/>
         </p:style>
         <p:txBody>
-          <a:bodyPr lIns="0" rIns="0" tIns="0" bIns="0" anchor="b">
-            <a:spAutoFit/>
-          </a:bodyPr>
+          <a:bodyPr lIns="0" rIns="0" tIns="0" bIns="0" anchor="b"/>
           <a:p>
             <a:pPr algn="r">
               <a:lnSpc>
@@ -10108,7 +11815,7 @@
               </a:rPr>
               <a:t>Folie </a:t>
             </a:r>
-            <a:fld id="{D24D07F6-D304-4FF1-A90C-BDBD23D8F7D7}" type="slidenum">
+            <a:fld id="{861C29D3-C132-4AAB-92CD-F473EDE68E9E}" type="slidenum">
               <a:rPr b="0" lang="de-DE" sz="800" spc="-1" strike="noStrike">
                 <a:solidFill>
                   <a:srgbClr val="727879"/>
@@ -10116,7 +11823,7 @@
                 <a:latin typeface="Open Sans"/>
                 <a:ea typeface="Open Sans"/>
               </a:rPr>
-              <a:t>&lt;Foliennummer&gt;</a:t>
+              <a:t>&lt;number&gt;</a:t>
             </a:fld>
             <a:endParaRPr b="0" lang="de-DE" sz="800" spc="-1" strike="noStrike">
               <a:latin typeface="Arial"/>
@@ -10147,7 +11854,7 @@
         <p:spPr>
           <a:xfrm>
             <a:off x="8230320" y="4752360"/>
-            <a:ext cx="577080" cy="262080"/>
+            <a:ext cx="576720" cy="261720"/>
           </a:xfrm>
           <a:prstGeom prst="rect">
             <a:avLst/>
@@ -10170,7 +11877,7 @@
         <p:spPr>
           <a:xfrm>
             <a:off x="379800" y="4752360"/>
-            <a:ext cx="835920" cy="242640"/>
+            <a:ext cx="835560" cy="242280"/>
           </a:xfrm>
           <a:prstGeom prst="rect">
             <a:avLst/>
@@ -10200,16 +11907,14 @@
           </a:prstGeom>
         </p:spPr>
         <p:txBody>
-          <a:bodyPr lIns="0" rIns="0" tIns="0" bIns="0" anchor="ctr">
-            <a:noAutofit/>
-          </a:bodyPr>
+          <a:bodyPr lIns="0" rIns="0" tIns="0" bIns="0" anchor="ctr"/>
           <a:p>
             <a:pPr algn="ctr"/>
             <a:r>
               <a:rPr b="0" lang="de-DE" sz="4400" spc="-1" strike="noStrike">
                 <a:latin typeface="Arial"/>
               </a:rPr>
-              <a:t>Format des Titeltextes durch Klicken bearbeiten</a:t>
+              <a:t>Click to edit the title text format</a:t>
             </a:r>
             <a:endParaRPr b="0" lang="de-DE" sz="4400" spc="-1" strike="noStrike">
               <a:latin typeface="Arial"/>
@@ -10238,7 +11943,7 @@
         </p:spPr>
         <p:txBody>
           <a:bodyPr lIns="0" rIns="0" tIns="0" bIns="0">
-            <a:normAutofit fontScale="88000"/>
+            <a:normAutofit/>
           </a:bodyPr>
           <a:p>
             <a:pPr marL="432000" indent="-324000">
@@ -10256,7 +11961,7 @@
               <a:rPr b="0" lang="de-DE" sz="3200" spc="-1" strike="noStrike">
                 <a:latin typeface="Arial"/>
               </a:rPr>
-              <a:t>Format des Gliederungstextes durch Klicken bearbeiten</a:t>
+              <a:t>Click to edit the outline text format</a:t>
             </a:r>
             <a:endParaRPr b="0" lang="de-DE" sz="3200" spc="-1" strike="noStrike">
               <a:latin typeface="Arial"/>
@@ -10278,7 +11983,7 @@
               <a:rPr b="0" lang="de-DE" sz="2800" spc="-1" strike="noStrike">
                 <a:latin typeface="Arial"/>
               </a:rPr>
-              <a:t>Zweite Gliederungsebene</a:t>
+              <a:t>Second Outline Level</a:t>
             </a:r>
             <a:endParaRPr b="0" lang="de-DE" sz="2800" spc="-1" strike="noStrike">
               <a:latin typeface="Arial"/>
@@ -10300,7 +12005,7 @@
               <a:rPr b="0" lang="de-DE" sz="2400" spc="-1" strike="noStrike">
                 <a:latin typeface="Arial"/>
               </a:rPr>
-              <a:t>Dritte Gliederungsebene</a:t>
+              <a:t>Third Outline Level</a:t>
             </a:r>
             <a:endParaRPr b="0" lang="de-DE" sz="2400" spc="-1" strike="noStrike">
               <a:latin typeface="Arial"/>
@@ -10322,7 +12027,7 @@
               <a:rPr b="0" lang="de-DE" sz="2000" spc="-1" strike="noStrike">
                 <a:latin typeface="Arial"/>
               </a:rPr>
-              <a:t>Vierte Gliederungsebene</a:t>
+              <a:t>Fourth Outline Level</a:t>
             </a:r>
             <a:endParaRPr b="0" lang="de-DE" sz="2000" spc="-1" strike="noStrike">
               <a:latin typeface="Arial"/>
@@ -10344,7 +12049,7 @@
               <a:rPr b="0" lang="de-DE" sz="2000" spc="-1" strike="noStrike">
                 <a:latin typeface="Arial"/>
               </a:rPr>
-              <a:t>Fünfte Gliederungsebene</a:t>
+              <a:t>Fifth Outline Level</a:t>
             </a:r>
             <a:endParaRPr b="0" lang="de-DE" sz="2000" spc="-1" strike="noStrike">
               <a:latin typeface="Arial"/>
@@ -10366,7 +12071,7 @@
               <a:rPr b="0" lang="de-DE" sz="2000" spc="-1" strike="noStrike">
                 <a:latin typeface="Arial"/>
               </a:rPr>
-              <a:t>Sechste Gliederungsebene</a:t>
+              <a:t>Sixth Outline Level</a:t>
             </a:r>
             <a:endParaRPr b="0" lang="de-DE" sz="2000" spc="-1" strike="noStrike">
               <a:latin typeface="Arial"/>
@@ -10388,7 +12093,7 @@
               <a:rPr b="0" lang="de-DE" sz="2000" spc="-1" strike="noStrike">
                 <a:latin typeface="Arial"/>
               </a:rPr>
-              <a:t>Siebte Gliederungsebene</a:t>
+              <a:t>Seventh Outline Level</a:t>
             </a:r>
             <a:endParaRPr b="0" lang="de-DE" sz="2000" spc="-1" strike="noStrike">
               <a:latin typeface="Arial"/>
@@ -10449,7 +12154,7 @@
         <p:spPr>
           <a:xfrm>
             <a:off x="0" y="4592160"/>
-            <a:ext cx="9144000" cy="0"/>
+            <a:ext cx="9144000" cy="360"/>
           </a:xfrm>
           <a:prstGeom prst="line">
             <a:avLst/>
@@ -10484,8 +12189,8 @@
         </p:nvSpPr>
         <p:spPr>
           <a:xfrm>
-            <a:off x="6724800" y="4367160"/>
-            <a:ext cx="527760" cy="639000"/>
+            <a:off x="6724800" y="4366800"/>
+            <a:ext cx="527400" cy="639000"/>
           </a:xfrm>
           <a:prstGeom prst="rect">
             <a:avLst/>
@@ -10502,9 +12207,7 @@
           <a:fontRef idx="minor"/>
         </p:style>
         <p:txBody>
-          <a:bodyPr lIns="0" rIns="0" tIns="0" bIns="0" anchor="b">
-            <a:spAutoFit/>
-          </a:bodyPr>
+          <a:bodyPr lIns="0" rIns="0" tIns="0" bIns="0" anchor="b"/>
           <a:p>
             <a:pPr algn="r">
               <a:lnSpc>
@@ -10522,7 +12225,7 @@
               </a:rPr>
               <a:t>Folie </a:t>
             </a:r>
-            <a:fld id="{8FF3E7C3-EC26-4BB3-B155-C8E2760D05A5}" type="slidenum">
+            <a:fld id="{486948BC-FEB2-4BAA-A792-AC4BFC3B7CA1}" type="slidenum">
               <a:rPr b="0" lang="de-DE" sz="800" spc="-1" strike="noStrike">
                 <a:solidFill>
                   <a:srgbClr val="727879"/>
@@ -10530,7 +12233,7 @@
                 <a:latin typeface="Open Sans"/>
                 <a:ea typeface="Open Sans"/>
               </a:rPr>
-              <a:t>&lt;Foliennummer&gt;</a:t>
+              <a:t>&lt;number&gt;</a:t>
             </a:fld>
             <a:endParaRPr b="0" lang="de-DE" sz="800" spc="-1" strike="noStrike">
               <a:latin typeface="Arial"/>
@@ -10561,7 +12264,7 @@
         <p:spPr>
           <a:xfrm>
             <a:off x="8230320" y="4752360"/>
-            <a:ext cx="577080" cy="262080"/>
+            <a:ext cx="576720" cy="261720"/>
           </a:xfrm>
           <a:prstGeom prst="rect">
             <a:avLst/>
@@ -10584,7 +12287,7 @@
         <p:spPr>
           <a:xfrm>
             <a:off x="379800" y="4752360"/>
-            <a:ext cx="835920" cy="242640"/>
+            <a:ext cx="835560" cy="242280"/>
           </a:xfrm>
           <a:prstGeom prst="rect">
             <a:avLst/>
@@ -10603,7 +12306,7 @@
         <p:spPr>
           <a:xfrm>
             <a:off x="0" y="0"/>
-            <a:ext cx="9143280" cy="4596120"/>
+            <a:ext cx="9142920" cy="4595760"/>
           </a:xfrm>
           <a:prstGeom prst="rect">
             <a:avLst/>
@@ -10646,8 +12349,8 @@
         </p:nvSpPr>
         <p:spPr>
           <a:xfrm>
-            <a:off x="2664000" y="4627800"/>
-            <a:ext cx="3890160" cy="486360"/>
+            <a:off x="2664000" y="4627440"/>
+            <a:ext cx="3889800" cy="486360"/>
           </a:xfrm>
           <a:prstGeom prst="rect">
             <a:avLst/>
@@ -10664,9 +12367,7 @@
           <a:fontRef idx="minor"/>
         </p:style>
         <p:txBody>
-          <a:bodyPr lIns="0" rIns="0" tIns="0" bIns="0" anchor="b">
-            <a:spAutoFit/>
-          </a:bodyPr>
+          <a:bodyPr lIns="0" rIns="0" tIns="0" bIns="0" anchor="b"/>
           <a:p>
             <a:pPr>
               <a:lnSpc>
@@ -10769,16 +12470,14 @@
           </a:prstGeom>
         </p:spPr>
         <p:txBody>
-          <a:bodyPr lIns="0" rIns="0" tIns="0" bIns="0" anchor="ctr">
-            <a:noAutofit/>
-          </a:bodyPr>
+          <a:bodyPr lIns="0" rIns="0" tIns="0" bIns="0" anchor="ctr"/>
           <a:p>
             <a:pPr algn="ctr"/>
             <a:r>
               <a:rPr b="0" lang="de-DE" sz="4400" spc="-1" strike="noStrike">
                 <a:latin typeface="Arial"/>
               </a:rPr>
-              <a:t>Format des Titeltextes durch Klicken bearbeiten</a:t>
+              <a:t>Click to edit the title text format</a:t>
             </a:r>
             <a:endParaRPr b="0" lang="de-DE" sz="4400" spc="-1" strike="noStrike">
               <a:latin typeface="Arial"/>
@@ -10807,7 +12506,7 @@
         </p:spPr>
         <p:txBody>
           <a:bodyPr lIns="0" rIns="0" tIns="0" bIns="0">
-            <a:normAutofit fontScale="88000"/>
+            <a:normAutofit/>
           </a:bodyPr>
           <a:p>
             <a:pPr marL="432000" indent="-324000">
@@ -10825,7 +12524,7 @@
               <a:rPr b="0" lang="de-DE" sz="3200" spc="-1" strike="noStrike">
                 <a:latin typeface="Arial"/>
               </a:rPr>
-              <a:t>Format des Gliederungstextes durch Klicken bearbeiten</a:t>
+              <a:t>Click to edit the outline text format</a:t>
             </a:r>
             <a:endParaRPr b="0" lang="de-DE" sz="3200" spc="-1" strike="noStrike">
               <a:latin typeface="Arial"/>
@@ -10847,7 +12546,7 @@
               <a:rPr b="0" lang="de-DE" sz="2800" spc="-1" strike="noStrike">
                 <a:latin typeface="Arial"/>
               </a:rPr>
-              <a:t>Zweite Gliederungsebene</a:t>
+              <a:t>Second Outline Level</a:t>
             </a:r>
             <a:endParaRPr b="0" lang="de-DE" sz="2800" spc="-1" strike="noStrike">
               <a:latin typeface="Arial"/>
@@ -10869,7 +12568,7 @@
               <a:rPr b="0" lang="de-DE" sz="2400" spc="-1" strike="noStrike">
                 <a:latin typeface="Arial"/>
               </a:rPr>
-              <a:t>Dritte Gliederungsebene</a:t>
+              <a:t>Third Outline Level</a:t>
             </a:r>
             <a:endParaRPr b="0" lang="de-DE" sz="2400" spc="-1" strike="noStrike">
               <a:latin typeface="Arial"/>
@@ -10891,7 +12590,7 @@
               <a:rPr b="0" lang="de-DE" sz="2000" spc="-1" strike="noStrike">
                 <a:latin typeface="Arial"/>
               </a:rPr>
-              <a:t>Vierte Gliederungsebene</a:t>
+              <a:t>Fourth Outline Level</a:t>
             </a:r>
             <a:endParaRPr b="0" lang="de-DE" sz="2000" spc="-1" strike="noStrike">
               <a:latin typeface="Arial"/>
@@ -10913,7 +12612,7 @@
               <a:rPr b="0" lang="de-DE" sz="2000" spc="-1" strike="noStrike">
                 <a:latin typeface="Arial"/>
               </a:rPr>
-              <a:t>Fünfte Gliederungsebene</a:t>
+              <a:t>Fifth Outline Level</a:t>
             </a:r>
             <a:endParaRPr b="0" lang="de-DE" sz="2000" spc="-1" strike="noStrike">
               <a:latin typeface="Arial"/>
@@ -10935,7 +12634,7 @@
               <a:rPr b="0" lang="de-DE" sz="2000" spc="-1" strike="noStrike">
                 <a:latin typeface="Arial"/>
               </a:rPr>
-              <a:t>Sechste Gliederungsebene</a:t>
+              <a:t>Sixth Outline Level</a:t>
             </a:r>
             <a:endParaRPr b="0" lang="de-DE" sz="2000" spc="-1" strike="noStrike">
               <a:latin typeface="Arial"/>
@@ -10957,7 +12656,7 @@
               <a:rPr b="0" lang="de-DE" sz="2000" spc="-1" strike="noStrike">
                 <a:latin typeface="Arial"/>
               </a:rPr>
-              <a:t>Siebte Gliederungsebene</a:t>
+              <a:t>Seventh Outline Level</a:t>
             </a:r>
             <a:endParaRPr b="0" lang="de-DE" sz="2000" spc="-1" strike="noStrike">
               <a:latin typeface="Arial"/>
@@ -11017,8 +12716,8 @@
         </p:nvSpPr>
         <p:spPr>
           <a:xfrm>
-            <a:off x="2664000" y="4627800"/>
-            <a:ext cx="3890160" cy="486360"/>
+            <a:off x="2664000" y="4627440"/>
+            <a:ext cx="3889800" cy="486360"/>
           </a:xfrm>
           <a:prstGeom prst="rect">
             <a:avLst/>
@@ -11035,9 +12734,7 @@
           <a:fontRef idx="minor"/>
         </p:style>
         <p:txBody>
-          <a:bodyPr lIns="0" rIns="0" tIns="0" bIns="0" anchor="b">
-            <a:spAutoFit/>
-          </a:bodyPr>
+          <a:bodyPr lIns="0" rIns="0" tIns="0" bIns="0" anchor="b"/>
           <a:p>
             <a:pPr>
               <a:lnSpc>
@@ -11129,7 +12826,7 @@
         <p:spPr>
           <a:xfrm>
             <a:off x="0" y="4592160"/>
-            <a:ext cx="9144000" cy="0"/>
+            <a:ext cx="9144000" cy="360"/>
           </a:xfrm>
           <a:prstGeom prst="line">
             <a:avLst/>
@@ -11164,8 +12861,8 @@
         </p:nvSpPr>
         <p:spPr>
           <a:xfrm>
-            <a:off x="6724800" y="4367160"/>
-            <a:ext cx="527760" cy="639000"/>
+            <a:off x="6724800" y="4366800"/>
+            <a:ext cx="527400" cy="639000"/>
           </a:xfrm>
           <a:prstGeom prst="rect">
             <a:avLst/>
@@ -11182,9 +12879,7 @@
           <a:fontRef idx="minor"/>
         </p:style>
         <p:txBody>
-          <a:bodyPr lIns="0" rIns="0" tIns="0" bIns="0" anchor="b">
-            <a:spAutoFit/>
-          </a:bodyPr>
+          <a:bodyPr lIns="0" rIns="0" tIns="0" bIns="0" anchor="b"/>
           <a:p>
             <a:pPr algn="r">
               <a:lnSpc>
@@ -11202,7 +12897,7 @@
               </a:rPr>
               <a:t>Folie </a:t>
             </a:r>
-            <a:fld id="{BB44E3B0-B50B-422F-97F6-6147A9AFA619}" type="slidenum">
+            <a:fld id="{6FC662A2-F727-4FE4-9A79-788A02781973}" type="slidenum">
               <a:rPr b="0" lang="de-DE" sz="800" spc="-1" strike="noStrike">
                 <a:solidFill>
                   <a:srgbClr val="727879"/>
@@ -11210,7 +12905,7 @@
                 <a:latin typeface="Open Sans"/>
                 <a:ea typeface="Open Sans"/>
               </a:rPr>
-              <a:t>&lt;Foliennummer&gt;</a:t>
+              <a:t>&lt;number&gt;</a:t>
             </a:fld>
             <a:endParaRPr b="0" lang="de-DE" sz="800" spc="-1" strike="noStrike">
               <a:latin typeface="Arial"/>
@@ -11241,7 +12936,7 @@
         <p:spPr>
           <a:xfrm>
             <a:off x="8230320" y="4752360"/>
-            <a:ext cx="577080" cy="262080"/>
+            <a:ext cx="576720" cy="261720"/>
           </a:xfrm>
           <a:prstGeom prst="rect">
             <a:avLst/>
@@ -11264,7 +12959,7 @@
         <p:spPr>
           <a:xfrm>
             <a:off x="379800" y="4752360"/>
-            <a:ext cx="835920" cy="242640"/>
+            <a:ext cx="835560" cy="242280"/>
           </a:xfrm>
           <a:prstGeom prst="rect">
             <a:avLst/>
@@ -11294,16 +12989,14 @@
           </a:prstGeom>
         </p:spPr>
         <p:txBody>
-          <a:bodyPr lIns="0" rIns="0" tIns="0" bIns="0" anchor="ctr">
-            <a:noAutofit/>
-          </a:bodyPr>
+          <a:bodyPr lIns="0" rIns="0" tIns="0" bIns="0" anchor="ctr"/>
           <a:p>
             <a:pPr algn="ctr"/>
             <a:r>
               <a:rPr b="0" lang="de-DE" sz="4400" spc="-1" strike="noStrike">
                 <a:latin typeface="Arial"/>
               </a:rPr>
-              <a:t>Format des Titeltextes durch Klicken bearbeiten</a:t>
+              <a:t>Click to edit the title text format</a:t>
             </a:r>
             <a:endParaRPr b="0" lang="de-DE" sz="4400" spc="-1" strike="noStrike">
               <a:latin typeface="Arial"/>
@@ -11332,7 +13025,7 @@
         </p:spPr>
         <p:txBody>
           <a:bodyPr lIns="0" rIns="0" tIns="0" bIns="0">
-            <a:normAutofit fontScale="88000"/>
+            <a:normAutofit/>
           </a:bodyPr>
           <a:p>
             <a:pPr marL="432000" indent="-324000">
@@ -11350,7 +13043,7 @@
               <a:rPr b="0" lang="de-DE" sz="3200" spc="-1" strike="noStrike">
                 <a:latin typeface="Arial"/>
               </a:rPr>
-              <a:t>Format des Gliederungstextes durch Klicken bearbeiten</a:t>
+              <a:t>Click to edit the outline text format</a:t>
             </a:r>
             <a:endParaRPr b="0" lang="de-DE" sz="3200" spc="-1" strike="noStrike">
               <a:latin typeface="Arial"/>
@@ -11372,7 +13065,7 @@
               <a:rPr b="0" lang="de-DE" sz="2800" spc="-1" strike="noStrike">
                 <a:latin typeface="Arial"/>
               </a:rPr>
-              <a:t>Zweite Gliederungsebene</a:t>
+              <a:t>Second Outline Level</a:t>
             </a:r>
             <a:endParaRPr b="0" lang="de-DE" sz="2800" spc="-1" strike="noStrike">
               <a:latin typeface="Arial"/>
@@ -11394,7 +13087,7 @@
               <a:rPr b="0" lang="de-DE" sz="2400" spc="-1" strike="noStrike">
                 <a:latin typeface="Arial"/>
               </a:rPr>
-              <a:t>Dritte Gliederungsebene</a:t>
+              <a:t>Third Outline Level</a:t>
             </a:r>
             <a:endParaRPr b="0" lang="de-DE" sz="2400" spc="-1" strike="noStrike">
               <a:latin typeface="Arial"/>
@@ -11416,7 +13109,7 @@
               <a:rPr b="0" lang="de-DE" sz="2000" spc="-1" strike="noStrike">
                 <a:latin typeface="Arial"/>
               </a:rPr>
-              <a:t>Vierte Gliederungsebene</a:t>
+              <a:t>Fourth Outline Level</a:t>
             </a:r>
             <a:endParaRPr b="0" lang="de-DE" sz="2000" spc="-1" strike="noStrike">
               <a:latin typeface="Arial"/>
@@ -11438,7 +13131,7 @@
               <a:rPr b="0" lang="de-DE" sz="2000" spc="-1" strike="noStrike">
                 <a:latin typeface="Arial"/>
               </a:rPr>
-              <a:t>Fünfte Gliederungsebene</a:t>
+              <a:t>Fifth Outline Level</a:t>
             </a:r>
             <a:endParaRPr b="0" lang="de-DE" sz="2000" spc="-1" strike="noStrike">
               <a:latin typeface="Arial"/>
@@ -11460,7 +13153,7 @@
               <a:rPr b="0" lang="de-DE" sz="2000" spc="-1" strike="noStrike">
                 <a:latin typeface="Arial"/>
               </a:rPr>
-              <a:t>Sechste Gliederungsebene</a:t>
+              <a:t>Sixth Outline Level</a:t>
             </a:r>
             <a:endParaRPr b="0" lang="de-DE" sz="2000" spc="-1" strike="noStrike">
               <a:latin typeface="Arial"/>
@@ -11482,7 +13175,7 @@
               <a:rPr b="0" lang="de-DE" sz="2000" spc="-1" strike="noStrike">
                 <a:latin typeface="Arial"/>
               </a:rPr>
-              <a:t>Siebte Gliederungsebene</a:t>
+              <a:t>Seventh Outline Level</a:t>
             </a:r>
             <a:endParaRPr b="0" lang="de-DE" sz="2000" spc="-1" strike="noStrike">
               <a:latin typeface="Arial"/>
@@ -11506,6 +13199,525 @@
     <p:sldLayoutId id="2147483723" r:id="rId13"/>
     <p:sldLayoutId id="2147483724" r:id="rId14"/>
     <p:sldLayoutId id="2147483725" r:id="rId15"/>
+  </p:sldLayoutIdLst>
+</p:sldMaster>
+</file>
+
+<file path=ppt/slideMasters/slideMaster7.xml><?xml version="1.0" encoding="utf-8"?>
+<p:sldMaster xmlns:a="http://schemas.openxmlformats.org/drawingml/2006/main" xmlns:p="http://schemas.openxmlformats.org/presentationml/2006/main" xmlns:r="http://schemas.openxmlformats.org/officeDocument/2006/relationships" xmlns:p14="http://schemas.microsoft.com/office/powerpoint/2010/main" xmlns:p15="http://schemas.microsoft.com/office/powerpoint/2012/main" xmlns:mc="http://schemas.openxmlformats.org/markup-compatibility/2006">
+  <p:cSld>
+    <p:bg>
+      <p:bgPr>
+        <a:solidFill>
+          <a:srgbClr val="ffffff"/>
+        </a:solidFill>
+      </p:bgPr>
+    </p:bg>
+    <p:spTree>
+      <p:nvGrpSpPr>
+        <p:cNvPr id="1" name=""/>
+        <p:cNvGrpSpPr/>
+        <p:nvPr/>
+      </p:nvGrpSpPr>
+      <p:grpSpPr>
+        <a:xfrm>
+          <a:off x="0" y="0"/>
+          <a:ext cx="0" cy="0"/>
+          <a:chOff x="0" y="0"/>
+          <a:chExt cx="0" cy="0"/>
+        </a:xfrm>
+      </p:grpSpPr>
+      <p:sp>
+        <p:nvSpPr>
+          <p:cNvPr id="264" name="CustomShape 1"/>
+          <p:cNvSpPr/>
+          <p:nvPr/>
+        </p:nvSpPr>
+        <p:spPr>
+          <a:xfrm>
+            <a:off x="2664000" y="4627440"/>
+            <a:ext cx="3889800" cy="486360"/>
+          </a:xfrm>
+          <a:prstGeom prst="rect">
+            <a:avLst/>
+          </a:prstGeom>
+          <a:noFill/>
+          <a:ln>
+            <a:noFill/>
+          </a:ln>
+        </p:spPr>
+        <p:style>
+          <a:lnRef idx="0"/>
+          <a:fillRef idx="0"/>
+          <a:effectRef idx="0"/>
+          <a:fontRef idx="minor"/>
+        </p:style>
+        <p:txBody>
+          <a:bodyPr lIns="0" rIns="0" tIns="0" bIns="0" anchor="b"/>
+          <a:p>
+            <a:pPr>
+              <a:lnSpc>
+                <a:spcPct val="100000"/>
+              </a:lnSpc>
+            </a:pPr>
+            <a:r>
+              <a:rPr b="0" lang="de-DE" sz="800" spc="-1" strike="noStrike">
+                <a:solidFill>
+                  <a:srgbClr val="727879"/>
+                </a:solidFill>
+                <a:latin typeface="Open Sans"/>
+                <a:ea typeface="DejaVu Sans"/>
+              </a:rPr>
+              <a:t>Abschlusspräsentation</a:t>
+            </a:r>
+            <a:endParaRPr b="0" lang="de-DE" sz="800" spc="-1" strike="noStrike">
+              <a:latin typeface="Arial"/>
+            </a:endParaRPr>
+          </a:p>
+          <a:p>
+            <a:pPr>
+              <a:lnSpc>
+                <a:spcPct val="100000"/>
+              </a:lnSpc>
+            </a:pPr>
+            <a:r>
+              <a:rPr b="0" lang="de-DE" sz="800" spc="-1" strike="noStrike">
+                <a:solidFill>
+                  <a:srgbClr val="727879"/>
+                </a:solidFill>
+                <a:latin typeface="Open Sans"/>
+                <a:ea typeface="Open Sans"/>
+              </a:rPr>
+              <a:t>Davin Ahn, Marcus Fiedler, Jonas Hönisch, Igor Macevic, Tobias Neubauer</a:t>
+            </a:r>
+            <a:endParaRPr b="0" lang="de-DE" sz="800" spc="-1" strike="noStrike">
+              <a:latin typeface="Arial"/>
+            </a:endParaRPr>
+          </a:p>
+          <a:p>
+            <a:pPr>
+              <a:lnSpc>
+                <a:spcPct val="100000"/>
+              </a:lnSpc>
+            </a:pPr>
+            <a:r>
+              <a:rPr b="0" lang="de-DE" sz="800" spc="-1" strike="noStrike">
+                <a:solidFill>
+                  <a:srgbClr val="727879"/>
+                </a:solidFill>
+                <a:latin typeface="Open Sans"/>
+                <a:ea typeface="Open Sans"/>
+              </a:rPr>
+              <a:t>Fakultät Informatik</a:t>
+            </a:r>
+            <a:endParaRPr b="0" lang="de-DE" sz="800" spc="-1" strike="noStrike">
+              <a:latin typeface="Arial"/>
+            </a:endParaRPr>
+          </a:p>
+          <a:p>
+            <a:pPr>
+              <a:lnSpc>
+                <a:spcPct val="100000"/>
+              </a:lnSpc>
+            </a:pPr>
+            <a:r>
+              <a:rPr b="0" lang="de-DE" sz="800" spc="-1" strike="noStrike">
+                <a:solidFill>
+                  <a:srgbClr val="727879"/>
+                </a:solidFill>
+                <a:latin typeface="Open Sans"/>
+                <a:ea typeface="Open Sans"/>
+              </a:rPr>
+              <a:t>21.01.2020</a:t>
+            </a:r>
+            <a:endParaRPr b="0" lang="de-DE" sz="800" spc="-1" strike="noStrike">
+              <a:latin typeface="Arial"/>
+            </a:endParaRPr>
+          </a:p>
+        </p:txBody>
+      </p:sp>
+      <p:sp>
+        <p:nvSpPr>
+          <p:cNvPr id="265" name="Line 2"/>
+          <p:cNvSpPr/>
+          <p:nvPr/>
+        </p:nvSpPr>
+        <p:spPr>
+          <a:xfrm>
+            <a:off x="0" y="4592160"/>
+            <a:ext cx="9144000" cy="360"/>
+          </a:xfrm>
+          <a:prstGeom prst="line">
+            <a:avLst/>
+          </a:prstGeom>
+          <a:ln w="12600">
+            <a:solidFill>
+              <a:schemeClr val="bg1">
+                <a:lumMod val="65000"/>
+              </a:schemeClr>
+            </a:solidFill>
+            <a:round/>
+          </a:ln>
+        </p:spPr>
+        <p:style>
+          <a:lnRef idx="1">
+            <a:schemeClr val="accent1"/>
+          </a:lnRef>
+          <a:fillRef idx="0">
+            <a:schemeClr val="accent1"/>
+          </a:fillRef>
+          <a:effectRef idx="0">
+            <a:schemeClr val="accent1"/>
+          </a:effectRef>
+          <a:fontRef idx="minor"/>
+        </p:style>
+      </p:sp>
+      <p:sp>
+        <p:nvSpPr>
+          <p:cNvPr id="266" name="CustomShape 3"/>
+          <p:cNvSpPr/>
+          <p:nvPr/>
+        </p:nvSpPr>
+        <p:spPr>
+          <a:xfrm>
+            <a:off x="6724800" y="4366800"/>
+            <a:ext cx="527400" cy="639000"/>
+          </a:xfrm>
+          <a:prstGeom prst="rect">
+            <a:avLst/>
+          </a:prstGeom>
+          <a:noFill/>
+          <a:ln>
+            <a:noFill/>
+          </a:ln>
+        </p:spPr>
+        <p:style>
+          <a:lnRef idx="0"/>
+          <a:fillRef idx="0"/>
+          <a:effectRef idx="0"/>
+          <a:fontRef idx="minor"/>
+        </p:style>
+        <p:txBody>
+          <a:bodyPr lIns="0" rIns="0" tIns="0" bIns="0" anchor="b"/>
+          <a:p>
+            <a:pPr algn="r">
+              <a:lnSpc>
+                <a:spcPct val="100000"/>
+              </a:lnSpc>
+            </a:pPr>
+            <a:br/>
+            <a:r>
+              <a:rPr b="0" lang="de-DE" sz="800" spc="-1" strike="noStrike">
+                <a:solidFill>
+                  <a:srgbClr val="727879"/>
+                </a:solidFill>
+                <a:latin typeface="Open Sans"/>
+                <a:ea typeface="Open Sans"/>
+              </a:rPr>
+              <a:t>Folie </a:t>
+            </a:r>
+            <a:fld id="{6F604A08-EF9A-41F5-810E-F4F3E9C4CAE4}" type="slidenum">
+              <a:rPr b="0" lang="de-DE" sz="800" spc="-1" strike="noStrike">
+                <a:solidFill>
+                  <a:srgbClr val="727879"/>
+                </a:solidFill>
+                <a:latin typeface="Open Sans"/>
+                <a:ea typeface="Open Sans"/>
+              </a:rPr>
+              <a:t>&lt;number&gt;</a:t>
+            </a:fld>
+            <a:endParaRPr b="0" lang="de-DE" sz="800" spc="-1" strike="noStrike">
+              <a:latin typeface="Arial"/>
+            </a:endParaRPr>
+          </a:p>
+          <a:p>
+            <a:pPr algn="r">
+              <a:lnSpc>
+                <a:spcPct val="100000"/>
+              </a:lnSpc>
+            </a:pPr>
+            <a:endParaRPr b="0" lang="de-DE" sz="800" spc="-1" strike="noStrike">
+              <a:latin typeface="Arial"/>
+            </a:endParaRPr>
+          </a:p>
+        </p:txBody>
+      </p:sp>
+      <p:pic>
+        <p:nvPicPr>
+          <p:cNvPr id="267" name="Grafik 8" descr=""/>
+          <p:cNvPicPr/>
+          <p:nvPr/>
+        </p:nvPicPr>
+        <p:blipFill>
+          <a:blip r:embed="rId2"/>
+          <a:stretch/>
+        </p:blipFill>
+        <p:spPr>
+          <a:xfrm>
+            <a:off x="8230320" y="4752360"/>
+            <a:ext cx="576720" cy="261720"/>
+          </a:xfrm>
+          <a:prstGeom prst="rect">
+            <a:avLst/>
+          </a:prstGeom>
+          <a:ln>
+            <a:noFill/>
+          </a:ln>
+        </p:spPr>
+      </p:pic>
+      <p:pic>
+        <p:nvPicPr>
+          <p:cNvPr id="268" name="Grafik 9" descr=""/>
+          <p:cNvPicPr/>
+          <p:nvPr/>
+        </p:nvPicPr>
+        <p:blipFill>
+          <a:blip r:embed="rId3"/>
+          <a:stretch/>
+        </p:blipFill>
+        <p:spPr>
+          <a:xfrm>
+            <a:off x="379800" y="4752360"/>
+            <a:ext cx="835560" cy="242280"/>
+          </a:xfrm>
+          <a:prstGeom prst="rect">
+            <a:avLst/>
+          </a:prstGeom>
+          <a:ln>
+            <a:noFill/>
+          </a:ln>
+        </p:spPr>
+      </p:pic>
+      <p:sp>
+        <p:nvSpPr>
+          <p:cNvPr id="269" name="PlaceHolder 4"/>
+          <p:cNvSpPr>
+            <a:spLocks noGrp="1"/>
+          </p:cNvSpPr>
+          <p:nvPr>
+            <p:ph type="title"/>
+          </p:nvPr>
+        </p:nvSpPr>
+        <p:spPr>
+          <a:xfrm>
+            <a:off x="457200" y="205200"/>
+            <a:ext cx="8229240" cy="858600"/>
+          </a:xfrm>
+          <a:prstGeom prst="rect">
+            <a:avLst/>
+          </a:prstGeom>
+        </p:spPr>
+        <p:txBody>
+          <a:bodyPr lIns="0" rIns="0" tIns="0" bIns="0" anchor="ctr"/>
+          <a:p>
+            <a:pPr algn="ctr"/>
+            <a:r>
+              <a:rPr b="0" lang="de-DE" sz="4400" spc="-1" strike="noStrike">
+                <a:latin typeface="Arial"/>
+              </a:rPr>
+              <a:t>Click to edit the title text format</a:t>
+            </a:r>
+            <a:endParaRPr b="0" lang="de-DE" sz="4400" spc="-1" strike="noStrike">
+              <a:latin typeface="Arial"/>
+            </a:endParaRPr>
+          </a:p>
+        </p:txBody>
+      </p:sp>
+      <p:sp>
+        <p:nvSpPr>
+          <p:cNvPr id="270" name="PlaceHolder 5"/>
+          <p:cNvSpPr>
+            <a:spLocks noGrp="1"/>
+          </p:cNvSpPr>
+          <p:nvPr>
+            <p:ph type="body"/>
+          </p:nvPr>
+        </p:nvSpPr>
+        <p:spPr>
+          <a:xfrm>
+            <a:off x="457200" y="1203480"/>
+            <a:ext cx="8229240" cy="2982960"/>
+          </a:xfrm>
+          <a:prstGeom prst="rect">
+            <a:avLst/>
+          </a:prstGeom>
+        </p:spPr>
+        <p:txBody>
+          <a:bodyPr lIns="0" rIns="0" tIns="0" bIns="0">
+            <a:normAutofit/>
+          </a:bodyPr>
+          <a:p>
+            <a:pPr marL="432000" indent="-324000">
+              <a:spcBef>
+                <a:spcPts val="1417"/>
+              </a:spcBef>
+              <a:buClr>
+                <a:srgbClr val="000000"/>
+              </a:buClr>
+              <a:buSzPct val="45000"/>
+              <a:buFont typeface="Wingdings" charset="2"/>
+              <a:buChar char=""/>
+            </a:pPr>
+            <a:r>
+              <a:rPr b="0" lang="de-DE" sz="3200" spc="-1" strike="noStrike">
+                <a:latin typeface="Arial"/>
+              </a:rPr>
+              <a:t>Click to edit the outline text format</a:t>
+            </a:r>
+            <a:endParaRPr b="0" lang="de-DE" sz="3200" spc="-1" strike="noStrike">
+              <a:latin typeface="Arial"/>
+            </a:endParaRPr>
+          </a:p>
+          <a:p>
+            <a:pPr lvl="1" marL="864000" indent="-324000">
+              <a:spcBef>
+                <a:spcPts val="1134"/>
+              </a:spcBef>
+              <a:buClr>
+                <a:srgbClr val="000000"/>
+              </a:buClr>
+              <a:buSzPct val="75000"/>
+              <a:buFont typeface="Symbol" charset="2"/>
+              <a:buChar char=""/>
+            </a:pPr>
+            <a:r>
+              <a:rPr b="0" lang="de-DE" sz="2800" spc="-1" strike="noStrike">
+                <a:latin typeface="Arial"/>
+              </a:rPr>
+              <a:t>Second Outline Level</a:t>
+            </a:r>
+            <a:endParaRPr b="0" lang="de-DE" sz="2800" spc="-1" strike="noStrike">
+              <a:latin typeface="Arial"/>
+            </a:endParaRPr>
+          </a:p>
+          <a:p>
+            <a:pPr lvl="2" marL="1296000" indent="-288000">
+              <a:spcBef>
+                <a:spcPts val="850"/>
+              </a:spcBef>
+              <a:buClr>
+                <a:srgbClr val="000000"/>
+              </a:buClr>
+              <a:buSzPct val="45000"/>
+              <a:buFont typeface="Wingdings" charset="2"/>
+              <a:buChar char=""/>
+            </a:pPr>
+            <a:r>
+              <a:rPr b="0" lang="de-DE" sz="2400" spc="-1" strike="noStrike">
+                <a:latin typeface="Arial"/>
+              </a:rPr>
+              <a:t>Third Outline Level</a:t>
+            </a:r>
+            <a:endParaRPr b="0" lang="de-DE" sz="2400" spc="-1" strike="noStrike">
+              <a:latin typeface="Arial"/>
+            </a:endParaRPr>
+          </a:p>
+          <a:p>
+            <a:pPr lvl="3" marL="1728000" indent="-216000">
+              <a:spcBef>
+                <a:spcPts val="567"/>
+              </a:spcBef>
+              <a:buClr>
+                <a:srgbClr val="000000"/>
+              </a:buClr>
+              <a:buSzPct val="75000"/>
+              <a:buFont typeface="Symbol" charset="2"/>
+              <a:buChar char=""/>
+            </a:pPr>
+            <a:r>
+              <a:rPr b="0" lang="de-DE" sz="2000" spc="-1" strike="noStrike">
+                <a:latin typeface="Arial"/>
+              </a:rPr>
+              <a:t>Fourth Outline Level</a:t>
+            </a:r>
+            <a:endParaRPr b="0" lang="de-DE" sz="2000" spc="-1" strike="noStrike">
+              <a:latin typeface="Arial"/>
+            </a:endParaRPr>
+          </a:p>
+          <a:p>
+            <a:pPr lvl="4" marL="2160000" indent="-216000">
+              <a:spcBef>
+                <a:spcPts val="283"/>
+              </a:spcBef>
+              <a:buClr>
+                <a:srgbClr val="000000"/>
+              </a:buClr>
+              <a:buSzPct val="45000"/>
+              <a:buFont typeface="Wingdings" charset="2"/>
+              <a:buChar char=""/>
+            </a:pPr>
+            <a:r>
+              <a:rPr b="0" lang="de-DE" sz="2000" spc="-1" strike="noStrike">
+                <a:latin typeface="Arial"/>
+              </a:rPr>
+              <a:t>Fifth Outline Level</a:t>
+            </a:r>
+            <a:endParaRPr b="0" lang="de-DE" sz="2000" spc="-1" strike="noStrike">
+              <a:latin typeface="Arial"/>
+            </a:endParaRPr>
+          </a:p>
+          <a:p>
+            <a:pPr lvl="5" marL="2592000" indent="-216000">
+              <a:spcBef>
+                <a:spcPts val="283"/>
+              </a:spcBef>
+              <a:buClr>
+                <a:srgbClr val="000000"/>
+              </a:buClr>
+              <a:buSzPct val="45000"/>
+              <a:buFont typeface="Wingdings" charset="2"/>
+              <a:buChar char=""/>
+            </a:pPr>
+            <a:r>
+              <a:rPr b="0" lang="de-DE" sz="2000" spc="-1" strike="noStrike">
+                <a:latin typeface="Arial"/>
+              </a:rPr>
+              <a:t>Sixth Outline Level</a:t>
+            </a:r>
+            <a:endParaRPr b="0" lang="de-DE" sz="2000" spc="-1" strike="noStrike">
+              <a:latin typeface="Arial"/>
+            </a:endParaRPr>
+          </a:p>
+          <a:p>
+            <a:pPr lvl="6" marL="3024000" indent="-216000">
+              <a:spcBef>
+                <a:spcPts val="283"/>
+              </a:spcBef>
+              <a:buClr>
+                <a:srgbClr val="000000"/>
+              </a:buClr>
+              <a:buSzPct val="45000"/>
+              <a:buFont typeface="Wingdings" charset="2"/>
+              <a:buChar char=""/>
+            </a:pPr>
+            <a:r>
+              <a:rPr b="0" lang="de-DE" sz="2000" spc="-1" strike="noStrike">
+                <a:latin typeface="Arial"/>
+              </a:rPr>
+              <a:t>Seventh Outline Level</a:t>
+            </a:r>
+            <a:endParaRPr b="0" lang="de-DE" sz="2000" spc="-1" strike="noStrike">
+              <a:latin typeface="Arial"/>
+            </a:endParaRPr>
+          </a:p>
+        </p:txBody>
+      </p:sp>
+    </p:spTree>
+  </p:cSld>
+  <p:clrMap bg1="lt1" bg2="lt2" tx1="dk1" tx2="dk2" accent1="accent1" accent2="accent2" accent3="accent3" accent4="accent4" accent5="accent5" accent6="accent6" hlink="hlink" folHlink="folHlink"/>
+  <p:sldLayoutIdLst>
+    <p:sldLayoutId id="2147483727" r:id="rId4"/>
+    <p:sldLayoutId id="2147483728" r:id="rId5"/>
+    <p:sldLayoutId id="2147483729" r:id="rId6"/>
+    <p:sldLayoutId id="2147483730" r:id="rId7"/>
+    <p:sldLayoutId id="2147483731" r:id="rId8"/>
+    <p:sldLayoutId id="2147483732" r:id="rId9"/>
+    <p:sldLayoutId id="2147483733" r:id="rId10"/>
+    <p:sldLayoutId id="2147483734" r:id="rId11"/>
+    <p:sldLayoutId id="2147483735" r:id="rId12"/>
+    <p:sldLayoutId id="2147483736" r:id="rId13"/>
+    <p:sldLayoutId id="2147483737" r:id="rId14"/>
+    <p:sldLayoutId id="2147483738" r:id="rId15"/>
   </p:sldLayoutIdLst>
 </p:sldMaster>
 </file>
@@ -11529,14 +13741,14 @@
       </p:grpSpPr>
       <p:sp>
         <p:nvSpPr>
-          <p:cNvPr id="264" name="CustomShape 1"/>
+          <p:cNvPr id="313" name="CustomShape 1"/>
           <p:cNvSpPr/>
           <p:nvPr/>
         </p:nvSpPr>
         <p:spPr>
           <a:xfrm>
             <a:off x="655920" y="3651840"/>
-            <a:ext cx="7828560" cy="1079280"/>
+            <a:ext cx="7828200" cy="1078920"/>
           </a:xfrm>
           <a:prstGeom prst="rect">
             <a:avLst/>
@@ -11553,9 +13765,7 @@
           <a:fontRef idx="minor"/>
         </p:style>
         <p:txBody>
-          <a:bodyPr lIns="0" rIns="0" tIns="0" bIns="0">
-            <a:noAutofit/>
-          </a:bodyPr>
+          <a:bodyPr lIns="0" rIns="0" tIns="0" bIns="0"/>
           <a:p>
             <a:pPr>
               <a:lnSpc>
@@ -11571,6 +13781,7 @@
                   <a:srgbClr val="ffffff"/>
                 </a:solidFill>
                 <a:latin typeface="Open Sans"/>
+                <a:ea typeface="DejaVu Sans"/>
               </a:rPr>
               <a:t>Am 21.01.2020</a:t>
             </a:r>
@@ -11595,14 +13806,14 @@
       </p:sp>
       <p:sp>
         <p:nvSpPr>
-          <p:cNvPr id="265" name="CustomShape 2"/>
+          <p:cNvPr id="314" name="CustomShape 2"/>
           <p:cNvSpPr/>
           <p:nvPr/>
         </p:nvSpPr>
         <p:spPr>
           <a:xfrm>
             <a:off x="655920" y="1815480"/>
-            <a:ext cx="7828560" cy="620640"/>
+            <a:ext cx="7828200" cy="620280"/>
           </a:xfrm>
           <a:prstGeom prst="rect">
             <a:avLst/>
@@ -11619,9 +13830,7 @@
           <a:fontRef idx="minor"/>
         </p:style>
         <p:txBody>
-          <a:bodyPr lIns="0" rIns="0" tIns="0" bIns="0">
-            <a:noAutofit/>
-          </a:bodyPr>
+          <a:bodyPr lIns="0" rIns="0" tIns="0" bIns="0"/>
           <a:p>
             <a:pPr>
               <a:lnSpc>
@@ -11634,6 +13843,7 @@
                   <a:srgbClr val="ffffff"/>
                 </a:solidFill>
                 <a:latin typeface="Open Sans"/>
+                <a:ea typeface="DejaVu Sans"/>
               </a:rPr>
               <a:t>Davin Ahn, Marcus Fiedler, Jonas Hönisch, Igor Macevic, Tobias Neubauer</a:t>
             </a:r>
@@ -11653,6 +13863,7 @@
                   <a:srgbClr val="ffffff"/>
                 </a:solidFill>
                 <a:latin typeface="Open Sans"/>
+                <a:ea typeface="DejaVu Sans"/>
               </a:rPr>
               <a:t>Fakultät Informatik</a:t>
             </a:r>
@@ -11664,14 +13875,14 @@
       </p:sp>
       <p:sp>
         <p:nvSpPr>
-          <p:cNvPr id="266" name="CustomShape 3"/>
+          <p:cNvPr id="315" name="CustomShape 3"/>
           <p:cNvSpPr/>
           <p:nvPr/>
         </p:nvSpPr>
         <p:spPr>
           <a:xfrm>
             <a:off x="655920" y="2544120"/>
-            <a:ext cx="7828560" cy="728280"/>
+            <a:ext cx="7828200" cy="727920"/>
           </a:xfrm>
           <a:prstGeom prst="rect">
             <a:avLst/>
@@ -11688,9 +13899,7 @@
           <a:fontRef idx="minor"/>
         </p:style>
         <p:txBody>
-          <a:bodyPr lIns="0" rIns="0" tIns="0" bIns="0">
-            <a:noAutofit/>
-          </a:bodyPr>
+          <a:bodyPr lIns="0" rIns="0" tIns="0" bIns="0"/>
           <a:p>
             <a:pPr>
               <a:lnSpc>
@@ -11703,6 +13912,7 @@
                   <a:srgbClr val="ffffff"/>
                 </a:solidFill>
                 <a:latin typeface="Open Sans"/>
+                <a:ea typeface="DejaVu Sans"/>
               </a:rPr>
               <a:t>Abschlusspräsentation</a:t>
             </a:r>
@@ -11722,6 +13932,33 @@
       <p:transition spd="slow"/>
     </mc:Fallback>
   </mc:AlternateContent>
+  <p:timing>
+    <p:tnLst>
+      <p:par>
+        <p:cTn id="1" dur="indefinite" restart="never" nodeType="tmRoot">
+          <p:childTnLst>
+            <p:seq>
+              <p:cTn id="2" dur="indefinite" nodeType="mainSeq"/>
+              <p:prevCondLst>
+                <p:cond delay="0" evt="onPrev">
+                  <p:tgtEl>
+                    <p:sldTgt/>
+                  </p:tgtEl>
+                </p:cond>
+              </p:prevCondLst>
+              <p:nextCondLst>
+                <p:cond delay="0" evt="onNext">
+                  <p:tgtEl>
+                    <p:sldTgt/>
+                  </p:tgtEl>
+                </p:cond>
+              </p:nextCondLst>
+            </p:seq>
+          </p:childTnLst>
+        </p:cTn>
+      </p:par>
+    </p:tnLst>
+  </p:timing>
 </p:sld>
 </file>
 
@@ -11744,14 +13981,14 @@
       </p:grpSpPr>
       <p:sp>
         <p:nvSpPr>
-          <p:cNvPr id="289" name="CustomShape 1"/>
+          <p:cNvPr id="338" name="CustomShape 1"/>
           <p:cNvSpPr/>
           <p:nvPr/>
         </p:nvSpPr>
         <p:spPr>
           <a:xfrm>
             <a:off x="655920" y="2540520"/>
-            <a:ext cx="7934760" cy="898200"/>
+            <a:ext cx="7934400" cy="897840"/>
           </a:xfrm>
           <a:prstGeom prst="rect">
             <a:avLst/>
@@ -11768,9 +14005,7 @@
           <a:fontRef idx="minor"/>
         </p:style>
         <p:txBody>
-          <a:bodyPr lIns="0" rIns="0" tIns="0" bIns="0">
-            <a:noAutofit/>
-          </a:bodyPr>
+          <a:bodyPr lIns="0" rIns="0" tIns="0" bIns="0"/>
           <a:p>
             <a:pPr>
               <a:lnSpc>
@@ -11783,8 +14018,29 @@
                   <a:srgbClr val="ffffff"/>
                 </a:solidFill>
                 <a:latin typeface="Open Sans"/>
+                <a:ea typeface="DejaVu Sans"/>
               </a:rPr>
-              <a:t>Fortschritt und Probleme</a:t>
+              <a:t>Fortschritt, Herausforderungen</a:t>
+            </a:r>
+            <a:endParaRPr b="0" lang="de-DE" sz="3200" spc="-1" strike="noStrike">
+              <a:latin typeface="Arial"/>
+            </a:endParaRPr>
+          </a:p>
+          <a:p>
+            <a:pPr>
+              <a:lnSpc>
+                <a:spcPct val="100000"/>
+              </a:lnSpc>
+            </a:pPr>
+            <a:r>
+              <a:rPr b="1" lang="de-DE" sz="3200" spc="-1" strike="noStrike">
+                <a:solidFill>
+                  <a:srgbClr val="ffffff"/>
+                </a:solidFill>
+                <a:latin typeface="Open Sans"/>
+                <a:ea typeface="DejaVu Sans"/>
+              </a:rPr>
+              <a:t>und Probleme</a:t>
             </a:r>
             <a:endParaRPr b="0" lang="de-DE" sz="3200" spc="-1" strike="noStrike">
               <a:latin typeface="Arial"/>
@@ -11802,6 +14058,33 @@
       <p:transition spd="slow"/>
     </mc:Fallback>
   </mc:AlternateContent>
+  <p:timing>
+    <p:tnLst>
+      <p:par>
+        <p:cTn id="19" dur="indefinite" restart="never" nodeType="tmRoot">
+          <p:childTnLst>
+            <p:seq>
+              <p:cTn id="20" dur="indefinite" nodeType="mainSeq"/>
+              <p:prevCondLst>
+                <p:cond delay="0" evt="onPrev">
+                  <p:tgtEl>
+                    <p:sldTgt/>
+                  </p:tgtEl>
+                </p:cond>
+              </p:prevCondLst>
+              <p:nextCondLst>
+                <p:cond delay="0" evt="onNext">
+                  <p:tgtEl>
+                    <p:sldTgt/>
+                  </p:tgtEl>
+                </p:cond>
+              </p:nextCondLst>
+            </p:seq>
+          </p:childTnLst>
+        </p:cTn>
+      </p:par>
+    </p:tnLst>
+  </p:timing>
 </p:sld>
 </file>
 
@@ -11824,14 +14107,14 @@
       </p:grpSpPr>
       <p:sp>
         <p:nvSpPr>
-          <p:cNvPr id="290" name="CustomShape 1"/>
+          <p:cNvPr id="339" name="CustomShape 1"/>
           <p:cNvSpPr/>
           <p:nvPr/>
         </p:nvSpPr>
         <p:spPr>
           <a:xfrm>
             <a:off x="655920" y="259560"/>
-            <a:ext cx="7934760" cy="512280"/>
+            <a:ext cx="7934400" cy="511920"/>
           </a:xfrm>
           <a:prstGeom prst="rect">
             <a:avLst/>
@@ -11848,9 +14131,7 @@
           <a:fontRef idx="minor"/>
         </p:style>
         <p:txBody>
-          <a:bodyPr lIns="0" rIns="0" tIns="0" bIns="0">
-            <a:noAutofit/>
-          </a:bodyPr>
+          <a:bodyPr lIns="0" rIns="0" tIns="0" bIns="0"/>
           <a:p>
             <a:pPr>
               <a:lnSpc>
@@ -11863,8 +14144,9 @@
                   <a:srgbClr val="00305e"/>
                 </a:solidFill>
                 <a:latin typeface="Open Sans"/>
+                <a:ea typeface="DejaVu Sans"/>
               </a:rPr>
-              <a:t>Fortschritt und Probleme</a:t>
+              <a:t>Herausforderungen</a:t>
             </a:r>
             <a:endParaRPr b="0" lang="de-DE" sz="2400" spc="-1" strike="noStrike">
               <a:latin typeface="Arial"/>
@@ -11874,14 +14156,14 @@
       </p:sp>
       <p:sp>
         <p:nvSpPr>
-          <p:cNvPr id="291" name="TextShape 2"/>
-          <p:cNvSpPr txBox="1"/>
+          <p:cNvPr id="340" name="CustomShape 2"/>
+          <p:cNvSpPr/>
           <p:nvPr/>
         </p:nvSpPr>
         <p:spPr>
           <a:xfrm>
-            <a:off x="720000" y="771840"/>
-            <a:ext cx="7848000" cy="858240"/>
+            <a:off x="576000" y="521280"/>
+            <a:ext cx="7847640" cy="2558520"/>
           </a:xfrm>
           <a:prstGeom prst="rect">
             <a:avLst/>
@@ -11891,38 +14173,141 @@
             <a:noFill/>
           </a:ln>
         </p:spPr>
-        <p:txBody>
-          <a:bodyPr lIns="90000" rIns="90000" tIns="45000" bIns="45000">
-            <a:spAutoFit/>
-          </a:bodyPr>
-          <a:p>
+        <p:style>
+          <a:lnRef idx="0"/>
+          <a:fillRef idx="0"/>
+          <a:effectRef idx="0"/>
+          <a:fontRef idx="minor"/>
+        </p:style>
+        <p:txBody>
+          <a:bodyPr lIns="90000" rIns="90000" tIns="45000" bIns="45000"/>
+          <a:p>
+            <a:pPr>
+              <a:lnSpc>
+                <a:spcPct val="150000"/>
+              </a:lnSpc>
+            </a:pPr>
             <a:r>
               <a:rPr b="0" lang="de-DE" sz="1800" spc="-1" strike="noStrike">
                 <a:latin typeface="Arial"/>
               </a:rPr>
-              <a:t>- sehr großer Aufgabenumfang → immer ein bisschen zu spät dran</a:t>
+              <a:t>- Login/Logout Händler springt nicht auf Aktionen an</a:t>
             </a:r>
             <a:endParaRPr b="0" lang="de-DE" sz="1800" spc="-1" strike="noStrike">
               <a:latin typeface="Arial"/>
             </a:endParaRPr>
           </a:p>
           <a:p>
+            <a:pPr>
+              <a:lnSpc>
+                <a:spcPct val="150000"/>
+              </a:lnSpc>
+            </a:pPr>
             <a:r>
               <a:rPr b="0" lang="de-DE" sz="1800" spc="-1" strike="noStrike">
                 <a:latin typeface="Arial"/>
               </a:rPr>
-              <a:t>- gutes Teamwork, gut gegenseitig geholfen und Aufgaben abgenommen</a:t>
+              <a:t>	</a:t>
             </a:r>
-            <a:endParaRPr b="0" lang="de-DE" sz="1800" spc="-1" strike="noStrike">
-              <a:latin typeface="Arial"/>
-            </a:endParaRPr>
-          </a:p>
-          <a:p>
             <a:r>
               <a:rPr b="0" lang="de-DE" sz="1800" spc="-1" strike="noStrike">
                 <a:latin typeface="Arial"/>
               </a:rPr>
-              <a:t>- </a:t>
+              <a:t>→ </a:t>
+            </a:r>
+            <a:r>
+              <a:rPr b="0" lang="de-DE" sz="1800" spc="-1" strike="noStrike">
+                <a:latin typeface="Arial"/>
+              </a:rPr>
+              <a:t>Lösung mit SessionRegistry</a:t>
+            </a:r>
+            <a:endParaRPr b="0" lang="de-DE" sz="1800" spc="-1" strike="noStrike">
+              <a:latin typeface="Arial"/>
+            </a:endParaRPr>
+          </a:p>
+          <a:p>
+            <a:pPr>
+              <a:lnSpc>
+                <a:spcPct val="150000"/>
+              </a:lnSpc>
+            </a:pPr>
+            <a:r>
+              <a:rPr b="0" lang="de-DE" sz="1800" spc="-1" strike="noStrike">
+                <a:latin typeface="Arial"/>
+              </a:rPr>
+              <a:t>- Wie werden Messages gespeichert?</a:t>
+            </a:r>
+            <a:endParaRPr b="0" lang="de-DE" sz="1800" spc="-1" strike="noStrike">
+              <a:latin typeface="Arial"/>
+            </a:endParaRPr>
+          </a:p>
+          <a:p>
+            <a:pPr>
+              <a:lnSpc>
+                <a:spcPct val="150000"/>
+              </a:lnSpc>
+            </a:pPr>
+            <a:r>
+              <a:rPr b="0" lang="de-DE" sz="1800" spc="-1" strike="noStrike">
+                <a:latin typeface="Arial"/>
+              </a:rPr>
+              <a:t>	</a:t>
+            </a:r>
+            <a:r>
+              <a:rPr b="0" lang="de-DE" sz="1800" spc="-1" strike="noStrike">
+                <a:latin typeface="Arial"/>
+              </a:rPr>
+              <a:t>→ </a:t>
+            </a:r>
+            <a:r>
+              <a:rPr b="0" lang="de-DE" sz="1800" spc="-1" strike="noStrike">
+                <a:latin typeface="Arial"/>
+              </a:rPr>
+              <a:t>Listener Design Pattern</a:t>
+            </a:r>
+            <a:endParaRPr b="0" lang="de-DE" sz="1800" spc="-1" strike="noStrike">
+              <a:latin typeface="Arial"/>
+            </a:endParaRPr>
+          </a:p>
+          <a:p>
+            <a:pPr>
+              <a:lnSpc>
+                <a:spcPct val="150000"/>
+              </a:lnSpc>
+            </a:pPr>
+            <a:r>
+              <a:rPr b="0" lang="de-DE" sz="1800" spc="-1" strike="noStrike">
+                <a:latin typeface="Arial"/>
+              </a:rPr>
+              <a:t>- Drucken der Tickets als PDF? </a:t>
+            </a:r>
+            <a:endParaRPr b="0" lang="de-DE" sz="1800" spc="-1" strike="noStrike">
+              <a:latin typeface="Arial"/>
+            </a:endParaRPr>
+          </a:p>
+          <a:p>
+            <a:pPr>
+              <a:lnSpc>
+                <a:spcPct val="150000"/>
+              </a:lnSpc>
+            </a:pPr>
+            <a:r>
+              <a:rPr b="0" lang="de-DE" sz="1800" spc="-1" strike="noStrike">
+                <a:latin typeface="Arial"/>
+              </a:rPr>
+              <a:t>	</a:t>
+            </a:r>
+            <a:r>
+              <a:rPr b="0" lang="de-DE" sz="1800" spc="-1" strike="noStrike">
+                <a:latin typeface="Arial"/>
+              </a:rPr>
+              <a:t>→ </a:t>
+            </a:r>
+            <a:r>
+              <a:rPr b="0" lang="de-DE" sz="1800" spc="-1" strike="noStrike">
+                <a:latin typeface="Arial"/>
+              </a:rPr>
+              <a:t>Probleme mit iText, HTML-print()</a:t>
             </a:r>
             <a:endParaRPr b="0" lang="de-DE" sz="1800" spc="-1" strike="noStrike">
               <a:latin typeface="Arial"/>
@@ -11940,6 +14325,33 @@
       <p:transition spd="slow"/>
     </mc:Fallback>
   </mc:AlternateContent>
+  <p:timing>
+    <p:tnLst>
+      <p:par>
+        <p:cTn id="21" dur="indefinite" restart="never" nodeType="tmRoot">
+          <p:childTnLst>
+            <p:seq>
+              <p:cTn id="22" dur="indefinite" nodeType="mainSeq"/>
+              <p:prevCondLst>
+                <p:cond delay="0" evt="onPrev">
+                  <p:tgtEl>
+                    <p:sldTgt/>
+                  </p:tgtEl>
+                </p:cond>
+              </p:prevCondLst>
+              <p:nextCondLst>
+                <p:cond delay="0" evt="onNext">
+                  <p:tgtEl>
+                    <p:sldTgt/>
+                  </p:tgtEl>
+                </p:cond>
+              </p:nextCondLst>
+            </p:seq>
+          </p:childTnLst>
+        </p:cTn>
+      </p:par>
+    </p:tnLst>
+  </p:timing>
 </p:sld>
 </file>
 
@@ -11962,14 +14374,14 @@
       </p:grpSpPr>
       <p:sp>
         <p:nvSpPr>
-          <p:cNvPr id="292" name="CustomShape 1"/>
+          <p:cNvPr id="341" name="CustomShape 1"/>
           <p:cNvSpPr/>
           <p:nvPr/>
         </p:nvSpPr>
         <p:spPr>
           <a:xfrm>
-            <a:off x="655920" y="2540520"/>
-            <a:ext cx="7934760" cy="898200"/>
+            <a:off x="655920" y="259560"/>
+            <a:ext cx="7934400" cy="511920"/>
           </a:xfrm>
           <a:prstGeom prst="rect">
             <a:avLst/>
@@ -11986,9 +14398,672 @@
           <a:fontRef idx="minor"/>
         </p:style>
         <p:txBody>
-          <a:bodyPr lIns="0" rIns="0" tIns="0" bIns="0">
-            <a:noAutofit/>
-          </a:bodyPr>
+          <a:bodyPr lIns="0" rIns="0" tIns="0" bIns="0"/>
+          <a:p>
+            <a:pPr>
+              <a:lnSpc>
+                <a:spcPct val="100000"/>
+              </a:lnSpc>
+            </a:pPr>
+            <a:r>
+              <a:rPr b="1" lang="de-DE" sz="2400" spc="-1" strike="noStrike">
+                <a:solidFill>
+                  <a:srgbClr val="00305e"/>
+                </a:solidFill>
+                <a:latin typeface="Open Sans"/>
+                <a:ea typeface="DejaVu Sans"/>
+              </a:rPr>
+              <a:t>Herausforderungen</a:t>
+            </a:r>
+            <a:endParaRPr b="0" lang="de-DE" sz="2400" spc="-1" strike="noStrike">
+              <a:latin typeface="Arial"/>
+            </a:endParaRPr>
+          </a:p>
+        </p:txBody>
+      </p:sp>
+      <p:sp>
+        <p:nvSpPr>
+          <p:cNvPr id="342" name="CustomShape 2"/>
+          <p:cNvSpPr/>
+          <p:nvPr/>
+        </p:nvSpPr>
+        <p:spPr>
+          <a:xfrm>
+            <a:off x="576000" y="521280"/>
+            <a:ext cx="7847640" cy="2147760"/>
+          </a:xfrm>
+          <a:prstGeom prst="rect">
+            <a:avLst/>
+          </a:prstGeom>
+          <a:noFill/>
+          <a:ln>
+            <a:noFill/>
+          </a:ln>
+        </p:spPr>
+        <p:style>
+          <a:lnRef idx="0"/>
+          <a:fillRef idx="0"/>
+          <a:effectRef idx="0"/>
+          <a:fontRef idx="minor"/>
+        </p:style>
+        <p:txBody>
+          <a:bodyPr lIns="90000" rIns="90000" tIns="45000" bIns="45000"/>
+          <a:p>
+            <a:pPr>
+              <a:lnSpc>
+                <a:spcPct val="150000"/>
+              </a:lnSpc>
+            </a:pPr>
+            <a:r>
+              <a:rPr b="0" lang="de-DE" sz="1800" spc="-1" strike="noStrike">
+                <a:latin typeface="Arial"/>
+              </a:rPr>
+              <a:t>- Contracts und Tickets festivalspezifisch anlegen ging mit der anfänglichen Struktur nicht </a:t>
+            </a:r>
+            <a:endParaRPr b="0" lang="de-DE" sz="1800" spc="-1" strike="noStrike">
+              <a:latin typeface="Arial"/>
+            </a:endParaRPr>
+          </a:p>
+          <a:p>
+            <a:pPr>
+              <a:lnSpc>
+                <a:spcPct val="150000"/>
+              </a:lnSpc>
+            </a:pPr>
+            <a:r>
+              <a:rPr b="0" lang="de-DE" sz="1800" spc="-1" strike="noStrike">
+                <a:latin typeface="Arial"/>
+              </a:rPr>
+              <a:t>	</a:t>
+            </a:r>
+            <a:r>
+              <a:rPr b="0" lang="de-DE" sz="1800" spc="-1" strike="noStrike">
+                <a:latin typeface="Arial"/>
+              </a:rPr>
+              <a:t>→ </a:t>
+            </a:r>
+            <a:r>
+              <a:rPr b="0" lang="de-DE" sz="1800" spc="-1" strike="noStrike">
+                <a:latin typeface="Arial"/>
+              </a:rPr>
+              <a:t>umstrukturieren der Packages nötig</a:t>
+            </a:r>
+            <a:endParaRPr b="0" lang="de-DE" sz="1800" spc="-1" strike="noStrike">
+              <a:latin typeface="Arial"/>
+            </a:endParaRPr>
+          </a:p>
+          <a:p>
+            <a:pPr>
+              <a:lnSpc>
+                <a:spcPct val="150000"/>
+              </a:lnSpc>
+            </a:pPr>
+            <a:r>
+              <a:rPr b="0" lang="de-DE" sz="1800" spc="-1" strike="noStrike">
+                <a:latin typeface="Arial"/>
+              </a:rPr>
+              <a:t>- ursprünglicher Entwurf nicht ausreichend </a:t>
+            </a:r>
+            <a:endParaRPr b="0" lang="de-DE" sz="1800" spc="-1" strike="noStrike">
+              <a:latin typeface="Arial"/>
+            </a:endParaRPr>
+          </a:p>
+          <a:p>
+            <a:pPr>
+              <a:lnSpc>
+                <a:spcPct val="150000"/>
+              </a:lnSpc>
+            </a:pPr>
+            <a:r>
+              <a:rPr b="0" lang="de-DE" sz="1800" spc="-1" strike="noStrike">
+                <a:latin typeface="Arial"/>
+              </a:rPr>
+              <a:t>	</a:t>
+            </a:r>
+            <a:r>
+              <a:rPr b="0" lang="de-DE" sz="1800" spc="-1" strike="noStrike">
+                <a:latin typeface="Arial"/>
+              </a:rPr>
+              <a:t>→ </a:t>
+            </a:r>
+            <a:r>
+              <a:rPr b="0" lang="de-DE" sz="1800" spc="-1" strike="noStrike">
+                <a:latin typeface="Arial"/>
+              </a:rPr>
+              <a:t>Umfang ausgebaut basierend </a:t>
+            </a:r>
+            <a:endParaRPr b="0" lang="de-DE" sz="1800" spc="-1" strike="noStrike">
+              <a:latin typeface="Arial"/>
+            </a:endParaRPr>
+          </a:p>
+        </p:txBody>
+      </p:sp>
+    </p:spTree>
+  </p:cSld>
+  <mc:AlternateContent>
+    <mc:Choice Requires="p14">
+      <p:transition spd="slow" p14:dur="2000"/>
+    </mc:Choice>
+    <mc:Fallback>
+      <p:transition spd="slow"/>
+    </mc:Fallback>
+  </mc:AlternateContent>
+  <p:timing>
+    <p:tnLst>
+      <p:par>
+        <p:cTn id="23" dur="indefinite" restart="never" nodeType="tmRoot">
+          <p:childTnLst>
+            <p:seq>
+              <p:cTn id="24" dur="indefinite" nodeType="mainSeq"/>
+              <p:prevCondLst>
+                <p:cond delay="0" evt="onPrev">
+                  <p:tgtEl>
+                    <p:sldTgt/>
+                  </p:tgtEl>
+                </p:cond>
+              </p:prevCondLst>
+              <p:nextCondLst>
+                <p:cond delay="0" evt="onNext">
+                  <p:tgtEl>
+                    <p:sldTgt/>
+                  </p:tgtEl>
+                </p:cond>
+              </p:nextCondLst>
+            </p:seq>
+          </p:childTnLst>
+        </p:cTn>
+      </p:par>
+    </p:tnLst>
+  </p:timing>
+</p:sld>
+</file>
+
+<file path=ppt/slides/slide13.xml><?xml version="1.0" encoding="utf-8"?>
+<p:sld xmlns:a="http://schemas.openxmlformats.org/drawingml/2006/main" xmlns:p="http://schemas.openxmlformats.org/presentationml/2006/main" xmlns:r="http://schemas.openxmlformats.org/officeDocument/2006/relationships" xmlns:p14="http://schemas.microsoft.com/office/powerpoint/2010/main" xmlns:p15="http://schemas.microsoft.com/office/powerpoint/2012/main" xmlns:mc="http://schemas.openxmlformats.org/markup-compatibility/2006">
+  <p:cSld>
+    <p:spTree>
+      <p:nvGrpSpPr>
+        <p:cNvPr id="1" name=""/>
+        <p:cNvGrpSpPr/>
+        <p:nvPr/>
+      </p:nvGrpSpPr>
+      <p:grpSpPr>
+        <a:xfrm>
+          <a:off x="0" y="0"/>
+          <a:ext cx="0" cy="0"/>
+          <a:chOff x="0" y="0"/>
+          <a:chExt cx="0" cy="0"/>
+        </a:xfrm>
+      </p:grpSpPr>
+      <p:sp>
+        <p:nvSpPr>
+          <p:cNvPr id="343" name="CustomShape 1"/>
+          <p:cNvSpPr/>
+          <p:nvPr/>
+        </p:nvSpPr>
+        <p:spPr>
+          <a:xfrm>
+            <a:off x="655920" y="259560"/>
+            <a:ext cx="7934400" cy="511920"/>
+          </a:xfrm>
+          <a:prstGeom prst="rect">
+            <a:avLst/>
+          </a:prstGeom>
+          <a:noFill/>
+          <a:ln>
+            <a:noFill/>
+          </a:ln>
+        </p:spPr>
+        <p:style>
+          <a:lnRef idx="0"/>
+          <a:fillRef idx="0"/>
+          <a:effectRef idx="0"/>
+          <a:fontRef idx="minor"/>
+        </p:style>
+        <p:txBody>
+          <a:bodyPr lIns="0" rIns="0" tIns="0" bIns="0"/>
+          <a:p>
+            <a:pPr>
+              <a:lnSpc>
+                <a:spcPct val="100000"/>
+              </a:lnSpc>
+            </a:pPr>
+            <a:r>
+              <a:rPr b="1" lang="de-DE" sz="2400" spc="-1" strike="noStrike">
+                <a:solidFill>
+                  <a:srgbClr val="00305e"/>
+                </a:solidFill>
+                <a:latin typeface="Open Sans"/>
+                <a:ea typeface="DejaVu Sans"/>
+              </a:rPr>
+              <a:t>Fortschritt und Probleme</a:t>
+            </a:r>
+            <a:endParaRPr b="0" lang="de-DE" sz="2400" spc="-1" strike="noStrike">
+              <a:latin typeface="Arial"/>
+            </a:endParaRPr>
+          </a:p>
+        </p:txBody>
+      </p:sp>
+      <p:sp>
+        <p:nvSpPr>
+          <p:cNvPr id="344" name="CustomShape 2"/>
+          <p:cNvSpPr/>
+          <p:nvPr/>
+        </p:nvSpPr>
+        <p:spPr>
+          <a:xfrm>
+            <a:off x="720000" y="771840"/>
+            <a:ext cx="7847640" cy="1732320"/>
+          </a:xfrm>
+          <a:prstGeom prst="rect">
+            <a:avLst/>
+          </a:prstGeom>
+          <a:noFill/>
+          <a:ln>
+            <a:noFill/>
+          </a:ln>
+        </p:spPr>
+        <p:style>
+          <a:lnRef idx="0"/>
+          <a:fillRef idx="0"/>
+          <a:effectRef idx="0"/>
+          <a:fontRef idx="minor"/>
+        </p:style>
+        <p:txBody>
+          <a:bodyPr lIns="90000" rIns="90000" tIns="45000" bIns="45000"/>
+          <a:p>
+            <a:pPr>
+              <a:lnSpc>
+                <a:spcPct val="100000"/>
+              </a:lnSpc>
+            </a:pPr>
+            <a:endParaRPr b="0" lang="de-DE" sz="1200" spc="-1" strike="noStrike">
+              <a:latin typeface="Arial"/>
+            </a:endParaRPr>
+          </a:p>
+          <a:p>
+            <a:pPr>
+              <a:lnSpc>
+                <a:spcPct val="100000"/>
+              </a:lnSpc>
+            </a:pPr>
+            <a:endParaRPr b="0" lang="de-DE" sz="1200" spc="-1" strike="noStrike">
+              <a:latin typeface="Arial"/>
+            </a:endParaRPr>
+          </a:p>
+          <a:p>
+            <a:pPr>
+              <a:lnSpc>
+                <a:spcPct val="100000"/>
+              </a:lnSpc>
+            </a:pPr>
+            <a:endParaRPr b="0" lang="de-DE" sz="1200" spc="-1" strike="noStrike">
+              <a:latin typeface="Arial"/>
+            </a:endParaRPr>
+          </a:p>
+          <a:p>
+            <a:pPr>
+              <a:lnSpc>
+                <a:spcPct val="100000"/>
+              </a:lnSpc>
+            </a:pPr>
+            <a:r>
+              <a:rPr b="0" lang="de-DE" sz="1200" spc="-1" strike="noStrike">
+                <a:latin typeface="Arial"/>
+              </a:rPr>
+              <a:t>- allgemein großer Aufgabenumfang → immer ein bisschen spät dran</a:t>
+            </a:r>
+            <a:endParaRPr b="0" lang="de-DE" sz="1200" spc="-1" strike="noStrike">
+              <a:latin typeface="Arial"/>
+            </a:endParaRPr>
+          </a:p>
+          <a:p>
+            <a:pPr>
+              <a:lnSpc>
+                <a:spcPct val="100000"/>
+              </a:lnSpc>
+            </a:pPr>
+            <a:r>
+              <a:rPr b="0" lang="de-DE" sz="1200" spc="-1" strike="noStrike">
+                <a:latin typeface="Arial"/>
+              </a:rPr>
+              <a:t>- Probleme mit Fehlermeldungen → viele mögliche Quellen, Thymeleaf und Hibernate, Datenbankenabhängigkeiten</a:t>
+            </a:r>
+            <a:endParaRPr b="0" lang="de-DE" sz="1200" spc="-1" strike="noStrike">
+              <a:latin typeface="Arial"/>
+            </a:endParaRPr>
+          </a:p>
+          <a:p>
+            <a:pPr>
+              <a:lnSpc>
+                <a:spcPct val="100000"/>
+              </a:lnSpc>
+            </a:pPr>
+            <a:r>
+              <a:rPr b="0" lang="de-DE" sz="1200" spc="-1" strike="noStrike">
+                <a:latin typeface="Arial"/>
+              </a:rPr>
+              <a:t>- Überblick zu behalten (z.B. sehr verschachtelte Zusammenhänge)</a:t>
+            </a:r>
+            <a:endParaRPr b="0" lang="de-DE" sz="1200" spc="-1" strike="noStrike">
+              <a:latin typeface="Arial"/>
+            </a:endParaRPr>
+          </a:p>
+          <a:p>
+            <a:pPr>
+              <a:lnSpc>
+                <a:spcPct val="100000"/>
+              </a:lnSpc>
+            </a:pPr>
+            <a:r>
+              <a:rPr b="0" lang="de-DE" sz="1200" spc="-1" strike="noStrike">
+                <a:latin typeface="Arial"/>
+              </a:rPr>
+              <a:t>- Einarbeitung in viele Frameworks</a:t>
+            </a:r>
+            <a:endParaRPr b="0" lang="de-DE" sz="1200" spc="-1" strike="noStrike">
+              <a:latin typeface="Arial"/>
+            </a:endParaRPr>
+          </a:p>
+          <a:p>
+            <a:pPr>
+              <a:lnSpc>
+                <a:spcPct val="100000"/>
+              </a:lnSpc>
+            </a:pPr>
+            <a:endParaRPr b="0" lang="de-DE" sz="1200" spc="-1" strike="noStrike">
+              <a:latin typeface="Arial"/>
+            </a:endParaRPr>
+          </a:p>
+        </p:txBody>
+      </p:sp>
+    </p:spTree>
+  </p:cSld>
+  <mc:AlternateContent>
+    <mc:Choice Requires="p14">
+      <p:transition spd="slow" p14:dur="2000"/>
+    </mc:Choice>
+    <mc:Fallback>
+      <p:transition spd="slow"/>
+    </mc:Fallback>
+  </mc:AlternateContent>
+  <p:timing>
+    <p:tnLst>
+      <p:par>
+        <p:cTn id="25" dur="indefinite" restart="never" nodeType="tmRoot">
+          <p:childTnLst>
+            <p:seq>
+              <p:cTn id="26" dur="indefinite" nodeType="mainSeq"/>
+              <p:prevCondLst>
+                <p:cond delay="0" evt="onPrev">
+                  <p:tgtEl>
+                    <p:sldTgt/>
+                  </p:tgtEl>
+                </p:cond>
+              </p:prevCondLst>
+              <p:nextCondLst>
+                <p:cond delay="0" evt="onNext">
+                  <p:tgtEl>
+                    <p:sldTgt/>
+                  </p:tgtEl>
+                </p:cond>
+              </p:nextCondLst>
+            </p:seq>
+          </p:childTnLst>
+        </p:cTn>
+      </p:par>
+    </p:tnLst>
+  </p:timing>
+</p:sld>
+</file>
+
+<file path=ppt/slides/slide14.xml><?xml version="1.0" encoding="utf-8"?>
+<p:sld xmlns:a="http://schemas.openxmlformats.org/drawingml/2006/main" xmlns:p="http://schemas.openxmlformats.org/presentationml/2006/main" xmlns:r="http://schemas.openxmlformats.org/officeDocument/2006/relationships" xmlns:p14="http://schemas.microsoft.com/office/powerpoint/2010/main" xmlns:p15="http://schemas.microsoft.com/office/powerpoint/2012/main" xmlns:mc="http://schemas.openxmlformats.org/markup-compatibility/2006">
+  <p:cSld>
+    <p:spTree>
+      <p:nvGrpSpPr>
+        <p:cNvPr id="1" name=""/>
+        <p:cNvGrpSpPr/>
+        <p:nvPr/>
+      </p:nvGrpSpPr>
+      <p:grpSpPr>
+        <a:xfrm>
+          <a:off x="0" y="0"/>
+          <a:ext cx="0" cy="0"/>
+          <a:chOff x="0" y="0"/>
+          <a:chExt cx="0" cy="0"/>
+        </a:xfrm>
+      </p:grpSpPr>
+      <p:sp>
+        <p:nvSpPr>
+          <p:cNvPr id="345" name="CustomShape 1"/>
+          <p:cNvSpPr/>
+          <p:nvPr/>
+        </p:nvSpPr>
+        <p:spPr>
+          <a:xfrm>
+            <a:off x="655920" y="259560"/>
+            <a:ext cx="7934400" cy="511920"/>
+          </a:xfrm>
+          <a:prstGeom prst="rect">
+            <a:avLst/>
+          </a:prstGeom>
+          <a:noFill/>
+          <a:ln>
+            <a:noFill/>
+          </a:ln>
+        </p:spPr>
+        <p:style>
+          <a:lnRef idx="0"/>
+          <a:fillRef idx="0"/>
+          <a:effectRef idx="0"/>
+          <a:fontRef idx="minor"/>
+        </p:style>
+        <p:txBody>
+          <a:bodyPr lIns="0" rIns="0" tIns="0" bIns="0"/>
+          <a:p>
+            <a:pPr>
+              <a:lnSpc>
+                <a:spcPct val="100000"/>
+              </a:lnSpc>
+            </a:pPr>
+            <a:r>
+              <a:rPr b="1" lang="de-DE" sz="2400" spc="-1" strike="noStrike">
+                <a:solidFill>
+                  <a:srgbClr val="00305e"/>
+                </a:solidFill>
+                <a:latin typeface="Open Sans"/>
+                <a:ea typeface="DejaVu Sans"/>
+              </a:rPr>
+              <a:t>Lösungen</a:t>
+            </a:r>
+            <a:endParaRPr b="0" lang="de-DE" sz="2400" spc="-1" strike="noStrike">
+              <a:latin typeface="Arial"/>
+            </a:endParaRPr>
+          </a:p>
+        </p:txBody>
+      </p:sp>
+      <p:sp>
+        <p:nvSpPr>
+          <p:cNvPr id="346" name="CustomShape 2"/>
+          <p:cNvSpPr/>
+          <p:nvPr/>
+        </p:nvSpPr>
+        <p:spPr>
+          <a:xfrm>
+            <a:off x="720000" y="771840"/>
+            <a:ext cx="7847640" cy="1002240"/>
+          </a:xfrm>
+          <a:prstGeom prst="rect">
+            <a:avLst/>
+          </a:prstGeom>
+          <a:noFill/>
+          <a:ln>
+            <a:noFill/>
+          </a:ln>
+        </p:spPr>
+        <p:style>
+          <a:lnRef idx="0"/>
+          <a:fillRef idx="0"/>
+          <a:effectRef idx="0"/>
+          <a:fontRef idx="minor"/>
+        </p:style>
+        <p:txBody>
+          <a:bodyPr lIns="90000" rIns="90000" tIns="45000" bIns="45000"/>
+          <a:p>
+            <a:pPr>
+              <a:lnSpc>
+                <a:spcPct val="100000"/>
+              </a:lnSpc>
+            </a:pPr>
+            <a:endParaRPr b="0" lang="de-DE" sz="1200" spc="-1" strike="noStrike">
+              <a:latin typeface="Arial"/>
+            </a:endParaRPr>
+          </a:p>
+          <a:p>
+            <a:pPr>
+              <a:lnSpc>
+                <a:spcPct val="100000"/>
+              </a:lnSpc>
+            </a:pPr>
+            <a:r>
+              <a:rPr b="0" lang="de-DE" sz="1200" spc="-1" strike="noStrike">
+                <a:latin typeface="Arial"/>
+              </a:rPr>
+              <a:t>- zum Glück: gutes Teamwork, einander geholfen und Aufgaben abgenommen</a:t>
+            </a:r>
+            <a:endParaRPr b="0" lang="de-DE" sz="1200" spc="-1" strike="noStrike">
+              <a:latin typeface="Arial"/>
+            </a:endParaRPr>
+          </a:p>
+          <a:p>
+            <a:pPr>
+              <a:lnSpc>
+                <a:spcPct val="100000"/>
+              </a:lnSpc>
+            </a:pPr>
+            <a:r>
+              <a:rPr b="0" lang="de-DE" sz="1200" spc="-1" strike="noStrike">
+                <a:latin typeface="Arial"/>
+              </a:rPr>
+              <a:t>- Jenkins und Sonarqube → Analyse und Testdurchführung leichter</a:t>
+            </a:r>
+            <a:endParaRPr b="0" lang="de-DE" sz="1200" spc="-1" strike="noStrike">
+              <a:latin typeface="Arial"/>
+            </a:endParaRPr>
+          </a:p>
+          <a:p>
+            <a:pPr>
+              <a:lnSpc>
+                <a:spcPct val="100000"/>
+              </a:lnSpc>
+            </a:pPr>
+            <a:r>
+              <a:rPr b="0" lang="de-DE" sz="1200" spc="-1" strike="noStrike">
+                <a:latin typeface="Arial"/>
+              </a:rPr>
+              <a:t>- </a:t>
+            </a:r>
+            <a:endParaRPr b="0" lang="de-DE" sz="1200" spc="-1" strike="noStrike">
+              <a:latin typeface="Arial"/>
+            </a:endParaRPr>
+          </a:p>
+          <a:p>
+            <a:pPr>
+              <a:lnSpc>
+                <a:spcPct val="100000"/>
+              </a:lnSpc>
+            </a:pPr>
+            <a:endParaRPr b="0" lang="de-DE" sz="1200" spc="-1" strike="noStrike">
+              <a:latin typeface="Arial"/>
+            </a:endParaRPr>
+          </a:p>
+        </p:txBody>
+      </p:sp>
+    </p:spTree>
+  </p:cSld>
+  <mc:AlternateContent>
+    <mc:Choice Requires="p14">
+      <p:transition spd="slow" p14:dur="2000"/>
+    </mc:Choice>
+    <mc:Fallback>
+      <p:transition spd="slow"/>
+    </mc:Fallback>
+  </mc:AlternateContent>
+  <p:timing>
+    <p:tnLst>
+      <p:par>
+        <p:cTn id="27" dur="indefinite" restart="never" nodeType="tmRoot">
+          <p:childTnLst>
+            <p:seq>
+              <p:cTn id="28" dur="indefinite" nodeType="mainSeq"/>
+              <p:prevCondLst>
+                <p:cond delay="0" evt="onPrev">
+                  <p:tgtEl>
+                    <p:sldTgt/>
+                  </p:tgtEl>
+                </p:cond>
+              </p:prevCondLst>
+              <p:nextCondLst>
+                <p:cond delay="0" evt="onNext">
+                  <p:tgtEl>
+                    <p:sldTgt/>
+                  </p:tgtEl>
+                </p:cond>
+              </p:nextCondLst>
+            </p:seq>
+          </p:childTnLst>
+        </p:cTn>
+      </p:par>
+    </p:tnLst>
+  </p:timing>
+</p:sld>
+</file>
+
+<file path=ppt/slides/slide15.xml><?xml version="1.0" encoding="utf-8"?>
+<p:sld xmlns:a="http://schemas.openxmlformats.org/drawingml/2006/main" xmlns:p="http://schemas.openxmlformats.org/presentationml/2006/main" xmlns:r="http://schemas.openxmlformats.org/officeDocument/2006/relationships" xmlns:p14="http://schemas.microsoft.com/office/powerpoint/2010/main" xmlns:p15="http://schemas.microsoft.com/office/powerpoint/2012/main" xmlns:mc="http://schemas.openxmlformats.org/markup-compatibility/2006">
+  <p:cSld>
+    <p:spTree>
+      <p:nvGrpSpPr>
+        <p:cNvPr id="1" name=""/>
+        <p:cNvGrpSpPr/>
+        <p:nvPr/>
+      </p:nvGrpSpPr>
+      <p:grpSpPr>
+        <a:xfrm>
+          <a:off x="0" y="0"/>
+          <a:ext cx="0" cy="0"/>
+          <a:chOff x="0" y="0"/>
+          <a:chExt cx="0" cy="0"/>
+        </a:xfrm>
+      </p:grpSpPr>
+      <p:sp>
+        <p:nvSpPr>
+          <p:cNvPr id="347" name="CustomShape 1"/>
+          <p:cNvSpPr/>
+          <p:nvPr/>
+        </p:nvSpPr>
+        <p:spPr>
+          <a:xfrm>
+            <a:off x="655920" y="2540520"/>
+            <a:ext cx="7934400" cy="897840"/>
+          </a:xfrm>
+          <a:prstGeom prst="rect">
+            <a:avLst/>
+          </a:prstGeom>
+          <a:noFill/>
+          <a:ln>
+            <a:noFill/>
+          </a:ln>
+        </p:spPr>
+        <p:style>
+          <a:lnRef idx="0"/>
+          <a:fillRef idx="0"/>
+          <a:effectRef idx="0"/>
+          <a:fontRef idx="minor"/>
+        </p:style>
+        <p:txBody>
+          <a:bodyPr lIns="0" rIns="0" tIns="0" bIns="0"/>
           <a:p>
             <a:pPr>
               <a:lnSpc>
@@ -12001,6 +15076,7 @@
                   <a:srgbClr val="ffffff"/>
                 </a:solidFill>
                 <a:latin typeface="Open Sans"/>
+                <a:ea typeface="DejaVu Sans"/>
               </a:rPr>
               <a:t>Demonstration</a:t>
             </a:r>
@@ -12020,6 +15096,33 @@
       <p:transition spd="slow"/>
     </mc:Fallback>
   </mc:AlternateContent>
+  <p:timing>
+    <p:tnLst>
+      <p:par>
+        <p:cTn id="29" dur="indefinite" restart="never" nodeType="tmRoot">
+          <p:childTnLst>
+            <p:seq>
+              <p:cTn id="30" dur="indefinite" nodeType="mainSeq"/>
+              <p:prevCondLst>
+                <p:cond delay="0" evt="onPrev">
+                  <p:tgtEl>
+                    <p:sldTgt/>
+                  </p:tgtEl>
+                </p:cond>
+              </p:prevCondLst>
+              <p:nextCondLst>
+                <p:cond delay="0" evt="onNext">
+                  <p:tgtEl>
+                    <p:sldTgt/>
+                  </p:tgtEl>
+                </p:cond>
+              </p:nextCondLst>
+            </p:seq>
+          </p:childTnLst>
+        </p:cTn>
+      </p:par>
+    </p:tnLst>
+  </p:timing>
 </p:sld>
 </file>
 
@@ -12042,14 +15145,14 @@
       </p:grpSpPr>
       <p:sp>
         <p:nvSpPr>
-          <p:cNvPr id="267" name="CustomShape 1"/>
+          <p:cNvPr id="316" name="CustomShape 1"/>
           <p:cNvSpPr/>
           <p:nvPr/>
         </p:nvSpPr>
         <p:spPr>
           <a:xfrm>
             <a:off x="655920" y="259560"/>
-            <a:ext cx="7934760" cy="512280"/>
+            <a:ext cx="7934400" cy="511920"/>
           </a:xfrm>
           <a:prstGeom prst="rect">
             <a:avLst/>
@@ -12066,9 +15169,7 @@
           <a:fontRef idx="minor"/>
         </p:style>
         <p:txBody>
-          <a:bodyPr lIns="0" rIns="0" tIns="0" bIns="0">
-            <a:noAutofit/>
-          </a:bodyPr>
+          <a:bodyPr lIns="0" rIns="0" tIns="0" bIns="0"/>
           <a:p>
             <a:pPr>
               <a:lnSpc>
@@ -12081,6 +15182,7 @@
                   <a:srgbClr val="00305e"/>
                 </a:solidFill>
                 <a:latin typeface="Open Sans"/>
+                <a:ea typeface="DejaVu Sans"/>
               </a:rPr>
               <a:t>Inhalt</a:t>
             </a:r>
@@ -12092,14 +15194,14 @@
       </p:sp>
       <p:sp>
         <p:nvSpPr>
-          <p:cNvPr id="268" name="CustomShape 2"/>
+          <p:cNvPr id="317" name="CustomShape 2"/>
           <p:cNvSpPr/>
           <p:nvPr/>
         </p:nvSpPr>
         <p:spPr>
           <a:xfrm>
             <a:off x="655920" y="1113120"/>
-            <a:ext cx="7934760" cy="3258000"/>
+            <a:ext cx="7934400" cy="3257640"/>
           </a:xfrm>
           <a:prstGeom prst="rect">
             <a:avLst/>
@@ -12116,9 +15218,7 @@
           <a:fontRef idx="minor"/>
         </p:style>
         <p:txBody>
-          <a:bodyPr lIns="0" rIns="0" tIns="0" bIns="0">
-            <a:noAutofit/>
-          </a:bodyPr>
+          <a:bodyPr lIns="0" rIns="0" tIns="0" bIns="0"/>
           <a:p>
             <a:pPr>
               <a:lnSpc>
@@ -12134,6 +15234,7 @@
                   <a:srgbClr val="00305e"/>
                 </a:solidFill>
                 <a:latin typeface="Open Sans"/>
+                <a:ea typeface="DejaVu Sans"/>
               </a:rPr>
               <a:t>Überblick Programmaufbau</a:t>
             </a:r>
@@ -12156,6 +15257,7 @@
                   <a:srgbClr val="00305e"/>
                 </a:solidFill>
                 <a:latin typeface="Open Sans"/>
+                <a:ea typeface="DejaVu Sans"/>
               </a:rPr>
               <a:t>Aufgabenverteilung und Teamwork</a:t>
             </a:r>
@@ -12178,6 +15280,7 @@
                   <a:srgbClr val="00305e"/>
                 </a:solidFill>
                 <a:latin typeface="Open Sans"/>
+                <a:ea typeface="DejaVu Sans"/>
               </a:rPr>
               <a:t>Unser Vorgehen</a:t>
             </a:r>
@@ -12200,8 +15303,9 @@
                   <a:srgbClr val="00305e"/>
                 </a:solidFill>
                 <a:latin typeface="Open Sans"/>
+                <a:ea typeface="DejaVu Sans"/>
               </a:rPr>
-              <a:t>Fortschritt und Probleme</a:t>
+              <a:t>Fortschritt, Herausforderungen und Probleme</a:t>
             </a:r>
             <a:endParaRPr b="0" lang="de-DE" sz="1600" spc="-1" strike="noStrike">
               <a:latin typeface="Arial"/>
@@ -12222,6 +15326,7 @@
                   <a:srgbClr val="00305e"/>
                 </a:solidFill>
                 <a:latin typeface="Open Sans"/>
+                <a:ea typeface="DejaVu Sans"/>
               </a:rPr>
               <a:t>Demonstration</a:t>
             </a:r>
@@ -12241,6 +15346,33 @@
       <p:transition spd="slow"/>
     </mc:Fallback>
   </mc:AlternateContent>
+  <p:timing>
+    <p:tnLst>
+      <p:par>
+        <p:cTn id="3" dur="indefinite" restart="never" nodeType="tmRoot">
+          <p:childTnLst>
+            <p:seq>
+              <p:cTn id="4" dur="indefinite" nodeType="mainSeq"/>
+              <p:prevCondLst>
+                <p:cond delay="0" evt="onPrev">
+                  <p:tgtEl>
+                    <p:sldTgt/>
+                  </p:tgtEl>
+                </p:cond>
+              </p:prevCondLst>
+              <p:nextCondLst>
+                <p:cond delay="0" evt="onNext">
+                  <p:tgtEl>
+                    <p:sldTgt/>
+                  </p:tgtEl>
+                </p:cond>
+              </p:nextCondLst>
+            </p:seq>
+          </p:childTnLst>
+        </p:cTn>
+      </p:par>
+    </p:tnLst>
+  </p:timing>
 </p:sld>
 </file>
 
@@ -12263,14 +15395,14 @@
       </p:grpSpPr>
       <p:sp>
         <p:nvSpPr>
-          <p:cNvPr id="269" name="CustomShape 1"/>
+          <p:cNvPr id="318" name="CustomShape 1"/>
           <p:cNvSpPr/>
           <p:nvPr/>
         </p:nvSpPr>
         <p:spPr>
           <a:xfrm>
             <a:off x="655920" y="2540520"/>
-            <a:ext cx="7934760" cy="898200"/>
+            <a:ext cx="7934400" cy="897840"/>
           </a:xfrm>
           <a:prstGeom prst="rect">
             <a:avLst/>
@@ -12287,9 +15419,7 @@
           <a:fontRef idx="minor"/>
         </p:style>
         <p:txBody>
-          <a:bodyPr lIns="0" rIns="0" tIns="0" bIns="0">
-            <a:noAutofit/>
-          </a:bodyPr>
+          <a:bodyPr lIns="0" rIns="0" tIns="0" bIns="0"/>
           <a:p>
             <a:pPr>
               <a:lnSpc>
@@ -12302,6 +15432,7 @@
                   <a:srgbClr val="ffffff"/>
                 </a:solidFill>
                 <a:latin typeface="Open Sans"/>
+                <a:ea typeface="DejaVu Sans"/>
               </a:rPr>
               <a:t>Überblick Programmaufbau</a:t>
             </a:r>
@@ -12321,6 +15452,33 @@
       <p:transition spd="slow"/>
     </mc:Fallback>
   </mc:AlternateContent>
+  <p:timing>
+    <p:tnLst>
+      <p:par>
+        <p:cTn id="5" dur="indefinite" restart="never" nodeType="tmRoot">
+          <p:childTnLst>
+            <p:seq>
+              <p:cTn id="6" dur="indefinite" nodeType="mainSeq"/>
+              <p:prevCondLst>
+                <p:cond delay="0" evt="onPrev">
+                  <p:tgtEl>
+                    <p:sldTgt/>
+                  </p:tgtEl>
+                </p:cond>
+              </p:prevCondLst>
+              <p:nextCondLst>
+                <p:cond delay="0" evt="onNext">
+                  <p:tgtEl>
+                    <p:sldTgt/>
+                  </p:tgtEl>
+                </p:cond>
+              </p:nextCondLst>
+            </p:seq>
+          </p:childTnLst>
+        </p:cTn>
+      </p:par>
+    </p:tnLst>
+  </p:timing>
 </p:sld>
 </file>
 
@@ -12343,14 +15501,14 @@
       </p:grpSpPr>
       <p:sp>
         <p:nvSpPr>
-          <p:cNvPr id="270" name="CustomShape 1"/>
+          <p:cNvPr id="319" name="CustomShape 1"/>
           <p:cNvSpPr/>
           <p:nvPr/>
         </p:nvSpPr>
         <p:spPr>
           <a:xfrm>
             <a:off x="655920" y="259560"/>
-            <a:ext cx="7934760" cy="512280"/>
+            <a:ext cx="7934400" cy="511920"/>
           </a:xfrm>
           <a:prstGeom prst="rect">
             <a:avLst/>
@@ -12367,9 +15525,7 @@
           <a:fontRef idx="minor"/>
         </p:style>
         <p:txBody>
-          <a:bodyPr lIns="0" rIns="0" tIns="0" bIns="0">
-            <a:noAutofit/>
-          </a:bodyPr>
+          <a:bodyPr lIns="0" rIns="0" tIns="0" bIns="0"/>
           <a:p>
             <a:pPr>
               <a:lnSpc>
@@ -12382,6 +15538,7 @@
                   <a:srgbClr val="00305e"/>
                 </a:solidFill>
                 <a:latin typeface="Open Sans"/>
+                <a:ea typeface="DejaVu Sans"/>
               </a:rPr>
               <a:t>GUI</a:t>
             </a:r>
@@ -12393,7 +15550,7 @@
       </p:sp>
       <p:pic>
         <p:nvPicPr>
-          <p:cNvPr id="271" name="Inhaltsplatzhalter 4" descr=""/>
+          <p:cNvPr id="320" name="Inhaltsplatzhalter 4" descr=""/>
           <p:cNvPicPr/>
           <p:nvPr/>
         </p:nvPicPr>
@@ -12404,7 +15561,7 @@
         <p:spPr>
           <a:xfrm>
             <a:off x="655920" y="627480"/>
-            <a:ext cx="7011720" cy="3851280"/>
+            <a:ext cx="7011360" cy="3850920"/>
           </a:xfrm>
           <a:prstGeom prst="rect">
             <a:avLst/>
@@ -12424,6 +15581,33 @@
       <p:transition spd="slow"/>
     </mc:Fallback>
   </mc:AlternateContent>
+  <p:timing>
+    <p:tnLst>
+      <p:par>
+        <p:cTn id="7" dur="indefinite" restart="never" nodeType="tmRoot">
+          <p:childTnLst>
+            <p:seq>
+              <p:cTn id="8" dur="indefinite" nodeType="mainSeq"/>
+              <p:prevCondLst>
+                <p:cond delay="0" evt="onPrev">
+                  <p:tgtEl>
+                    <p:sldTgt/>
+                  </p:tgtEl>
+                </p:cond>
+              </p:prevCondLst>
+              <p:nextCondLst>
+                <p:cond delay="0" evt="onNext">
+                  <p:tgtEl>
+                    <p:sldTgt/>
+                  </p:tgtEl>
+                </p:cond>
+              </p:nextCondLst>
+            </p:seq>
+          </p:childTnLst>
+        </p:cTn>
+      </p:par>
+    </p:tnLst>
+  </p:timing>
 </p:sld>
 </file>
 
@@ -12446,14 +15630,14 @@
       </p:grpSpPr>
       <p:sp>
         <p:nvSpPr>
-          <p:cNvPr id="272" name="CustomShape 1"/>
+          <p:cNvPr id="321" name="CustomShape 1"/>
           <p:cNvSpPr/>
           <p:nvPr/>
         </p:nvSpPr>
         <p:spPr>
           <a:xfrm>
             <a:off x="655920" y="259560"/>
-            <a:ext cx="7934760" cy="512280"/>
+            <a:ext cx="7934400" cy="511920"/>
           </a:xfrm>
           <a:prstGeom prst="rect">
             <a:avLst/>
@@ -12470,9 +15654,7 @@
           <a:fontRef idx="minor"/>
         </p:style>
         <p:txBody>
-          <a:bodyPr lIns="0" rIns="0" tIns="0" bIns="0">
-            <a:noAutofit/>
-          </a:bodyPr>
+          <a:bodyPr lIns="0" rIns="0" tIns="0" bIns="0"/>
           <a:p>
             <a:pPr>
               <a:lnSpc>
@@ -12485,6 +15667,7 @@
                   <a:srgbClr val="00305e"/>
                 </a:solidFill>
                 <a:latin typeface="Open Sans"/>
+                <a:ea typeface="DejaVu Sans"/>
               </a:rPr>
               <a:t>Packages</a:t>
             </a:r>
@@ -12496,7 +15679,7 @@
       </p:sp>
       <p:pic>
         <p:nvPicPr>
-          <p:cNvPr id="273" name="" descr=""/>
+          <p:cNvPr id="322" name="" descr=""/>
           <p:cNvPicPr/>
           <p:nvPr/>
         </p:nvPicPr>
@@ -12507,7 +15690,7 @@
         <p:spPr>
           <a:xfrm>
             <a:off x="216000" y="648000"/>
-            <a:ext cx="7487640" cy="3909600"/>
+            <a:ext cx="7487280" cy="3909240"/>
           </a:xfrm>
           <a:prstGeom prst="rect">
             <a:avLst/>
@@ -12527,6 +15710,33 @@
       <p:transition spd="slow"/>
     </mc:Fallback>
   </mc:AlternateContent>
+  <p:timing>
+    <p:tnLst>
+      <p:par>
+        <p:cTn id="9" dur="indefinite" restart="never" nodeType="tmRoot">
+          <p:childTnLst>
+            <p:seq>
+              <p:cTn id="10" dur="indefinite" nodeType="mainSeq"/>
+              <p:prevCondLst>
+                <p:cond delay="0" evt="onPrev">
+                  <p:tgtEl>
+                    <p:sldTgt/>
+                  </p:tgtEl>
+                </p:cond>
+              </p:prevCondLst>
+              <p:nextCondLst>
+                <p:cond delay="0" evt="onNext">
+                  <p:tgtEl>
+                    <p:sldTgt/>
+                  </p:tgtEl>
+                </p:cond>
+              </p:nextCondLst>
+            </p:seq>
+          </p:childTnLst>
+        </p:cTn>
+      </p:par>
+    </p:tnLst>
+  </p:timing>
 </p:sld>
 </file>
 
@@ -12549,14 +15759,14 @@
       </p:grpSpPr>
       <p:sp>
         <p:nvSpPr>
-          <p:cNvPr id="274" name="CustomShape 1"/>
+          <p:cNvPr id="323" name="CustomShape 1"/>
           <p:cNvSpPr/>
           <p:nvPr/>
         </p:nvSpPr>
         <p:spPr>
           <a:xfrm>
             <a:off x="655920" y="2540520"/>
-            <a:ext cx="7934760" cy="898200"/>
+            <a:ext cx="7934400" cy="897840"/>
           </a:xfrm>
           <a:prstGeom prst="rect">
             <a:avLst/>
@@ -12573,9 +15783,7 @@
           <a:fontRef idx="minor"/>
         </p:style>
         <p:txBody>
-          <a:bodyPr lIns="0" rIns="0" tIns="0" bIns="0">
-            <a:noAutofit/>
-          </a:bodyPr>
+          <a:bodyPr lIns="0" rIns="0" tIns="0" bIns="0"/>
           <a:p>
             <a:pPr>
               <a:lnSpc>
@@ -12588,6 +15796,7 @@
                   <a:srgbClr val="ffffff"/>
                 </a:solidFill>
                 <a:latin typeface="Open Sans"/>
+                <a:ea typeface="DejaVu Sans"/>
               </a:rPr>
               <a:t>Aufgabenverteilung und Teamwork</a:t>
             </a:r>
@@ -12607,6 +15816,33 @@
       <p:transition spd="slow"/>
     </mc:Fallback>
   </mc:AlternateContent>
+  <p:timing>
+    <p:tnLst>
+      <p:par>
+        <p:cTn id="11" dur="indefinite" restart="never" nodeType="tmRoot">
+          <p:childTnLst>
+            <p:seq>
+              <p:cTn id="12" dur="indefinite" nodeType="mainSeq"/>
+              <p:prevCondLst>
+                <p:cond delay="0" evt="onPrev">
+                  <p:tgtEl>
+                    <p:sldTgt/>
+                  </p:tgtEl>
+                </p:cond>
+              </p:prevCondLst>
+              <p:nextCondLst>
+                <p:cond delay="0" evt="onNext">
+                  <p:tgtEl>
+                    <p:sldTgt/>
+                  </p:tgtEl>
+                </p:cond>
+              </p:nextCondLst>
+            </p:seq>
+          </p:childTnLst>
+        </p:cTn>
+      </p:par>
+    </p:tnLst>
+  </p:timing>
 </p:sld>
 </file>
 
@@ -12629,14 +15865,14 @@
       </p:grpSpPr>
       <p:sp>
         <p:nvSpPr>
-          <p:cNvPr id="275" name="CustomShape 1"/>
+          <p:cNvPr id="324" name="CustomShape 1"/>
           <p:cNvSpPr/>
           <p:nvPr/>
         </p:nvSpPr>
         <p:spPr>
           <a:xfrm>
             <a:off x="655920" y="259560"/>
-            <a:ext cx="7934760" cy="512280"/>
+            <a:ext cx="7934400" cy="511920"/>
           </a:xfrm>
           <a:prstGeom prst="rect">
             <a:avLst/>
@@ -12653,9 +15889,7 @@
           <a:fontRef idx="minor"/>
         </p:style>
         <p:txBody>
-          <a:bodyPr lIns="0" rIns="0" tIns="0" bIns="0">
-            <a:noAutofit/>
-          </a:bodyPr>
+          <a:bodyPr lIns="0" rIns="0" tIns="0" bIns="0"/>
           <a:p>
             <a:pPr>
               <a:lnSpc>
@@ -12668,6 +15902,7 @@
                   <a:srgbClr val="00305e"/>
                 </a:solidFill>
                 <a:latin typeface="Open Sans"/>
+                <a:ea typeface="DejaVu Sans"/>
               </a:rPr>
               <a:t>Aufgabenverteilung und Teamwork</a:t>
             </a:r>
@@ -12679,13 +15914,13 @@
       </p:sp>
       <p:graphicFrame>
         <p:nvGraphicFramePr>
-          <p:cNvPr id="276" name="Table 2"/>
+          <p:cNvPr id="325" name="Table 2"/>
           <p:cNvGraphicFramePr/>
           <p:nvPr/>
         </p:nvGraphicFramePr>
         <p:xfrm>
           <a:off x="624960" y="720000"/>
-          <a:ext cx="8230680" cy="3668400"/>
+          <a:ext cx="8230680" cy="3668040"/>
         </p:xfrm>
         <a:graphic>
           <a:graphicData uri="http://schemas.openxmlformats.org/drawingml/2006/table">
@@ -12698,10 +15933,13 @@
               <a:tr h="504720">
                 <a:tc>
                   <a:txBody>
-                    <a:bodyPr lIns="90000" rIns="90000" tIns="46800" bIns="46800">
-                      <a:noAutofit/>
-                    </a:bodyPr>
+                    <a:bodyPr lIns="90000" rIns="90000"/>
                     <a:p>
+                      <a:pPr>
+                        <a:lnSpc>
+                          <a:spcPct val="100000"/>
+                        </a:lnSpc>
+                      </a:pPr>
                       <a:r>
                         <a:rPr b="0" lang="de-DE" sz="1800" spc="-1" strike="noStrike">
                           <a:latin typeface="Arial"/>
@@ -12741,10 +15979,13 @@
                 </a:tc>
                 <a:tc>
                   <a:txBody>
-                    <a:bodyPr lIns="90000" rIns="90000" tIns="46800" bIns="46800">
-                      <a:noAutofit/>
-                    </a:bodyPr>
+                    <a:bodyPr lIns="90000" rIns="90000"/>
                     <a:p>
+                      <a:pPr>
+                        <a:lnSpc>
+                          <a:spcPct val="100000"/>
+                        </a:lnSpc>
+                      </a:pPr>
                       <a:r>
                         <a:rPr b="0" lang="de-DE" sz="1800" spc="-1" strike="noStrike">
                           <a:latin typeface="Arial"/>
@@ -12786,10 +16027,13 @@
               <a:tr h="632880">
                 <a:tc>
                   <a:txBody>
-                    <a:bodyPr lIns="90000" rIns="90000" tIns="46800" bIns="46800">
-                      <a:noAutofit/>
-                    </a:bodyPr>
+                    <a:bodyPr lIns="90000" rIns="90000"/>
                     <a:p>
+                      <a:pPr>
+                        <a:lnSpc>
+                          <a:spcPct val="100000"/>
+                        </a:lnSpc>
+                      </a:pPr>
                       <a:r>
                         <a:rPr b="0" lang="de-DE" sz="1800" spc="-1" strike="noStrike">
                           <a:latin typeface="Arial"/>
@@ -12829,10 +16073,13 @@
                 </a:tc>
                 <a:tc>
                   <a:txBody>
-                    <a:bodyPr lIns="90000" rIns="90000" tIns="46800" bIns="46800">
-                      <a:noAutofit/>
-                    </a:bodyPr>
+                    <a:bodyPr lIns="90000" rIns="90000"/>
                     <a:p>
+                      <a:pPr>
+                        <a:lnSpc>
+                          <a:spcPct val="100000"/>
+                        </a:lnSpc>
+                      </a:pPr>
                       <a:r>
                         <a:rPr b="0" lang="de-DE" sz="1800" spc="-1" strike="noStrike">
                           <a:latin typeface="Arial"/>
@@ -12874,10 +16121,13 @@
               <a:tr h="632880">
                 <a:tc>
                   <a:txBody>
-                    <a:bodyPr lIns="90000" rIns="90000" tIns="46800" bIns="46800">
-                      <a:noAutofit/>
-                    </a:bodyPr>
+                    <a:bodyPr lIns="90000" rIns="90000"/>
                     <a:p>
+                      <a:pPr>
+                        <a:lnSpc>
+                          <a:spcPct val="100000"/>
+                        </a:lnSpc>
+                      </a:pPr>
                       <a:r>
                         <a:rPr b="0" lang="de-DE" sz="1800" spc="-1" strike="noStrike">
                           <a:latin typeface="Arial"/>
@@ -12917,10 +16167,13 @@
                 </a:tc>
                 <a:tc>
                   <a:txBody>
-                    <a:bodyPr lIns="90000" rIns="90000" tIns="46800" bIns="46800">
-                      <a:noAutofit/>
-                    </a:bodyPr>
+                    <a:bodyPr lIns="90000" rIns="90000"/>
                     <a:p>
+                      <a:pPr>
+                        <a:lnSpc>
+                          <a:spcPct val="100000"/>
+                        </a:lnSpc>
+                      </a:pPr>
                       <a:r>
                         <a:rPr b="0" lang="de-DE" sz="1800" spc="-1" strike="noStrike">
                           <a:latin typeface="Arial"/>
@@ -12932,6 +16185,11 @@
                       </a:endParaRPr>
                     </a:p>
                     <a:p>
+                      <a:pPr>
+                        <a:lnSpc>
+                          <a:spcPct val="100000"/>
+                        </a:lnSpc>
+                      </a:pPr>
                       <a:r>
                         <a:rPr b="0" lang="de-DE" sz="1800" spc="-1" strike="noStrike">
                           <a:latin typeface="Arial"/>
@@ -12973,10 +16231,13 @@
               <a:tr h="632880">
                 <a:tc>
                   <a:txBody>
-                    <a:bodyPr lIns="90000" rIns="90000" tIns="46800" bIns="46800">
-                      <a:noAutofit/>
-                    </a:bodyPr>
+                    <a:bodyPr lIns="90000" rIns="90000"/>
                     <a:p>
+                      <a:pPr>
+                        <a:lnSpc>
+                          <a:spcPct val="100000"/>
+                        </a:lnSpc>
+                      </a:pPr>
                       <a:r>
                         <a:rPr b="0" lang="de-DE" sz="1800" spc="-1" strike="noStrike">
                           <a:latin typeface="Arial"/>
@@ -13016,10 +16277,13 @@
                 </a:tc>
                 <a:tc>
                   <a:txBody>
-                    <a:bodyPr lIns="90000" rIns="90000" tIns="46800" bIns="46800">
-                      <a:noAutofit/>
-                    </a:bodyPr>
+                    <a:bodyPr lIns="90000" rIns="90000"/>
                     <a:p>
+                      <a:pPr>
+                        <a:lnSpc>
+                          <a:spcPct val="100000"/>
+                        </a:lnSpc>
+                      </a:pPr>
                       <a:r>
                         <a:rPr b="0" lang="de-DE" sz="1800" spc="-1" strike="noStrike">
                           <a:latin typeface="Arial"/>
@@ -13061,10 +16325,13 @@
               <a:tr h="632880">
                 <a:tc>
                   <a:txBody>
-                    <a:bodyPr lIns="90000" rIns="90000" tIns="46800" bIns="46800">
-                      <a:noAutofit/>
-                    </a:bodyPr>
+                    <a:bodyPr lIns="90000" rIns="90000"/>
                     <a:p>
+                      <a:pPr>
+                        <a:lnSpc>
+                          <a:spcPct val="100000"/>
+                        </a:lnSpc>
+                      </a:pPr>
                       <a:r>
                         <a:rPr b="0" lang="de-DE" sz="1800" spc="-1" strike="noStrike">
                           <a:latin typeface="Arial"/>
@@ -13104,10 +16371,13 @@
                 </a:tc>
                 <a:tc>
                   <a:txBody>
-                    <a:bodyPr lIns="90000" rIns="90000" tIns="46800" bIns="46800">
-                      <a:noAutofit/>
-                    </a:bodyPr>
+                    <a:bodyPr lIns="90000" rIns="90000"/>
                     <a:p>
+                      <a:pPr>
+                        <a:lnSpc>
+                          <a:spcPct val="100000"/>
+                        </a:lnSpc>
+                      </a:pPr>
                       <a:r>
                         <a:rPr b="0" lang="de-DE" sz="1800" spc="-1" strike="noStrike">
                           <a:latin typeface="Arial"/>
@@ -13119,6 +16389,11 @@
                       </a:endParaRPr>
                     </a:p>
                     <a:p>
+                      <a:pPr>
+                        <a:lnSpc>
+                          <a:spcPct val="100000"/>
+                        </a:lnSpc>
+                      </a:pPr>
                       <a:r>
                         <a:rPr b="0" lang="de-DE" sz="1800" spc="-1" strike="noStrike">
                           <a:latin typeface="Arial"/>
@@ -13160,10 +16435,13 @@
               <a:tr h="632160">
                 <a:tc>
                   <a:txBody>
-                    <a:bodyPr lIns="90000" rIns="90000" tIns="46800" bIns="46800">
-                      <a:noAutofit/>
-                    </a:bodyPr>
+                    <a:bodyPr lIns="90000" rIns="90000"/>
                     <a:p>
+                      <a:pPr>
+                        <a:lnSpc>
+                          <a:spcPct val="100000"/>
+                        </a:lnSpc>
+                      </a:pPr>
                       <a:r>
                         <a:rPr b="0" lang="de-DE" sz="1800" spc="-1" strike="noStrike">
                           <a:latin typeface="Arial"/>
@@ -13203,10 +16481,13 @@
                 </a:tc>
                 <a:tc>
                   <a:txBody>
-                    <a:bodyPr lIns="90000" rIns="90000" tIns="46800" bIns="46800">
-                      <a:noAutofit/>
-                    </a:bodyPr>
+                    <a:bodyPr lIns="90000" rIns="90000"/>
                     <a:p>
+                      <a:pPr>
+                        <a:lnSpc>
+                          <a:spcPct val="100000"/>
+                        </a:lnSpc>
+                      </a:pPr>
                       <a:r>
                         <a:rPr b="0" lang="de-DE" sz="1800" spc="-1" strike="noStrike">
                           <a:latin typeface="Arial"/>
@@ -13218,6 +16499,11 @@
                       </a:endParaRPr>
                     </a:p>
                     <a:p>
+                      <a:pPr>
+                        <a:lnSpc>
+                          <a:spcPct val="100000"/>
+                        </a:lnSpc>
+                      </a:pPr>
                       <a:r>
                         <a:rPr b="0" lang="de-DE" sz="1800" spc="-1" strike="noStrike">
                           <a:latin typeface="Arial"/>
@@ -13270,6 +16556,33 @@
       <p:transition spd="slow"/>
     </mc:Fallback>
   </mc:AlternateContent>
+  <p:timing>
+    <p:tnLst>
+      <p:par>
+        <p:cTn id="13" dur="indefinite" restart="never" nodeType="tmRoot">
+          <p:childTnLst>
+            <p:seq>
+              <p:cTn id="14" dur="indefinite" nodeType="mainSeq"/>
+              <p:prevCondLst>
+                <p:cond delay="0" evt="onPrev">
+                  <p:tgtEl>
+                    <p:sldTgt/>
+                  </p:tgtEl>
+                </p:cond>
+              </p:prevCondLst>
+              <p:nextCondLst>
+                <p:cond delay="0" evt="onNext">
+                  <p:tgtEl>
+                    <p:sldTgt/>
+                  </p:tgtEl>
+                </p:cond>
+              </p:nextCondLst>
+            </p:seq>
+          </p:childTnLst>
+        </p:cTn>
+      </p:par>
+    </p:tnLst>
+  </p:timing>
 </p:sld>
 </file>
 
@@ -13292,14 +16605,14 @@
       </p:grpSpPr>
       <p:sp>
         <p:nvSpPr>
-          <p:cNvPr id="277" name="CustomShape 1"/>
+          <p:cNvPr id="326" name="CustomShape 1"/>
           <p:cNvSpPr/>
           <p:nvPr/>
         </p:nvSpPr>
         <p:spPr>
           <a:xfrm>
             <a:off x="655920" y="2540520"/>
-            <a:ext cx="7934760" cy="898200"/>
+            <a:ext cx="7934400" cy="897840"/>
           </a:xfrm>
           <a:prstGeom prst="rect">
             <a:avLst/>
@@ -13316,9 +16629,7 @@
           <a:fontRef idx="minor"/>
         </p:style>
         <p:txBody>
-          <a:bodyPr lIns="0" rIns="0" tIns="0" bIns="0">
-            <a:noAutofit/>
-          </a:bodyPr>
+          <a:bodyPr lIns="0" rIns="0" tIns="0" bIns="0"/>
           <a:p>
             <a:pPr>
               <a:lnSpc>
@@ -13331,6 +16642,7 @@
                   <a:srgbClr val="ffffff"/>
                 </a:solidFill>
                 <a:latin typeface="Open Sans"/>
+                <a:ea typeface="DejaVu Sans"/>
               </a:rPr>
               <a:t>Unser Vorgehen</a:t>
             </a:r>
@@ -13350,6 +16662,33 @@
       <p:transition spd="slow"/>
     </mc:Fallback>
   </mc:AlternateContent>
+  <p:timing>
+    <p:tnLst>
+      <p:par>
+        <p:cTn id="15" dur="indefinite" restart="never" nodeType="tmRoot">
+          <p:childTnLst>
+            <p:seq>
+              <p:cTn id="16" dur="indefinite" nodeType="mainSeq"/>
+              <p:prevCondLst>
+                <p:cond delay="0" evt="onPrev">
+                  <p:tgtEl>
+                    <p:sldTgt/>
+                  </p:tgtEl>
+                </p:cond>
+              </p:prevCondLst>
+              <p:nextCondLst>
+                <p:cond delay="0" evt="onNext">
+                  <p:tgtEl>
+                    <p:sldTgt/>
+                  </p:tgtEl>
+                </p:cond>
+              </p:nextCondLst>
+            </p:seq>
+          </p:childTnLst>
+        </p:cTn>
+      </p:par>
+    </p:tnLst>
+  </p:timing>
 </p:sld>
 </file>
 
@@ -13372,14 +16711,14 @@
       </p:grpSpPr>
       <p:sp>
         <p:nvSpPr>
-          <p:cNvPr id="278" name="CustomShape 1"/>
+          <p:cNvPr id="327" name="CustomShape 1"/>
           <p:cNvSpPr/>
           <p:nvPr/>
         </p:nvSpPr>
         <p:spPr>
           <a:xfrm>
             <a:off x="655920" y="259560"/>
-            <a:ext cx="7934760" cy="512280"/>
+            <a:ext cx="7934400" cy="511920"/>
           </a:xfrm>
           <a:prstGeom prst="rect">
             <a:avLst/>
@@ -13396,9 +16735,7 @@
           <a:fontRef idx="minor"/>
         </p:style>
         <p:txBody>
-          <a:bodyPr lIns="0" rIns="0" tIns="0" bIns="0">
-            <a:noAutofit/>
-          </a:bodyPr>
+          <a:bodyPr lIns="0" rIns="0" tIns="0" bIns="0"/>
           <a:p>
             <a:pPr>
               <a:lnSpc>
@@ -13411,6 +16748,7 @@
                   <a:srgbClr val="00305e"/>
                 </a:solidFill>
                 <a:latin typeface="Open Sans"/>
+                <a:ea typeface="DejaVu Sans"/>
               </a:rPr>
               <a:t>Unser Vorgehen</a:t>
             </a:r>
@@ -13422,14 +16760,14 @@
       </p:sp>
       <p:sp>
         <p:nvSpPr>
-          <p:cNvPr id="279" name="CustomShape 2"/>
+          <p:cNvPr id="328" name="CustomShape 2"/>
           <p:cNvSpPr/>
           <p:nvPr/>
         </p:nvSpPr>
         <p:spPr>
           <a:xfrm>
             <a:off x="432000" y="936000"/>
-            <a:ext cx="1872000" cy="936000"/>
+            <a:ext cx="1871640" cy="935640"/>
           </a:xfrm>
           <a:prstGeom prst="rect">
             <a:avLst/>
@@ -13450,17 +16788,20 @@
           <a:fontRef idx="minor"/>
         </p:style>
         <p:txBody>
-          <a:bodyPr wrap="none" lIns="90000" rIns="90000" tIns="45000" bIns="45000" anchor="ctr">
-            <a:noAutofit/>
-          </a:bodyPr>
-          <a:p>
-            <a:pPr algn="ctr"/>
+          <a:bodyPr wrap="none" lIns="90000" rIns="90000" tIns="45000" bIns="45000" anchor="ctr"/>
+          <a:p>
+            <a:pPr algn="ctr">
+              <a:lnSpc>
+                <a:spcPct val="100000"/>
+              </a:lnSpc>
+            </a:pPr>
             <a:r>
               <a:rPr b="0" lang="de-DE" sz="1800" spc="-1" strike="noStrike">
                 <a:solidFill>
                   <a:srgbClr val="ffffff"/>
                 </a:solidFill>
                 <a:latin typeface="Arial"/>
+                <a:ea typeface="DejaVu Sans"/>
               </a:rPr>
               <a:t>Prototypen der</a:t>
             </a:r>
@@ -13469,13 +16810,18 @@
             </a:endParaRPr>
           </a:p>
           <a:p>
-            <a:pPr algn="ctr"/>
+            <a:pPr algn="ctr">
+              <a:lnSpc>
+                <a:spcPct val="100000"/>
+              </a:lnSpc>
+            </a:pPr>
             <a:r>
               <a:rPr b="0" lang="de-DE" sz="1800" spc="-1" strike="noStrike">
                 <a:solidFill>
                   <a:srgbClr val="ffffff"/>
                 </a:solidFill>
                 <a:latin typeface="Arial"/>
+                <a:ea typeface="DejaVu Sans"/>
               </a:rPr>
               <a:t>Packages</a:t>
             </a:r>
@@ -13487,14 +16833,14 @@
       </p:sp>
       <p:sp>
         <p:nvSpPr>
-          <p:cNvPr id="280" name="CustomShape 3"/>
+          <p:cNvPr id="329" name="CustomShape 3"/>
           <p:cNvSpPr/>
           <p:nvPr/>
         </p:nvSpPr>
         <p:spPr>
           <a:xfrm>
             <a:off x="4464000" y="1152000"/>
-            <a:ext cx="1872000" cy="936000"/>
+            <a:ext cx="1871640" cy="935640"/>
           </a:xfrm>
           <a:prstGeom prst="rect">
             <a:avLst/>
@@ -13515,17 +16861,20 @@
           <a:fontRef idx="minor"/>
         </p:style>
         <p:txBody>
-          <a:bodyPr wrap="none" lIns="90000" rIns="90000" tIns="45000" bIns="45000" anchor="ctr">
-            <a:noAutofit/>
-          </a:bodyPr>
-          <a:p>
-            <a:pPr algn="ctr"/>
+          <a:bodyPr wrap="none" lIns="90000" rIns="90000" tIns="45000" bIns="45000" anchor="ctr"/>
+          <a:p>
+            <a:pPr algn="ctr">
+              <a:lnSpc>
+                <a:spcPct val="100000"/>
+              </a:lnSpc>
+            </a:pPr>
             <a:r>
               <a:rPr b="0" lang="de-DE" sz="1800" spc="-1" strike="noStrike">
                 <a:solidFill>
                   <a:srgbClr val="ffffff"/>
                 </a:solidFill>
                 <a:latin typeface="Arial"/>
+                <a:ea typeface="DejaVu Sans"/>
               </a:rPr>
               <a:t>„</a:t>
             </a:r>
@@ -13535,6 +16884,7 @@
                   <a:srgbClr val="ffffff"/>
                 </a:solidFill>
                 <a:latin typeface="Arial"/>
+                <a:ea typeface="DejaVu Sans"/>
               </a:rPr>
               <a:t>Gesamt-</a:t>
             </a:r>
@@ -13543,13 +16893,18 @@
             </a:endParaRPr>
           </a:p>
           <a:p>
-            <a:pPr algn="ctr"/>
+            <a:pPr algn="ctr">
+              <a:lnSpc>
+                <a:spcPct val="100000"/>
+              </a:lnSpc>
+            </a:pPr>
             <a:r>
               <a:rPr b="0" lang="de-DE" sz="1800" spc="-1" strike="noStrike">
                 <a:solidFill>
                   <a:srgbClr val="ffffff"/>
                 </a:solidFill>
                 <a:latin typeface="Arial"/>
+                <a:ea typeface="DejaVu Sans"/>
               </a:rPr>
               <a:t>Prototyp“</a:t>
             </a:r>
@@ -13561,14 +16916,14 @@
       </p:sp>
       <p:sp>
         <p:nvSpPr>
-          <p:cNvPr id="281" name="CustomShape 4"/>
+          <p:cNvPr id="330" name="CustomShape 4"/>
           <p:cNvSpPr/>
           <p:nvPr/>
         </p:nvSpPr>
         <p:spPr>
           <a:xfrm>
             <a:off x="6480000" y="2520000"/>
-            <a:ext cx="1872000" cy="936000"/>
+            <a:ext cx="2016000" cy="936000"/>
           </a:xfrm>
           <a:prstGeom prst="rect">
             <a:avLst/>
@@ -13589,17 +16944,20 @@
           <a:fontRef idx="minor"/>
         </p:style>
         <p:txBody>
-          <a:bodyPr wrap="none" lIns="90000" rIns="90000" tIns="45000" bIns="45000" anchor="ctr">
-            <a:noAutofit/>
-          </a:bodyPr>
-          <a:p>
-            <a:pPr algn="ctr"/>
+          <a:bodyPr wrap="none" lIns="90000" rIns="90000" tIns="45000" bIns="45000" anchor="ctr"/>
+          <a:p>
+            <a:pPr algn="ctr">
+              <a:lnSpc>
+                <a:spcPct val="100000"/>
+              </a:lnSpc>
+            </a:pPr>
             <a:r>
               <a:rPr b="0" lang="de-DE" sz="1800" spc="-1" strike="noStrike">
                 <a:solidFill>
                   <a:srgbClr val="ffffff"/>
                 </a:solidFill>
                 <a:latin typeface="Arial"/>
+                <a:ea typeface="DejaVu Sans"/>
               </a:rPr>
               <a:t>Weiterentwicklung</a:t>
             </a:r>
@@ -13608,13 +16966,18 @@
             </a:endParaRPr>
           </a:p>
           <a:p>
-            <a:pPr algn="ctr"/>
+            <a:pPr algn="ctr">
+              <a:lnSpc>
+                <a:spcPct val="100000"/>
+              </a:lnSpc>
+            </a:pPr>
             <a:r>
               <a:rPr b="0" lang="de-DE" sz="1800" spc="-1" strike="noStrike">
                 <a:solidFill>
                   <a:srgbClr val="ffffff"/>
                 </a:solidFill>
                 <a:latin typeface="Arial"/>
+                <a:ea typeface="DejaVu Sans"/>
               </a:rPr>
               <a:t>der Packages</a:t>
             </a:r>
@@ -13626,7 +16989,7 @@
       </p:sp>
       <p:sp>
         <p:nvSpPr>
-          <p:cNvPr id="282" name="Line 5"/>
+          <p:cNvPr id="331" name="Line 5"/>
           <p:cNvSpPr/>
           <p:nvPr/>
         </p:nvSpPr>
@@ -13638,11 +17001,11 @@
           <a:prstGeom prst="line">
             <a:avLst/>
           </a:prstGeom>
-          <a:ln>
+          <a:ln cap="rnd">
             <a:solidFill>
               <a:srgbClr val="3465a4"/>
             </a:solidFill>
-            <a:prstDash val="dash"/>
+            <a:custDash/>
             <a:tailEnd len="med" type="triangle" w="med"/>
           </a:ln>
         </p:spPr>
@@ -13653,14 +17016,20 @@
           <a:fontRef idx="minor"/>
         </p:style>
         <p:txBody>
-          <a:bodyPr lIns="90000" rIns="90000" tIns="45000" bIns="45000" anchor="ctr">
-            <a:spAutoFit/>
-          </a:bodyPr>
-          <a:p>
-            <a:pPr algn="ctr"/>
+          <a:bodyPr lIns="90000" rIns="90000" tIns="45000" bIns="45000" anchor="ctr" anchorCtr="1"/>
+          <a:p>
+            <a:pPr algn="ctr">
+              <a:lnSpc>
+                <a:spcPct val="100000"/>
+              </a:lnSpc>
+            </a:pPr>
             <a:r>
               <a:rPr b="0" lang="de-DE" sz="1400" spc="-1" strike="noStrike">
+                <a:solidFill>
+                  <a:srgbClr val="000000"/>
+                </a:solidFill>
                 <a:latin typeface="Arial"/>
+                <a:ea typeface="DejaVu Sans"/>
               </a:rPr>
               <a:t>zusammensetzen</a:t>
             </a:r>
@@ -13672,14 +17041,14 @@
       </p:sp>
       <p:sp>
         <p:nvSpPr>
-          <p:cNvPr id="283" name="CustomShape 6"/>
+          <p:cNvPr id="332" name="CustomShape 6"/>
           <p:cNvSpPr/>
           <p:nvPr/>
         </p:nvSpPr>
         <p:spPr>
           <a:xfrm>
             <a:off x="2376000" y="2448000"/>
-            <a:ext cx="1872000" cy="936000"/>
+            <a:ext cx="1871640" cy="935640"/>
           </a:xfrm>
           <a:prstGeom prst="rect">
             <a:avLst/>
@@ -13700,17 +17069,20 @@
           <a:fontRef idx="minor"/>
         </p:style>
         <p:txBody>
-          <a:bodyPr wrap="none" lIns="90000" rIns="90000" tIns="45000" bIns="45000" anchor="ctr">
-            <a:noAutofit/>
-          </a:bodyPr>
-          <a:p>
-            <a:pPr algn="ctr"/>
+          <a:bodyPr wrap="none" lIns="90000" rIns="90000" tIns="45000" bIns="45000" anchor="ctr"/>
+          <a:p>
+            <a:pPr algn="ctr">
+              <a:lnSpc>
+                <a:spcPct val="100000"/>
+              </a:lnSpc>
+            </a:pPr>
             <a:r>
               <a:rPr b="0" lang="de-DE" sz="1800" spc="-1" strike="noStrike">
                 <a:solidFill>
                   <a:srgbClr val="ffffff"/>
                 </a:solidFill>
                 <a:latin typeface="Arial"/>
+                <a:ea typeface="DejaVu Sans"/>
               </a:rPr>
               <a:t>Entwicklung</a:t>
             </a:r>
@@ -13719,13 +17091,18 @@
             </a:endParaRPr>
           </a:p>
           <a:p>
-            <a:pPr algn="ctr"/>
+            <a:pPr algn="ctr">
+              <a:lnSpc>
+                <a:spcPct val="100000"/>
+              </a:lnSpc>
+            </a:pPr>
             <a:r>
               <a:rPr b="0" lang="de-DE" sz="1800" spc="-1" strike="noStrike">
                 <a:solidFill>
                   <a:srgbClr val="ffffff"/>
                 </a:solidFill>
                 <a:latin typeface="Arial"/>
+                <a:ea typeface="DejaVu Sans"/>
               </a:rPr>
               <a:t>des Frontends</a:t>
             </a:r>
@@ -13737,14 +17114,14 @@
       </p:sp>
       <p:sp>
         <p:nvSpPr>
-          <p:cNvPr id="284" name="CustomShape 7"/>
+          <p:cNvPr id="333" name="CustomShape 7"/>
           <p:cNvSpPr/>
           <p:nvPr/>
         </p:nvSpPr>
         <p:spPr>
           <a:xfrm>
             <a:off x="4536000" y="3528000"/>
-            <a:ext cx="1872000" cy="936000"/>
+            <a:ext cx="1871640" cy="935640"/>
           </a:xfrm>
           <a:prstGeom prst="rect">
             <a:avLst/>
@@ -13765,17 +17142,20 @@
           <a:fontRef idx="minor"/>
         </p:style>
         <p:txBody>
-          <a:bodyPr wrap="none" lIns="90000" rIns="90000" tIns="45000" bIns="45000" anchor="ctr">
-            <a:noAutofit/>
-          </a:bodyPr>
-          <a:p>
-            <a:pPr algn="ctr"/>
+          <a:bodyPr wrap="none" lIns="90000" rIns="90000" tIns="45000" bIns="45000" anchor="ctr"/>
+          <a:p>
+            <a:pPr algn="ctr">
+              <a:lnSpc>
+                <a:spcPct val="100000"/>
+              </a:lnSpc>
+            </a:pPr>
             <a:r>
               <a:rPr b="0" lang="de-DE" sz="1800" spc="-1" strike="noStrike">
                 <a:solidFill>
                   <a:srgbClr val="ffffff"/>
                 </a:solidFill>
                 <a:latin typeface="Arial"/>
+                <a:ea typeface="DejaVu Sans"/>
               </a:rPr>
               <a:t>Fertiges Produkt</a:t>
             </a:r>
@@ -13787,7 +17167,7 @@
       </p:sp>
       <p:sp>
         <p:nvSpPr>
-          <p:cNvPr id="285" name="Line 8"/>
+          <p:cNvPr id="334" name="Line 8"/>
           <p:cNvSpPr/>
           <p:nvPr/>
         </p:nvSpPr>
@@ -13815,7 +17195,7 @@
       </p:sp>
       <p:sp>
         <p:nvSpPr>
-          <p:cNvPr id="286" name="Line 9"/>
+          <p:cNvPr id="335" name="Line 9"/>
           <p:cNvSpPr/>
           <p:nvPr/>
         </p:nvSpPr>
@@ -13843,7 +17223,7 @@
       </p:sp>
       <p:sp>
         <p:nvSpPr>
-          <p:cNvPr id="287" name="Line 10"/>
+          <p:cNvPr id="336" name="Line 10"/>
           <p:cNvSpPr/>
           <p:nvPr/>
         </p:nvSpPr>
@@ -13871,7 +17251,7 @@
       </p:sp>
       <p:sp>
         <p:nvSpPr>
-          <p:cNvPr id="288" name="Line 11"/>
+          <p:cNvPr id="337" name="Line 11"/>
           <p:cNvSpPr/>
           <p:nvPr/>
         </p:nvSpPr>
@@ -13907,6 +17287,33 @@
       <p:transition spd="slow"/>
     </mc:Fallback>
   </mc:AlternateContent>
+  <p:timing>
+    <p:tnLst>
+      <p:par>
+        <p:cTn id="17" dur="indefinite" restart="never" nodeType="tmRoot">
+          <p:childTnLst>
+            <p:seq>
+              <p:cTn id="18" dur="indefinite" nodeType="mainSeq"/>
+              <p:prevCondLst>
+                <p:cond delay="0" evt="onPrev">
+                  <p:tgtEl>
+                    <p:sldTgt/>
+                  </p:tgtEl>
+                </p:cond>
+              </p:prevCondLst>
+              <p:nextCondLst>
+                <p:cond delay="0" evt="onNext">
+                  <p:tgtEl>
+                    <p:sldTgt/>
+                  </p:tgtEl>
+                </p:cond>
+              </p:nextCondLst>
+            </p:seq>
+          </p:childTnLst>
+        </p:cTn>
+      </p:par>
+    </p:tnLst>
+  </p:timing>
 </p:sld>
 </file>
 
@@ -15246,4 +18653,450 @@
     </a:fmtScheme>
   </a:themeElements>
 </a:theme>
+</file>
+
+<file path=ppt/theme/theme7.xml><?xml version="1.0" encoding="utf-8"?>
+<a:theme xmlns:a="http://schemas.openxmlformats.org/drawingml/2006/main" name="Office Theme">
+  <a:themeElements>
+    <a:clrScheme name="Office">
+      <a:dk1>
+        <a:sysClr val="windowText" lastClr="000000"/>
+      </a:dk1>
+      <a:lt1>
+        <a:sysClr val="window" lastClr="FFFFFF"/>
+      </a:lt1>
+      <a:dk2>
+        <a:srgbClr val="00305e"/>
+      </a:dk2>
+      <a:lt2>
+        <a:srgbClr val="727879"/>
+      </a:lt2>
+      <a:accent1>
+        <a:srgbClr val="009ee0"/>
+      </a:accent1>
+      <a:accent2>
+        <a:srgbClr val="006ab3"/>
+      </a:accent2>
+      <a:accent3>
+        <a:srgbClr val="6ab023"/>
+      </a:accent3>
+      <a:accent4>
+        <a:srgbClr val="007d40"/>
+      </a:accent4>
+      <a:accent5>
+        <a:srgbClr val="93107e"/>
+      </a:accent5>
+      <a:accent6>
+        <a:srgbClr val="54378a"/>
+      </a:accent6>
+      <a:hlink>
+        <a:srgbClr val="009ee0"/>
+      </a:hlink>
+      <a:folHlink>
+        <a:srgbClr val="006ab3"/>
+      </a:folHlink>
+    </a:clrScheme>
+    <a:fontScheme name="Office">
+      <a:majorFont>
+        <a:latin typeface="Arial"/>
+        <a:ea typeface="DejaVu Sans"/>
+        <a:cs typeface="DejaVu Sans"/>
+      </a:majorFont>
+      <a:minorFont>
+        <a:latin typeface="Arial"/>
+        <a:ea typeface="DejaVu Sans"/>
+        <a:cs typeface="DejaVu Sans"/>
+      </a:minorFont>
+    </a:fontScheme>
+    <a:fmtScheme name="Office">
+      <a:fillStyleLst>
+        <a:solidFill>
+          <a:schemeClr val="phClr"/>
+        </a:solidFill>
+        <a:gradFill rotWithShape="1">
+          <a:gsLst>
+            <a:gs pos="0">
+              <a:schemeClr val="phClr">
+                <a:tint val="50000"/>
+                <a:satMod val="300000"/>
+              </a:schemeClr>
+            </a:gs>
+            <a:gs pos="35000">
+              <a:schemeClr val="phClr">
+                <a:tint val="37000"/>
+                <a:satMod val="300000"/>
+              </a:schemeClr>
+            </a:gs>
+            <a:gs pos="100000">
+              <a:schemeClr val="phClr">
+                <a:tint val="15000"/>
+                <a:satMod val="350000"/>
+              </a:schemeClr>
+            </a:gs>
+          </a:gsLst>
+          <a:lin ang="16200000" scaled="1"/>
+        </a:gradFill>
+        <a:gradFill rotWithShape="1">
+          <a:gsLst>
+            <a:gs pos="0">
+              <a:schemeClr val="phClr">
+                <a:shade val="51000"/>
+                <a:satMod val="130000"/>
+              </a:schemeClr>
+            </a:gs>
+            <a:gs pos="80000">
+              <a:schemeClr val="phClr">
+                <a:shade val="93000"/>
+                <a:satMod val="130000"/>
+              </a:schemeClr>
+            </a:gs>
+            <a:gs pos="100000">
+              <a:schemeClr val="phClr">
+                <a:shade val="94000"/>
+                <a:satMod val="135000"/>
+              </a:schemeClr>
+            </a:gs>
+          </a:gsLst>
+          <a:lin ang="16200000" scaled="0"/>
+        </a:gradFill>
+      </a:fillStyleLst>
+      <a:lnStyleLst>
+        <a:ln w="9525" cap="flat" cmpd="sng" algn="ctr">
+          <a:solidFill>
+            <a:schemeClr val="phClr">
+              <a:shade val="95000"/>
+              <a:satMod val="105000"/>
+            </a:schemeClr>
+          </a:solidFill>
+          <a:prstDash val="solid"/>
+        </a:ln>
+        <a:ln w="25400" cap="flat" cmpd="sng" algn="ctr">
+          <a:solidFill>
+            <a:schemeClr val="phClr"/>
+          </a:solidFill>
+          <a:prstDash val="solid"/>
+        </a:ln>
+        <a:ln w="38100" cap="flat" cmpd="sng" algn="ctr">
+          <a:solidFill>
+            <a:schemeClr val="phClr"/>
+          </a:solidFill>
+          <a:prstDash val="solid"/>
+        </a:ln>
+      </a:lnStyleLst>
+      <a:effectStyleLst>
+        <a:effectStyle>
+          <a:effectLst>
+            <a:outerShdw blurRad="40000" dist="20000" dir="5400000" rotWithShape="0">
+              <a:srgbClr val="000000">
+                <a:alpha val="38000"/>
+              </a:srgbClr>
+            </a:outerShdw>
+          </a:effectLst>
+        </a:effectStyle>
+        <a:effectStyle>
+          <a:effectLst>
+            <a:outerShdw blurRad="40000" dist="23000" dir="5400000" rotWithShape="0">
+              <a:srgbClr val="000000">
+                <a:alpha val="35000"/>
+              </a:srgbClr>
+            </a:outerShdw>
+          </a:effectLst>
+        </a:effectStyle>
+        <a:effectStyle>
+          <a:effectLst>
+            <a:outerShdw blurRad="40000" dist="23000" dir="5400000" rotWithShape="0">
+              <a:srgbClr val="000000">
+                <a:alpha val="35000"/>
+              </a:srgbClr>
+            </a:outerShdw>
+          </a:effectLst>
+          <a:scene3d>
+            <a:camera prst="orthographicFront">
+              <a:rot lat="0" lon="0" rev="0"/>
+            </a:camera>
+            <a:lightRig rig="threePt" dir="t">
+              <a:rot lat="0" lon="0" rev="1200000"/>
+            </a:lightRig>
+          </a:scene3d>
+          <a:sp3d>
+            <a:bevelT w="63500" h="25400"/>
+          </a:sp3d>
+        </a:effectStyle>
+      </a:effectStyleLst>
+      <a:bgFillStyleLst>
+        <a:solidFill>
+          <a:schemeClr val="phClr"/>
+        </a:solidFill>
+        <a:gradFill rotWithShape="1">
+          <a:gsLst>
+            <a:gs pos="0">
+              <a:schemeClr val="phClr">
+                <a:tint val="40000"/>
+                <a:satMod val="350000"/>
+              </a:schemeClr>
+            </a:gs>
+            <a:gs pos="40000">
+              <a:schemeClr val="phClr">
+                <a:tint val="45000"/>
+                <a:shade val="99000"/>
+                <a:satMod val="350000"/>
+              </a:schemeClr>
+            </a:gs>
+            <a:gs pos="100000">
+              <a:schemeClr val="phClr">
+                <a:shade val="20000"/>
+                <a:satMod val="255000"/>
+              </a:schemeClr>
+            </a:gs>
+          </a:gsLst>
+          <a:path path="circle">
+            <a:fillToRect l="50000" t="-80000" r="50000" b="180000"/>
+          </a:path>
+        </a:gradFill>
+        <a:gradFill rotWithShape="1">
+          <a:gsLst>
+            <a:gs pos="0">
+              <a:schemeClr val="phClr">
+                <a:tint val="80000"/>
+                <a:satMod val="300000"/>
+              </a:schemeClr>
+            </a:gs>
+            <a:gs pos="100000">
+              <a:schemeClr val="phClr">
+                <a:shade val="30000"/>
+                <a:satMod val="200000"/>
+              </a:schemeClr>
+            </a:gs>
+          </a:gsLst>
+          <a:path path="circle">
+            <a:fillToRect l="50000" t="50000" r="50000" b="50000"/>
+          </a:path>
+        </a:gradFill>
+      </a:bgFillStyleLst>
+    </a:fmtScheme>
+  </a:themeElements>
+</a:theme>
+</file>
+
+<file path=ppt/theme/theme8.xml><?xml version="1.0" encoding="utf-8"?>
+<a:theme xmlns:a="http://schemas.openxmlformats.org/drawingml/2006/main" name="Office Theme">
+  <a:themeElements>
+    <a:clrScheme name="Office">
+      <a:dk1>
+        <a:sysClr val="windowText" lastClr="000000"/>
+      </a:dk1>
+      <a:lt1>
+        <a:sysClr val="window" lastClr="FFFFFF"/>
+      </a:lt1>
+      <a:dk2>
+        <a:srgbClr val="00305e"/>
+      </a:dk2>
+      <a:lt2>
+        <a:srgbClr val="727879"/>
+      </a:lt2>
+      <a:accent1>
+        <a:srgbClr val="009ee0"/>
+      </a:accent1>
+      <a:accent2>
+        <a:srgbClr val="006ab3"/>
+      </a:accent2>
+      <a:accent3>
+        <a:srgbClr val="6ab023"/>
+      </a:accent3>
+      <a:accent4>
+        <a:srgbClr val="007d40"/>
+      </a:accent4>
+      <a:accent5>
+        <a:srgbClr val="93107e"/>
+      </a:accent5>
+      <a:accent6>
+        <a:srgbClr val="54378a"/>
+      </a:accent6>
+      <a:hlink>
+        <a:srgbClr val="009ee0"/>
+      </a:hlink>
+      <a:folHlink>
+        <a:srgbClr val="006ab3"/>
+      </a:folHlink>
+    </a:clrScheme>
+    <a:fontScheme name="Office">
+      <a:majorFont>
+        <a:latin typeface="Arial"/>
+        <a:ea typeface="DejaVu Sans"/>
+        <a:cs typeface="DejaVu Sans"/>
+      </a:majorFont>
+      <a:minorFont>
+        <a:latin typeface="Arial"/>
+        <a:ea typeface="DejaVu Sans"/>
+        <a:cs typeface="DejaVu Sans"/>
+      </a:minorFont>
+    </a:fontScheme>
+    <a:fmtScheme name="Office">
+      <a:fillStyleLst>
+        <a:solidFill>
+          <a:schemeClr val="phClr"/>
+        </a:solidFill>
+        <a:gradFill rotWithShape="1">
+          <a:gsLst>
+            <a:gs pos="0">
+              <a:schemeClr val="phClr">
+                <a:tint val="50000"/>
+                <a:satMod val="300000"/>
+              </a:schemeClr>
+            </a:gs>
+            <a:gs pos="35000">
+              <a:schemeClr val="phClr">
+                <a:tint val="37000"/>
+                <a:satMod val="300000"/>
+              </a:schemeClr>
+            </a:gs>
+            <a:gs pos="100000">
+              <a:schemeClr val="phClr">
+                <a:tint val="15000"/>
+                <a:satMod val="350000"/>
+              </a:schemeClr>
+            </a:gs>
+          </a:gsLst>
+          <a:lin ang="16200000" scaled="1"/>
+        </a:gradFill>
+        <a:gradFill rotWithShape="1">
+          <a:gsLst>
+            <a:gs pos="0">
+              <a:schemeClr val="phClr">
+                <a:shade val="51000"/>
+                <a:satMod val="130000"/>
+              </a:schemeClr>
+            </a:gs>
+            <a:gs pos="80000">
+              <a:schemeClr val="phClr">
+                <a:shade val="93000"/>
+                <a:satMod val="130000"/>
+              </a:schemeClr>
+            </a:gs>
+            <a:gs pos="100000">
+              <a:schemeClr val="phClr">
+                <a:shade val="94000"/>
+                <a:satMod val="135000"/>
+              </a:schemeClr>
+            </a:gs>
+          </a:gsLst>
+          <a:lin ang="16200000" scaled="0"/>
+        </a:gradFill>
+      </a:fillStyleLst>
+      <a:lnStyleLst>
+        <a:ln w="9525" cap="flat" cmpd="sng" algn="ctr">
+          <a:solidFill>
+            <a:schemeClr val="phClr">
+              <a:shade val="95000"/>
+              <a:satMod val="105000"/>
+            </a:schemeClr>
+          </a:solidFill>
+          <a:prstDash val="solid"/>
+        </a:ln>
+        <a:ln w="25400" cap="flat" cmpd="sng" algn="ctr">
+          <a:solidFill>
+            <a:schemeClr val="phClr"/>
+          </a:solidFill>
+          <a:prstDash val="solid"/>
+        </a:ln>
+        <a:ln w="38100" cap="flat" cmpd="sng" algn="ctr">
+          <a:solidFill>
+            <a:schemeClr val="phClr"/>
+          </a:solidFill>
+          <a:prstDash val="solid"/>
+        </a:ln>
+      </a:lnStyleLst>
+      <a:effectStyleLst>
+        <a:effectStyle>
+          <a:effectLst>
+            <a:outerShdw blurRad="40000" dist="20000" dir="5400000" rotWithShape="0">
+              <a:srgbClr val="000000">
+                <a:alpha val="38000"/>
+              </a:srgbClr>
+            </a:outerShdw>
+          </a:effectLst>
+        </a:effectStyle>
+        <a:effectStyle>
+          <a:effectLst>
+            <a:outerShdw blurRad="40000" dist="23000" dir="5400000" rotWithShape="0">
+              <a:srgbClr val="000000">
+                <a:alpha val="35000"/>
+              </a:srgbClr>
+            </a:outerShdw>
+          </a:effectLst>
+        </a:effectStyle>
+        <a:effectStyle>
+          <a:effectLst>
+            <a:outerShdw blurRad="40000" dist="23000" dir="5400000" rotWithShape="0">
+              <a:srgbClr val="000000">
+                <a:alpha val="35000"/>
+              </a:srgbClr>
+            </a:outerShdw>
+          </a:effectLst>
+          <a:scene3d>
+            <a:camera prst="orthographicFront">
+              <a:rot lat="0" lon="0" rev="0"/>
+            </a:camera>
+            <a:lightRig rig="threePt" dir="t">
+              <a:rot lat="0" lon="0" rev="1200000"/>
+            </a:lightRig>
+          </a:scene3d>
+          <a:sp3d>
+            <a:bevelT w="63500" h="25400"/>
+          </a:sp3d>
+        </a:effectStyle>
+      </a:effectStyleLst>
+      <a:bgFillStyleLst>
+        <a:solidFill>
+          <a:schemeClr val="phClr"/>
+        </a:solidFill>
+        <a:gradFill rotWithShape="1">
+          <a:gsLst>
+            <a:gs pos="0">
+              <a:schemeClr val="phClr">
+                <a:tint val="40000"/>
+                <a:satMod val="350000"/>
+              </a:schemeClr>
+            </a:gs>
+            <a:gs pos="40000">
+              <a:schemeClr val="phClr">
+                <a:tint val="45000"/>
+                <a:shade val="99000"/>
+                <a:satMod val="350000"/>
+              </a:schemeClr>
+            </a:gs>
+            <a:gs pos="100000">
+              <a:schemeClr val="phClr">
+                <a:shade val="20000"/>
+                <a:satMod val="255000"/>
+              </a:schemeClr>
+            </a:gs>
+          </a:gsLst>
+          <a:path path="circle">
+            <a:fillToRect l="50000" t="-80000" r="50000" b="180000"/>
+          </a:path>
+        </a:gradFill>
+        <a:gradFill rotWithShape="1">
+          <a:gsLst>
+            <a:gs pos="0">
+              <a:schemeClr val="phClr">
+                <a:tint val="80000"/>
+                <a:satMod val="300000"/>
+              </a:schemeClr>
+            </a:gs>
+            <a:gs pos="100000">
+              <a:schemeClr val="phClr">
+                <a:shade val="30000"/>
+                <a:satMod val="200000"/>
+              </a:schemeClr>
+            </a:gs>
+          </a:gsLst>
+          <a:path path="circle">
+            <a:fillToRect l="50000" t="50000" r="50000" b="50000"/>
+          </a:path>
+        </a:gradFill>
+      </a:bgFillStyleLst>
+    </a:fmtScheme>
+  </a:themeElements>
+</a:theme>
 </file>
--- a/src/main/asciidoc/Abschlusspraesentation.pptx
+++ b/src/main/asciidoc/Abschlusspraesentation.pptx
@@ -147,7 +147,7 @@
               <a:rPr b="0" lang="de-DE" sz="1400" spc="-1" strike="noStrike">
                 <a:latin typeface="Times New Roman"/>
               </a:rPr>
-              <a:t>&lt;header&gt;</a:t>
+              <a:t> </a:t>
             </a:r>
             <a:endParaRPr b="0" lang="de-DE" sz="1400" spc="-1" strike="noStrike">
               <a:latin typeface="Times New Roman"/>
@@ -182,7 +182,7 @@
               <a:rPr b="0" lang="de-DE" sz="1400" spc="-1" strike="noStrike">
                 <a:latin typeface="Times New Roman"/>
               </a:rPr>
-              <a:t>&lt;date/time&gt;</a:t>
+              <a:t> </a:t>
             </a:r>
             <a:endParaRPr b="0" lang="de-DE" sz="1400" spc="-1" strike="noStrike">
               <a:latin typeface="Times New Roman"/>
@@ -216,7 +216,7 @@
               <a:rPr b="0" lang="de-DE" sz="1400" spc="-1" strike="noStrike">
                 <a:latin typeface="Times New Roman"/>
               </a:rPr>
-              <a:t>&lt;footer&gt;</a:t>
+              <a:t> </a:t>
             </a:r>
             <a:endParaRPr b="0" lang="de-DE" sz="1400" spc="-1" strike="noStrike">
               <a:latin typeface="Times New Roman"/>
@@ -247,11 +247,11 @@
           <a:bodyPr lIns="0" rIns="0" tIns="0" bIns="0" anchor="b"/>
           <a:p>
             <a:pPr algn="r"/>
-            <a:fld id="{DA8232EB-A97A-4CAB-8151-0F46138CD781}" type="slidenum">
+            <a:fld id="{33E47E34-58FB-42D3-B709-4D449A8779B8}" type="slidenum">
               <a:rPr b="0" lang="de-DE" sz="1400" spc="-1" strike="noStrike">
                 <a:latin typeface="Times New Roman"/>
               </a:rPr>
-              <a:t>&lt;number&gt;</a:t>
+              <a:t>1</a:t>
             </a:fld>
             <a:endParaRPr b="0" lang="de-DE" sz="1400" spc="-1" strike="noStrike">
               <a:latin typeface="Times New Roman"/>
@@ -265,7 +265,7 @@
 </p:notesMaster>
 </file>
 
-<file path=ppt/notesSlides/notesSlide11.xml><?xml version="1.0" encoding="utf-8"?>
+<file path=ppt/notesSlides/notesSlide1.xml><?xml version="1.0" encoding="utf-8"?>
 <p:notes xmlns:a="http://schemas.openxmlformats.org/drawingml/2006/main" xmlns:p="http://schemas.openxmlformats.org/presentationml/2006/main" xmlns:r="http://schemas.openxmlformats.org/officeDocument/2006/relationships" xmlns:p14="http://schemas.microsoft.com/office/powerpoint/2010/main" xmlns:p15="http://schemas.microsoft.com/office/powerpoint/2012/main" xmlns:mc="http://schemas.openxmlformats.org/markup-compatibility/2006">
   <p:cSld>
     <p:spTree>
@@ -294,8 +294,8 @@
         </p:nvSpPr>
         <p:spPr>
           <a:xfrm>
-            <a:off x="216360" y="812520"/>
-            <a:ext cx="7126920" cy="4008960"/>
+            <a:off x="216000" y="812520"/>
+            <a:ext cx="7127280" cy="4008960"/>
           </a:xfrm>
           <a:prstGeom prst="rect">
             <a:avLst/>
@@ -328,7 +328,7 @@
               <a:rPr b="0" lang="de-DE" sz="2000" spc="-1" strike="noStrike">
                 <a:latin typeface="Arial"/>
               </a:rPr>
-              <a:t>Test</a:t>
+              <a:t>Hallo und herzlich willkommen zu unserer Programmpräsentation. </a:t>
             </a:r>
             <a:endParaRPr b="0" lang="de-DE" sz="2000" spc="-1" strike="noStrike">
               <a:latin typeface="Arial"/>
@@ -341,7 +341,7 @@
 </p:notes>
 </file>
 
-<file path=ppt/notesSlides/notesSlide12.xml><?xml version="1.0" encoding="utf-8"?>
+<file path=ppt/notesSlides/notesSlide2.xml><?xml version="1.0" encoding="utf-8"?>
 <p:notes xmlns:a="http://schemas.openxmlformats.org/drawingml/2006/main" xmlns:p="http://schemas.openxmlformats.org/presentationml/2006/main" xmlns:r="http://schemas.openxmlformats.org/officeDocument/2006/relationships" xmlns:p14="http://schemas.microsoft.com/office/powerpoint/2010/main" xmlns:p15="http://schemas.microsoft.com/office/powerpoint/2012/main" xmlns:mc="http://schemas.openxmlformats.org/markup-compatibility/2006">
   <p:cSld>
     <p:spTree>
@@ -370,8 +370,8 @@
         </p:nvSpPr>
         <p:spPr>
           <a:xfrm>
-            <a:off x="216360" y="812520"/>
-            <a:ext cx="7126920" cy="4008960"/>
+            <a:off x="216000" y="812520"/>
+            <a:ext cx="7127280" cy="4008960"/>
           </a:xfrm>
           <a:prstGeom prst="rect">
             <a:avLst/>
@@ -404,7 +404,66 @@
               <a:rPr b="0" lang="de-DE" sz="2000" spc="-1" strike="noStrike">
                 <a:latin typeface="Arial"/>
               </a:rPr>
-              <a:t>Test</a:t>
+              <a:t>Ich bin Tobias, </a:t>
+            </a:r>
+            <a:endParaRPr b="0" lang="de-DE" sz="2000" spc="-1" strike="noStrike">
+              <a:latin typeface="Arial"/>
+            </a:endParaRPr>
+          </a:p>
+          <a:p>
+            <a:r>
+              <a:rPr b="0" lang="de-DE" sz="2000" spc="-1" strike="noStrike">
+                <a:latin typeface="Arial"/>
+              </a:rPr>
+              <a:t>Überblick über Aufbau, Aufgabenverteilung</a:t>
+            </a:r>
+            <a:endParaRPr b="0" lang="de-DE" sz="2000" spc="-1" strike="noStrike">
+              <a:latin typeface="Arial"/>
+            </a:endParaRPr>
+          </a:p>
+          <a:p>
+            <a:endParaRPr b="0" lang="de-DE" sz="2000" spc="-1" strike="noStrike">
+              <a:latin typeface="Arial"/>
+            </a:endParaRPr>
+          </a:p>
+          <a:p>
+            <a:r>
+              <a:rPr b="0" lang="de-DE" sz="2000" spc="-1" strike="noStrike">
+                <a:latin typeface="Arial"/>
+              </a:rPr>
+              <a:t>Davin: Vorgehen bei Programmentwicklung</a:t>
+            </a:r>
+            <a:endParaRPr b="0" lang="de-DE" sz="2000" spc="-1" strike="noStrike">
+              <a:latin typeface="Arial"/>
+            </a:endParaRPr>
+          </a:p>
+          <a:p>
+            <a:endParaRPr b="0" lang="de-DE" sz="2000" spc="-1" strike="noStrike">
+              <a:latin typeface="Arial"/>
+            </a:endParaRPr>
+          </a:p>
+          <a:p>
+            <a:r>
+              <a:rPr b="0" lang="de-DE" sz="2000" spc="-1" strike="noStrike">
+                <a:latin typeface="Arial"/>
+              </a:rPr>
+              <a:t>Marcus: Herausforderungen, Probleme und Lösungen</a:t>
+            </a:r>
+            <a:endParaRPr b="0" lang="de-DE" sz="2000" spc="-1" strike="noStrike">
+              <a:latin typeface="Arial"/>
+            </a:endParaRPr>
+          </a:p>
+          <a:p>
+            <a:endParaRPr b="0" lang="de-DE" sz="2000" spc="-1" strike="noStrike">
+              <a:latin typeface="Arial"/>
+            </a:endParaRPr>
+          </a:p>
+          <a:p>
+            <a:r>
+              <a:rPr b="0" lang="de-DE" sz="2000" spc="-1" strike="noStrike">
+                <a:latin typeface="Arial"/>
+              </a:rPr>
+              <a:t>Zu guter letzt: Programmvorführung mit Igor und Jonas</a:t>
             </a:r>
             <a:endParaRPr b="0" lang="de-DE" sz="2000" spc="-1" strike="noStrike">
               <a:latin typeface="Arial"/>
@@ -417,7 +476,7 @@
 </p:notes>
 </file>
 
-<file path=ppt/notesSlides/notesSlide13.xml><?xml version="1.0" encoding="utf-8"?>
+<file path=ppt/notesSlides/notesSlide4.xml><?xml version="1.0" encoding="utf-8"?>
 <p:notes xmlns:a="http://schemas.openxmlformats.org/drawingml/2006/main" xmlns:p="http://schemas.openxmlformats.org/presentationml/2006/main" xmlns:r="http://schemas.openxmlformats.org/officeDocument/2006/relationships" xmlns:p14="http://schemas.microsoft.com/office/powerpoint/2010/main" xmlns:p15="http://schemas.microsoft.com/office/powerpoint/2012/main" xmlns:mc="http://schemas.openxmlformats.org/markup-compatibility/2006">
   <p:cSld>
     <p:spTree>
@@ -480,7 +539,23 @@
               <a:rPr b="0" lang="de-DE" sz="2000" spc="-1" strike="noStrike">
                 <a:latin typeface="Arial"/>
               </a:rPr>
-              <a:t>Test</a:t>
+              <a:t>Frontend, nicht angemeldet</a:t>
+            </a:r>
+            <a:endParaRPr b="0" lang="de-DE" sz="2000" spc="-1" strike="noStrike">
+              <a:latin typeface="Arial"/>
+            </a:endParaRPr>
+          </a:p>
+          <a:p>
+            <a:endParaRPr b="0" lang="de-DE" sz="2000" spc="-1" strike="noStrike">
+              <a:latin typeface="Arial"/>
+            </a:endParaRPr>
+          </a:p>
+          <a:p>
+            <a:r>
+              <a:rPr b="0" lang="de-DE" sz="2000" spc="-1" strike="noStrike">
+                <a:latin typeface="Arial"/>
+              </a:rPr>
+              <a:t>Später mehr bei Demonstration</a:t>
             </a:r>
             <a:endParaRPr b="0" lang="de-DE" sz="2000" spc="-1" strike="noStrike">
               <a:latin typeface="Arial"/>
@@ -493,7 +568,7 @@
 </p:notes>
 </file>
 
-<file path=ppt/notesSlides/notesSlide14.xml><?xml version="1.0" encoding="utf-8"?>
+<file path=ppt/notesSlides/notesSlide5.xml><?xml version="1.0" encoding="utf-8"?>
 <p:notes xmlns:a="http://schemas.openxmlformats.org/drawingml/2006/main" xmlns:p="http://schemas.openxmlformats.org/presentationml/2006/main" xmlns:r="http://schemas.openxmlformats.org/officeDocument/2006/relationships" xmlns:p14="http://schemas.microsoft.com/office/powerpoint/2010/main" xmlns:p15="http://schemas.microsoft.com/office/powerpoint/2012/main" xmlns:mc="http://schemas.openxmlformats.org/markup-compatibility/2006">
   <p:cSld>
     <p:spTree>
@@ -556,7 +631,142 @@
               <a:rPr b="0" lang="de-DE" sz="2000" spc="-1" strike="noStrike">
                 <a:latin typeface="Arial"/>
               </a:rPr>
-              <a:t>Test</a:t>
+              <a:t>Package-Diagramm</a:t>
+            </a:r>
+            <a:endParaRPr b="0" lang="de-DE" sz="2000" spc="-1" strike="noStrike">
+              <a:latin typeface="Arial"/>
+            </a:endParaRPr>
+          </a:p>
+          <a:p>
+            <a:endParaRPr b="0" lang="de-DE" sz="2000" spc="-1" strike="noStrike">
+              <a:latin typeface="Arial"/>
+            </a:endParaRPr>
+          </a:p>
+          <a:p>
+            <a:r>
+              <a:rPr b="0" lang="de-DE" sz="2000" spc="-1" strike="noStrike">
+                <a:latin typeface="Arial"/>
+              </a:rPr>
+              <a:t>Übersicht: 7 Packages, die einzelne Bestandteile des Programms darstellen</a:t>
+            </a:r>
+            <a:endParaRPr b="0" lang="de-DE" sz="2000" spc="-1" strike="noStrike">
+              <a:latin typeface="Arial"/>
+            </a:endParaRPr>
+          </a:p>
+        </p:txBody>
+      </p:sp>
+    </p:spTree>
+  </p:cSld>
+</p:notes>
+</file>
+
+<file path=ppt/notesSlides/notesSlide7.xml><?xml version="1.0" encoding="utf-8"?>
+<p:notes xmlns:a="http://schemas.openxmlformats.org/drawingml/2006/main" xmlns:p="http://schemas.openxmlformats.org/presentationml/2006/main" xmlns:r="http://schemas.openxmlformats.org/officeDocument/2006/relationships" xmlns:p14="http://schemas.microsoft.com/office/powerpoint/2010/main" xmlns:p15="http://schemas.microsoft.com/office/powerpoint/2012/main" xmlns:mc="http://schemas.openxmlformats.org/markup-compatibility/2006">
+  <p:cSld>
+    <p:spTree>
+      <p:nvGrpSpPr>
+        <p:cNvPr id="1" name=""/>
+        <p:cNvGrpSpPr/>
+        <p:nvPr/>
+      </p:nvGrpSpPr>
+      <p:grpSpPr>
+        <a:xfrm>
+          <a:off x="0" y="0"/>
+          <a:ext cx="0" cy="0"/>
+          <a:chOff x="0" y="0"/>
+          <a:chExt cx="0" cy="0"/>
+        </a:xfrm>
+      </p:grpSpPr>
+      <p:sp>
+        <p:nvSpPr>
+          <p:cNvPr id="356" name="PlaceHolder 1"/>
+          <p:cNvSpPr>
+            <a:spLocks noGrp="1"/>
+          </p:cNvSpPr>
+          <p:nvPr>
+            <p:ph type="sldImg"/>
+          </p:nvPr>
+        </p:nvSpPr>
+        <p:spPr>
+          <a:xfrm>
+            <a:off x="216360" y="812520"/>
+            <a:ext cx="7126920" cy="4008960"/>
+          </a:xfrm>
+          <a:prstGeom prst="rect">
+            <a:avLst/>
+          </a:prstGeom>
+        </p:spPr>
+      </p:sp>
+      <p:sp>
+        <p:nvSpPr>
+          <p:cNvPr id="357" name="PlaceHolder 2"/>
+          <p:cNvSpPr>
+            <a:spLocks noGrp="1"/>
+          </p:cNvSpPr>
+          <p:nvPr>
+            <p:ph type="body"/>
+          </p:nvPr>
+        </p:nvSpPr>
+        <p:spPr>
+          <a:xfrm>
+            <a:off x="756000" y="5078520"/>
+            <a:ext cx="6047640" cy="4811040"/>
+          </a:xfrm>
+          <a:prstGeom prst="rect">
+            <a:avLst/>
+          </a:prstGeom>
+        </p:spPr>
+        <p:txBody>
+          <a:bodyPr lIns="0" rIns="0" tIns="0" bIns="0"/>
+          <a:p>
+            <a:r>
+              <a:rPr b="0" lang="de-DE" sz="2000" spc="-1" strike="noStrike">
+                <a:latin typeface="Arial"/>
+              </a:rPr>
+              <a:t>Fair auf uns 5 aufgeteilt</a:t>
+            </a:r>
+            <a:endParaRPr b="0" lang="de-DE" sz="2000" spc="-1" strike="noStrike">
+              <a:latin typeface="Arial"/>
+            </a:endParaRPr>
+          </a:p>
+          <a:p>
+            <a:r>
+              <a:rPr b="0" lang="de-DE" sz="2000" spc="-1" strike="noStrike">
+                <a:latin typeface="Arial"/>
+              </a:rPr>
+              <a:t>Kleinere Packages → 2</a:t>
+            </a:r>
+            <a:endParaRPr b="0" lang="de-DE" sz="2000" spc="-1" strike="noStrike">
+              <a:latin typeface="Arial"/>
+            </a:endParaRPr>
+          </a:p>
+          <a:p>
+            <a:endParaRPr b="0" lang="de-DE" sz="2000" spc="-1" strike="noStrike">
+              <a:latin typeface="Arial"/>
+            </a:endParaRPr>
+          </a:p>
+          <a:p>
+            <a:r>
+              <a:rPr b="0" lang="de-DE" sz="2000" spc="-1" strike="noStrike">
+                <a:latin typeface="Arial"/>
+              </a:rPr>
+              <a:t>z.B. Igor viel Frontend → entlastet</a:t>
+            </a:r>
+            <a:endParaRPr b="0" lang="de-DE" sz="2000" spc="-1" strike="noStrike">
+              <a:latin typeface="Arial"/>
+            </a:endParaRPr>
+          </a:p>
+          <a:p>
+            <a:endParaRPr b="0" lang="de-DE" sz="2000" spc="-1" strike="noStrike">
+              <a:latin typeface="Arial"/>
+            </a:endParaRPr>
+          </a:p>
+          <a:p>
+            <a:r>
+              <a:rPr b="0" lang="de-DE" sz="2000" spc="-1" strike="noStrike">
+                <a:latin typeface="Arial"/>
+              </a:rPr>
+              <a:t>Testing hat jeder für sein Package gemacht</a:t>
             </a:r>
             <a:endParaRPr b="0" lang="de-DE" sz="2000" spc="-1" strike="noStrike">
               <a:latin typeface="Arial"/>
@@ -9926,7 +10136,7 @@
         <p:spPr>
           <a:xfrm>
             <a:off x="2681280" y="4651200"/>
-            <a:ext cx="3889800" cy="364680"/>
+            <a:ext cx="3889440" cy="364320"/>
           </a:xfrm>
           <a:prstGeom prst="rect">
             <a:avLst/>
@@ -10051,7 +10261,7 @@
         <p:spPr>
           <a:xfrm>
             <a:off x="6724800" y="4366800"/>
-            <a:ext cx="527400" cy="639000"/>
+            <a:ext cx="527040" cy="638640"/>
           </a:xfrm>
           <a:prstGeom prst="rect">
             <a:avLst/>
@@ -10086,7 +10296,7 @@
               </a:rPr>
               <a:t>Folie </a:t>
             </a:r>
-            <a:fld id="{062A07CC-FEE9-47BF-A97B-35733B45D08B}" type="slidenum">
+            <a:fld id="{C2155F9A-28DB-453C-AF11-8A7A4DD76A2B}" type="slidenum">
               <a:rPr b="0" lang="de-DE" sz="800" spc="-1" strike="noStrike">
                 <a:solidFill>
                   <a:srgbClr val="727879"/>
@@ -10125,7 +10335,7 @@
         <p:spPr>
           <a:xfrm>
             <a:off x="8230320" y="4752360"/>
-            <a:ext cx="576720" cy="261720"/>
+            <a:ext cx="576360" cy="261360"/>
           </a:xfrm>
           <a:prstGeom prst="rect">
             <a:avLst/>
@@ -10148,7 +10358,7 @@
         <p:spPr>
           <a:xfrm>
             <a:off x="379800" y="4752360"/>
-            <a:ext cx="835560" cy="242280"/>
+            <a:ext cx="835200" cy="241920"/>
           </a:xfrm>
           <a:prstGeom prst="rect">
             <a:avLst/>
@@ -10167,7 +10377,7 @@
         <p:spPr>
           <a:xfrm>
             <a:off x="0" y="769320"/>
-            <a:ext cx="9142920" cy="4373280"/>
+            <a:ext cx="9142560" cy="4372920"/>
           </a:xfrm>
           <a:prstGeom prst="rect">
             <a:avLst/>
@@ -10211,7 +10421,7 @@
         <p:spPr>
           <a:xfrm>
             <a:off x="0" y="769320"/>
-            <a:ext cx="9142920" cy="127440"/>
+            <a:ext cx="9142560" cy="127080"/>
           </a:xfrm>
           <a:prstGeom prst="rect">
             <a:avLst/>
@@ -10253,7 +10463,7 @@
         <p:spPr>
           <a:xfrm>
             <a:off x="8019720" y="246240"/>
-            <a:ext cx="912960" cy="414720"/>
+            <a:ext cx="912600" cy="414360"/>
           </a:xfrm>
           <a:prstGeom prst="rect">
             <a:avLst/>
@@ -10276,7 +10486,7 @@
         <p:spPr>
           <a:xfrm>
             <a:off x="217800" y="262440"/>
-            <a:ext cx="1322640" cy="383760"/>
+            <a:ext cx="1322280" cy="383400"/>
           </a:xfrm>
           <a:prstGeom prst="rect">
             <a:avLst/>
@@ -10553,7 +10763,7 @@
         <p:spPr>
           <a:xfrm>
             <a:off x="2664000" y="4627440"/>
-            <a:ext cx="3889800" cy="486360"/>
+            <a:ext cx="3889440" cy="486000"/>
           </a:xfrm>
           <a:prstGeom prst="rect">
             <a:avLst/>
@@ -10698,7 +10908,7 @@
         <p:spPr>
           <a:xfrm>
             <a:off x="6724800" y="4366800"/>
-            <a:ext cx="527400" cy="639000"/>
+            <a:ext cx="527040" cy="638640"/>
           </a:xfrm>
           <a:prstGeom prst="rect">
             <a:avLst/>
@@ -10733,7 +10943,7 @@
               </a:rPr>
               <a:t>Folie </a:t>
             </a:r>
-            <a:fld id="{25AF8B7F-F9C0-4F6E-8727-0F79BF511DEB}" type="slidenum">
+            <a:fld id="{51E2F518-1B2B-419C-8A58-1F30C923A093}" type="slidenum">
               <a:rPr b="0" lang="de-DE" sz="800" spc="-1" strike="noStrike">
                 <a:solidFill>
                   <a:srgbClr val="727879"/>
@@ -10741,7 +10951,7 @@
                 <a:latin typeface="Open Sans"/>
                 <a:ea typeface="Open Sans"/>
               </a:rPr>
-              <a:t>&lt;number&gt;</a:t>
+              <a:t>1</a:t>
             </a:fld>
             <a:endParaRPr b="0" lang="de-DE" sz="800" spc="-1" strike="noStrike">
               <a:latin typeface="Arial"/>
@@ -10772,7 +10982,7 @@
         <p:spPr>
           <a:xfrm>
             <a:off x="8230320" y="4752360"/>
-            <a:ext cx="576720" cy="261720"/>
+            <a:ext cx="576360" cy="261360"/>
           </a:xfrm>
           <a:prstGeom prst="rect">
             <a:avLst/>
@@ -10795,7 +11005,7 @@
         <p:spPr>
           <a:xfrm>
             <a:off x="379800" y="4752360"/>
-            <a:ext cx="835560" cy="242280"/>
+            <a:ext cx="835200" cy="241920"/>
           </a:xfrm>
           <a:prstGeom prst="rect">
             <a:avLst/>
@@ -11108,7 +11318,7 @@
         <p:spPr>
           <a:xfrm>
             <a:off x="6724800" y="4366800"/>
-            <a:ext cx="527400" cy="639000"/>
+            <a:ext cx="527040" cy="638640"/>
           </a:xfrm>
           <a:prstGeom prst="rect">
             <a:avLst/>
@@ -11143,7 +11353,7 @@
               </a:rPr>
               <a:t>Folie </a:t>
             </a:r>
-            <a:fld id="{9981B4DB-F5C0-4D85-A37D-B37FFFE535BB}" type="slidenum">
+            <a:fld id="{DA9B6672-A4CE-4F72-93C0-52F4DF8D1AFD}" type="slidenum">
               <a:rPr b="0" lang="de-DE" sz="800" spc="-1" strike="noStrike">
                 <a:solidFill>
                   <a:srgbClr val="727879"/>
@@ -11151,7 +11361,7 @@
                 <a:latin typeface="Open Sans"/>
                 <a:ea typeface="Open Sans"/>
               </a:rPr>
-              <a:t>&lt;number&gt;</a:t>
+              <a:t>1</a:t>
             </a:fld>
             <a:endParaRPr b="0" lang="de-DE" sz="800" spc="-1" strike="noStrike">
               <a:latin typeface="Arial"/>
@@ -11182,7 +11392,7 @@
         <p:spPr>
           <a:xfrm>
             <a:off x="8230320" y="4752360"/>
-            <a:ext cx="576720" cy="261720"/>
+            <a:ext cx="576360" cy="261360"/>
           </a:xfrm>
           <a:prstGeom prst="rect">
             <a:avLst/>
@@ -11205,7 +11415,7 @@
         <p:spPr>
           <a:xfrm>
             <a:off x="379800" y="4752360"/>
-            <a:ext cx="835560" cy="242280"/>
+            <a:ext cx="835200" cy="241920"/>
           </a:xfrm>
           <a:prstGeom prst="rect">
             <a:avLst/>
@@ -11224,7 +11434,7 @@
         <p:spPr>
           <a:xfrm>
             <a:off x="0" y="0"/>
-            <a:ext cx="9142920" cy="4595760"/>
+            <a:ext cx="9142560" cy="4595400"/>
           </a:xfrm>
           <a:prstGeom prst="rect">
             <a:avLst/>
@@ -11268,7 +11478,7 @@
         <p:spPr>
           <a:xfrm>
             <a:off x="2664000" y="4627440"/>
-            <a:ext cx="3889800" cy="486360"/>
+            <a:ext cx="3889440" cy="486000"/>
           </a:xfrm>
           <a:prstGeom prst="rect">
             <a:avLst/>
@@ -11635,7 +11845,7 @@
         <p:spPr>
           <a:xfrm>
             <a:off x="2664000" y="4627440"/>
-            <a:ext cx="3889800" cy="486360"/>
+            <a:ext cx="3889440" cy="486000"/>
           </a:xfrm>
           <a:prstGeom prst="rect">
             <a:avLst/>
@@ -11780,7 +11990,7 @@
         <p:spPr>
           <a:xfrm>
             <a:off x="6724800" y="4366800"/>
-            <a:ext cx="527400" cy="639000"/>
+            <a:ext cx="527040" cy="638640"/>
           </a:xfrm>
           <a:prstGeom prst="rect">
             <a:avLst/>
@@ -11815,7 +12025,7 @@
               </a:rPr>
               <a:t>Folie </a:t>
             </a:r>
-            <a:fld id="{861C29D3-C132-4AAB-92CD-F473EDE68E9E}" type="slidenum">
+            <a:fld id="{77621528-5C40-48A7-B8E2-DB2B3BF94FD6}" type="slidenum">
               <a:rPr b="0" lang="de-DE" sz="800" spc="-1" strike="noStrike">
                 <a:solidFill>
                   <a:srgbClr val="727879"/>
@@ -11823,7 +12033,7 @@
                 <a:latin typeface="Open Sans"/>
                 <a:ea typeface="Open Sans"/>
               </a:rPr>
-              <a:t>&lt;number&gt;</a:t>
+              <a:t>1</a:t>
             </a:fld>
             <a:endParaRPr b="0" lang="de-DE" sz="800" spc="-1" strike="noStrike">
               <a:latin typeface="Arial"/>
@@ -11854,7 +12064,7 @@
         <p:spPr>
           <a:xfrm>
             <a:off x="8230320" y="4752360"/>
-            <a:ext cx="576720" cy="261720"/>
+            <a:ext cx="576360" cy="261360"/>
           </a:xfrm>
           <a:prstGeom prst="rect">
             <a:avLst/>
@@ -11877,7 +12087,7 @@
         <p:spPr>
           <a:xfrm>
             <a:off x="379800" y="4752360"/>
-            <a:ext cx="835560" cy="242280"/>
+            <a:ext cx="835200" cy="241920"/>
           </a:xfrm>
           <a:prstGeom prst="rect">
             <a:avLst/>
@@ -12190,7 +12400,7 @@
         <p:spPr>
           <a:xfrm>
             <a:off x="6724800" y="4366800"/>
-            <a:ext cx="527400" cy="639000"/>
+            <a:ext cx="527040" cy="638640"/>
           </a:xfrm>
           <a:prstGeom prst="rect">
             <a:avLst/>
@@ -12225,7 +12435,7 @@
               </a:rPr>
               <a:t>Folie </a:t>
             </a:r>
-            <a:fld id="{486948BC-FEB2-4BAA-A792-AC4BFC3B7CA1}" type="slidenum">
+            <a:fld id="{C573173E-7950-4B3F-8F3F-58EBB1E18D56}" type="slidenum">
               <a:rPr b="0" lang="de-DE" sz="800" spc="-1" strike="noStrike">
                 <a:solidFill>
                   <a:srgbClr val="727879"/>
@@ -12233,7 +12443,7 @@
                 <a:latin typeface="Open Sans"/>
                 <a:ea typeface="Open Sans"/>
               </a:rPr>
-              <a:t>&lt;number&gt;</a:t>
+              <a:t>1</a:t>
             </a:fld>
             <a:endParaRPr b="0" lang="de-DE" sz="800" spc="-1" strike="noStrike">
               <a:latin typeface="Arial"/>
@@ -12264,7 +12474,7 @@
         <p:spPr>
           <a:xfrm>
             <a:off x="8230320" y="4752360"/>
-            <a:ext cx="576720" cy="261720"/>
+            <a:ext cx="576360" cy="261360"/>
           </a:xfrm>
           <a:prstGeom prst="rect">
             <a:avLst/>
@@ -12287,7 +12497,7 @@
         <p:spPr>
           <a:xfrm>
             <a:off x="379800" y="4752360"/>
-            <a:ext cx="835560" cy="242280"/>
+            <a:ext cx="835200" cy="241920"/>
           </a:xfrm>
           <a:prstGeom prst="rect">
             <a:avLst/>
@@ -12306,7 +12516,7 @@
         <p:spPr>
           <a:xfrm>
             <a:off x="0" y="0"/>
-            <a:ext cx="9142920" cy="4595760"/>
+            <a:ext cx="9142560" cy="4595400"/>
           </a:xfrm>
           <a:prstGeom prst="rect">
             <a:avLst/>
@@ -12350,7 +12560,7 @@
         <p:spPr>
           <a:xfrm>
             <a:off x="2664000" y="4627440"/>
-            <a:ext cx="3889800" cy="486360"/>
+            <a:ext cx="3889440" cy="486000"/>
           </a:xfrm>
           <a:prstGeom prst="rect">
             <a:avLst/>
@@ -12717,7 +12927,7 @@
         <p:spPr>
           <a:xfrm>
             <a:off x="2664000" y="4627440"/>
-            <a:ext cx="3889800" cy="486360"/>
+            <a:ext cx="3889440" cy="486000"/>
           </a:xfrm>
           <a:prstGeom prst="rect">
             <a:avLst/>
@@ -12862,7 +13072,7 @@
         <p:spPr>
           <a:xfrm>
             <a:off x="6724800" y="4366800"/>
-            <a:ext cx="527400" cy="639000"/>
+            <a:ext cx="527040" cy="638640"/>
           </a:xfrm>
           <a:prstGeom prst="rect">
             <a:avLst/>
@@ -12897,7 +13107,7 @@
               </a:rPr>
               <a:t>Folie </a:t>
             </a:r>
-            <a:fld id="{6FC662A2-F727-4FE4-9A79-788A02781973}" type="slidenum">
+            <a:fld id="{7DAD0A2F-73B7-49EB-86D0-1773B376614F}" type="slidenum">
               <a:rPr b="0" lang="de-DE" sz="800" spc="-1" strike="noStrike">
                 <a:solidFill>
                   <a:srgbClr val="727879"/>
@@ -12905,7 +13115,7 @@
                 <a:latin typeface="Open Sans"/>
                 <a:ea typeface="Open Sans"/>
               </a:rPr>
-              <a:t>&lt;number&gt;</a:t>
+              <a:t>1</a:t>
             </a:fld>
             <a:endParaRPr b="0" lang="de-DE" sz="800" spc="-1" strike="noStrike">
               <a:latin typeface="Arial"/>
@@ -12936,7 +13146,7 @@
         <p:spPr>
           <a:xfrm>
             <a:off x="8230320" y="4752360"/>
-            <a:ext cx="576720" cy="261720"/>
+            <a:ext cx="576360" cy="261360"/>
           </a:xfrm>
           <a:prstGeom prst="rect">
             <a:avLst/>
@@ -12959,7 +13169,7 @@
         <p:spPr>
           <a:xfrm>
             <a:off x="379800" y="4752360"/>
-            <a:ext cx="835560" cy="242280"/>
+            <a:ext cx="835200" cy="241920"/>
           </a:xfrm>
           <a:prstGeom prst="rect">
             <a:avLst/>
@@ -13236,7 +13446,7 @@
         <p:spPr>
           <a:xfrm>
             <a:off x="2664000" y="4627440"/>
-            <a:ext cx="3889800" cy="486360"/>
+            <a:ext cx="3889440" cy="486000"/>
           </a:xfrm>
           <a:prstGeom prst="rect">
             <a:avLst/>
@@ -13381,7 +13591,7 @@
         <p:spPr>
           <a:xfrm>
             <a:off x="6724800" y="4366800"/>
-            <a:ext cx="527400" cy="639000"/>
+            <a:ext cx="527040" cy="638640"/>
           </a:xfrm>
           <a:prstGeom prst="rect">
             <a:avLst/>
@@ -13416,7 +13626,7 @@
               </a:rPr>
               <a:t>Folie </a:t>
             </a:r>
-            <a:fld id="{6F604A08-EF9A-41F5-810E-F4F3E9C4CAE4}" type="slidenum">
+            <a:fld id="{4FAFE4FE-6332-4B3C-999F-D174706D7A47}" type="slidenum">
               <a:rPr b="0" lang="de-DE" sz="800" spc="-1" strike="noStrike">
                 <a:solidFill>
                   <a:srgbClr val="727879"/>
@@ -13424,7 +13634,7 @@
                 <a:latin typeface="Open Sans"/>
                 <a:ea typeface="Open Sans"/>
               </a:rPr>
-              <a:t>&lt;number&gt;</a:t>
+              <a:t>1</a:t>
             </a:fld>
             <a:endParaRPr b="0" lang="de-DE" sz="800" spc="-1" strike="noStrike">
               <a:latin typeface="Arial"/>
@@ -13455,7 +13665,7 @@
         <p:spPr>
           <a:xfrm>
             <a:off x="8230320" y="4752360"/>
-            <a:ext cx="576720" cy="261720"/>
+            <a:ext cx="576360" cy="261360"/>
           </a:xfrm>
           <a:prstGeom prst="rect">
             <a:avLst/>
@@ -13478,7 +13688,7 @@
         <p:spPr>
           <a:xfrm>
             <a:off x="379800" y="4752360"/>
-            <a:ext cx="835560" cy="242280"/>
+            <a:ext cx="835200" cy="241920"/>
           </a:xfrm>
           <a:prstGeom prst="rect">
             <a:avLst/>
@@ -13748,7 +13958,7 @@
         <p:spPr>
           <a:xfrm>
             <a:off x="655920" y="3651840"/>
-            <a:ext cx="7828200" cy="1078920"/>
+            <a:ext cx="7827840" cy="1078560"/>
           </a:xfrm>
           <a:prstGeom prst="rect">
             <a:avLst/>
@@ -13813,7 +14023,7 @@
         <p:spPr>
           <a:xfrm>
             <a:off x="655920" y="1815480"/>
-            <a:ext cx="7828200" cy="620280"/>
+            <a:ext cx="7827840" cy="619920"/>
           </a:xfrm>
           <a:prstGeom prst="rect">
             <a:avLst/>
@@ -13882,7 +14092,7 @@
         <p:spPr>
           <a:xfrm>
             <a:off x="655920" y="2544120"/>
-            <a:ext cx="7828200" cy="727920"/>
+            <a:ext cx="7827840" cy="727560"/>
           </a:xfrm>
           <a:prstGeom prst="rect">
             <a:avLst/>
@@ -13988,7 +14198,7 @@
         <p:spPr>
           <a:xfrm>
             <a:off x="655920" y="2540520"/>
-            <a:ext cx="7934400" cy="897840"/>
+            <a:ext cx="7934040" cy="897480"/>
           </a:xfrm>
           <a:prstGeom prst="rect">
             <a:avLst/>
@@ -14114,7 +14324,7 @@
         <p:spPr>
           <a:xfrm>
             <a:off x="655920" y="259560"/>
-            <a:ext cx="7934400" cy="511920"/>
+            <a:ext cx="7934040" cy="511560"/>
           </a:xfrm>
           <a:prstGeom prst="rect">
             <a:avLst/>
@@ -14163,7 +14373,7 @@
         <p:spPr>
           <a:xfrm>
             <a:off x="576000" y="521280"/>
-            <a:ext cx="7847640" cy="2558520"/>
+            <a:ext cx="7847280" cy="2558160"/>
           </a:xfrm>
           <a:prstGeom prst="rect">
             <a:avLst/>
@@ -14189,7 +14399,11 @@
             </a:pPr>
             <a:r>
               <a:rPr b="0" lang="de-DE" sz="1800" spc="-1" strike="noStrike">
+                <a:solidFill>
+                  <a:srgbClr val="000000"/>
+                </a:solidFill>
                 <a:latin typeface="Arial"/>
+                <a:ea typeface="DejaVu Sans"/>
               </a:rPr>
               <a:t>- Login/Logout Händler springt nicht auf Aktionen an</a:t>
             </a:r>
@@ -14205,19 +14419,31 @@
             </a:pPr>
             <a:r>
               <a:rPr b="0" lang="de-DE" sz="1800" spc="-1" strike="noStrike">
+                <a:solidFill>
+                  <a:srgbClr val="000000"/>
+                </a:solidFill>
                 <a:latin typeface="Arial"/>
+                <a:ea typeface="DejaVu Sans"/>
               </a:rPr>
               <a:t>	</a:t>
             </a:r>
             <a:r>
               <a:rPr b="0" lang="de-DE" sz="1800" spc="-1" strike="noStrike">
+                <a:solidFill>
+                  <a:srgbClr val="000000"/>
+                </a:solidFill>
                 <a:latin typeface="Arial"/>
+                <a:ea typeface="DejaVu Sans"/>
               </a:rPr>
               <a:t>→ </a:t>
             </a:r>
             <a:r>
               <a:rPr b="0" lang="de-DE" sz="1800" spc="-1" strike="noStrike">
+                <a:solidFill>
+                  <a:srgbClr val="000000"/>
+                </a:solidFill>
                 <a:latin typeface="Arial"/>
+                <a:ea typeface="DejaVu Sans"/>
               </a:rPr>
               <a:t>Lösung mit SessionRegistry</a:t>
             </a:r>
@@ -14233,7 +14459,11 @@
             </a:pPr>
             <a:r>
               <a:rPr b="0" lang="de-DE" sz="1800" spc="-1" strike="noStrike">
+                <a:solidFill>
+                  <a:srgbClr val="000000"/>
+                </a:solidFill>
                 <a:latin typeface="Arial"/>
+                <a:ea typeface="DejaVu Sans"/>
               </a:rPr>
               <a:t>- Wie werden Messages gespeichert?</a:t>
             </a:r>
@@ -14249,19 +14479,31 @@
             </a:pPr>
             <a:r>
               <a:rPr b="0" lang="de-DE" sz="1800" spc="-1" strike="noStrike">
+                <a:solidFill>
+                  <a:srgbClr val="000000"/>
+                </a:solidFill>
                 <a:latin typeface="Arial"/>
+                <a:ea typeface="DejaVu Sans"/>
               </a:rPr>
               <a:t>	</a:t>
             </a:r>
             <a:r>
               <a:rPr b="0" lang="de-DE" sz="1800" spc="-1" strike="noStrike">
+                <a:solidFill>
+                  <a:srgbClr val="000000"/>
+                </a:solidFill>
                 <a:latin typeface="Arial"/>
+                <a:ea typeface="DejaVu Sans"/>
               </a:rPr>
               <a:t>→ </a:t>
             </a:r>
             <a:r>
               <a:rPr b="0" lang="de-DE" sz="1800" spc="-1" strike="noStrike">
+                <a:solidFill>
+                  <a:srgbClr val="000000"/>
+                </a:solidFill>
                 <a:latin typeface="Arial"/>
+                <a:ea typeface="DejaVu Sans"/>
               </a:rPr>
               <a:t>Listener Design Pattern</a:t>
             </a:r>
@@ -14277,7 +14519,11 @@
             </a:pPr>
             <a:r>
               <a:rPr b="0" lang="de-DE" sz="1800" spc="-1" strike="noStrike">
+                <a:solidFill>
+                  <a:srgbClr val="000000"/>
+                </a:solidFill>
                 <a:latin typeface="Arial"/>
+                <a:ea typeface="DejaVu Sans"/>
               </a:rPr>
               <a:t>- Drucken der Tickets als PDF? </a:t>
             </a:r>
@@ -14293,19 +14539,31 @@
             </a:pPr>
             <a:r>
               <a:rPr b="0" lang="de-DE" sz="1800" spc="-1" strike="noStrike">
+                <a:solidFill>
+                  <a:srgbClr val="000000"/>
+                </a:solidFill>
                 <a:latin typeface="Arial"/>
+                <a:ea typeface="DejaVu Sans"/>
               </a:rPr>
               <a:t>	</a:t>
             </a:r>
             <a:r>
               <a:rPr b="0" lang="de-DE" sz="1800" spc="-1" strike="noStrike">
+                <a:solidFill>
+                  <a:srgbClr val="000000"/>
+                </a:solidFill>
                 <a:latin typeface="Arial"/>
+                <a:ea typeface="DejaVu Sans"/>
               </a:rPr>
               <a:t>→ </a:t>
             </a:r>
             <a:r>
               <a:rPr b="0" lang="de-DE" sz="1800" spc="-1" strike="noStrike">
+                <a:solidFill>
+                  <a:srgbClr val="000000"/>
+                </a:solidFill>
                 <a:latin typeface="Arial"/>
+                <a:ea typeface="DejaVu Sans"/>
               </a:rPr>
               <a:t>Probleme mit iText, HTML-print()</a:t>
             </a:r>
@@ -14381,7 +14639,7 @@
         <p:spPr>
           <a:xfrm>
             <a:off x="655920" y="259560"/>
-            <a:ext cx="7934400" cy="511920"/>
+            <a:ext cx="7934040" cy="511560"/>
           </a:xfrm>
           <a:prstGeom prst="rect">
             <a:avLst/>
@@ -14430,7 +14688,7 @@
         <p:spPr>
           <a:xfrm>
             <a:off x="576000" y="521280"/>
-            <a:ext cx="7847640" cy="2147760"/>
+            <a:ext cx="7847280" cy="2147400"/>
           </a:xfrm>
           <a:prstGeom prst="rect">
             <a:avLst/>
@@ -14456,7 +14714,11 @@
             </a:pPr>
             <a:r>
               <a:rPr b="0" lang="de-DE" sz="1800" spc="-1" strike="noStrike">
+                <a:solidFill>
+                  <a:srgbClr val="000000"/>
+                </a:solidFill>
                 <a:latin typeface="Arial"/>
+                <a:ea typeface="DejaVu Sans"/>
               </a:rPr>
               <a:t>- Contracts und Tickets festivalspezifisch anlegen ging mit der anfänglichen Struktur nicht </a:t>
             </a:r>
@@ -14472,19 +14734,31 @@
             </a:pPr>
             <a:r>
               <a:rPr b="0" lang="de-DE" sz="1800" spc="-1" strike="noStrike">
+                <a:solidFill>
+                  <a:srgbClr val="000000"/>
+                </a:solidFill>
                 <a:latin typeface="Arial"/>
+                <a:ea typeface="DejaVu Sans"/>
               </a:rPr>
               <a:t>	</a:t>
             </a:r>
             <a:r>
               <a:rPr b="0" lang="de-DE" sz="1800" spc="-1" strike="noStrike">
+                <a:solidFill>
+                  <a:srgbClr val="000000"/>
+                </a:solidFill>
                 <a:latin typeface="Arial"/>
+                <a:ea typeface="DejaVu Sans"/>
               </a:rPr>
               <a:t>→ </a:t>
             </a:r>
             <a:r>
               <a:rPr b="0" lang="de-DE" sz="1800" spc="-1" strike="noStrike">
+                <a:solidFill>
+                  <a:srgbClr val="000000"/>
+                </a:solidFill>
                 <a:latin typeface="Arial"/>
+                <a:ea typeface="DejaVu Sans"/>
               </a:rPr>
               <a:t>umstrukturieren der Packages nötig</a:t>
             </a:r>
@@ -14500,7 +14774,11 @@
             </a:pPr>
             <a:r>
               <a:rPr b="0" lang="de-DE" sz="1800" spc="-1" strike="noStrike">
+                <a:solidFill>
+                  <a:srgbClr val="000000"/>
+                </a:solidFill>
                 <a:latin typeface="Arial"/>
+                <a:ea typeface="DejaVu Sans"/>
               </a:rPr>
               <a:t>- ursprünglicher Entwurf nicht ausreichend </a:t>
             </a:r>
@@ -14516,19 +14794,31 @@
             </a:pPr>
             <a:r>
               <a:rPr b="0" lang="de-DE" sz="1800" spc="-1" strike="noStrike">
+                <a:solidFill>
+                  <a:srgbClr val="000000"/>
+                </a:solidFill>
                 <a:latin typeface="Arial"/>
+                <a:ea typeface="DejaVu Sans"/>
               </a:rPr>
               <a:t>	</a:t>
             </a:r>
             <a:r>
               <a:rPr b="0" lang="de-DE" sz="1800" spc="-1" strike="noStrike">
+                <a:solidFill>
+                  <a:srgbClr val="000000"/>
+                </a:solidFill>
                 <a:latin typeface="Arial"/>
+                <a:ea typeface="DejaVu Sans"/>
               </a:rPr>
               <a:t>→ </a:t>
             </a:r>
             <a:r>
               <a:rPr b="0" lang="de-DE" sz="1800" spc="-1" strike="noStrike">
+                <a:solidFill>
+                  <a:srgbClr val="000000"/>
+                </a:solidFill>
                 <a:latin typeface="Arial"/>
+                <a:ea typeface="DejaVu Sans"/>
               </a:rPr>
               <a:t>Umfang ausgebaut basierend </a:t>
             </a:r>
@@ -14604,7 +14894,7 @@
         <p:spPr>
           <a:xfrm>
             <a:off x="655920" y="259560"/>
-            <a:ext cx="7934400" cy="511920"/>
+            <a:ext cx="7934040" cy="511560"/>
           </a:xfrm>
           <a:prstGeom prst="rect">
             <a:avLst/>
@@ -14653,7 +14943,7 @@
         <p:spPr>
           <a:xfrm>
             <a:off x="720000" y="771840"/>
-            <a:ext cx="7847640" cy="1732320"/>
+            <a:ext cx="7847280" cy="1731960"/>
           </a:xfrm>
           <a:prstGeom prst="rect">
             <a:avLst/>
@@ -14674,104 +14964,240 @@
           <a:p>
             <a:pPr>
               <a:lnSpc>
-                <a:spcPct val="100000"/>
-              </a:lnSpc>
-            </a:pPr>
-            <a:endParaRPr b="0" lang="de-DE" sz="1200" spc="-1" strike="noStrike">
-              <a:latin typeface="Arial"/>
-            </a:endParaRPr>
-          </a:p>
-          <a:p>
-            <a:pPr>
-              <a:lnSpc>
-                <a:spcPct val="100000"/>
-              </a:lnSpc>
-            </a:pPr>
-            <a:endParaRPr b="0" lang="de-DE" sz="1200" spc="-1" strike="noStrike">
-              <a:latin typeface="Arial"/>
-            </a:endParaRPr>
-          </a:p>
-          <a:p>
-            <a:pPr>
-              <a:lnSpc>
-                <a:spcPct val="100000"/>
-              </a:lnSpc>
-            </a:pPr>
-            <a:endParaRPr b="0" lang="de-DE" sz="1200" spc="-1" strike="noStrike">
-              <a:latin typeface="Arial"/>
-            </a:endParaRPr>
-          </a:p>
-          <a:p>
-            <a:pPr>
-              <a:lnSpc>
-                <a:spcPct val="100000"/>
+                <a:spcPct val="150000"/>
               </a:lnSpc>
             </a:pPr>
             <a:r>
-              <a:rPr b="0" lang="de-DE" sz="1200" spc="-1" strike="noStrike">
+              <a:rPr b="0" lang="de-DE" sz="1800" spc="-1" strike="noStrike">
+                <a:solidFill>
+                  <a:srgbClr val="000000"/>
+                </a:solidFill>
                 <a:latin typeface="Arial"/>
+                <a:ea typeface="DejaVu Sans"/>
               </a:rPr>
-              <a:t>- allgemein großer Aufgabenumfang → immer ein bisschen spät dran</a:t>
+              <a:t>- allgemein großer Aufgabenumfang</a:t>
             </a:r>
-            <a:endParaRPr b="0" lang="de-DE" sz="1200" spc="-1" strike="noStrike">
+            <a:endParaRPr b="0" lang="de-DE" sz="1800" spc="-1" strike="noStrike">
               <a:latin typeface="Arial"/>
             </a:endParaRPr>
           </a:p>
           <a:p>
             <a:pPr>
               <a:lnSpc>
-                <a:spcPct val="100000"/>
+                <a:spcPct val="150000"/>
               </a:lnSpc>
             </a:pPr>
             <a:r>
-              <a:rPr b="0" lang="de-DE" sz="1200" spc="-1" strike="noStrike">
+              <a:rPr b="0" lang="de-DE" sz="1800" spc="-1" strike="noStrike">
+                <a:solidFill>
+                  <a:srgbClr val="000000"/>
+                </a:solidFill>
                 <a:latin typeface="Arial"/>
+                <a:ea typeface="DejaVu Sans"/>
               </a:rPr>
-              <a:t>- Probleme mit Fehlermeldungen → viele mögliche Quellen, Thymeleaf und Hibernate, Datenbankenabhängigkeiten</a:t>
+              <a:t>	</a:t>
             </a:r>
-            <a:endParaRPr b="0" lang="de-DE" sz="1200" spc="-1" strike="noStrike">
+            <a:r>
+              <a:rPr b="0" lang="de-DE" sz="1800" spc="-1" strike="noStrike">
+                <a:solidFill>
+                  <a:srgbClr val="000000"/>
+                </a:solidFill>
+                <a:latin typeface="Arial"/>
+                <a:ea typeface="DejaVu Sans"/>
+              </a:rPr>
+              <a:t>→ </a:t>
+            </a:r>
+            <a:r>
+              <a:rPr b="0" lang="de-DE" sz="1800" spc="-1" strike="noStrike">
+                <a:solidFill>
+                  <a:srgbClr val="000000"/>
+                </a:solidFill>
+                <a:latin typeface="Arial"/>
+                <a:ea typeface="DejaVu Sans"/>
+              </a:rPr>
+              <a:t>immer ein bisschen spät dran</a:t>
+            </a:r>
+            <a:endParaRPr b="0" lang="de-DE" sz="1800" spc="-1" strike="noStrike">
               <a:latin typeface="Arial"/>
             </a:endParaRPr>
           </a:p>
           <a:p>
             <a:pPr>
               <a:lnSpc>
-                <a:spcPct val="100000"/>
+                <a:spcPct val="150000"/>
               </a:lnSpc>
             </a:pPr>
             <a:r>
-              <a:rPr b="0" lang="de-DE" sz="1200" spc="-1" strike="noStrike">
+              <a:rPr b="0" lang="de-DE" sz="1800" spc="-1" strike="noStrike">
+                <a:solidFill>
+                  <a:srgbClr val="000000"/>
+                </a:solidFill>
                 <a:latin typeface="Arial"/>
+                <a:ea typeface="DejaVu Sans"/>
+              </a:rPr>
+              <a:t>- Probleme mit Fehlermeldungen</a:t>
+            </a:r>
+            <a:endParaRPr b="0" lang="de-DE" sz="1800" spc="-1" strike="noStrike">
+              <a:latin typeface="Arial"/>
+            </a:endParaRPr>
+          </a:p>
+          <a:p>
+            <a:pPr>
+              <a:lnSpc>
+                <a:spcPct val="150000"/>
+              </a:lnSpc>
+            </a:pPr>
+            <a:r>
+              <a:rPr b="0" lang="de-DE" sz="1800" spc="-1" strike="noStrike">
+                <a:solidFill>
+                  <a:srgbClr val="000000"/>
+                </a:solidFill>
+                <a:latin typeface="Arial"/>
+                <a:ea typeface="DejaVu Sans"/>
+              </a:rPr>
+              <a:t>	</a:t>
+            </a:r>
+            <a:r>
+              <a:rPr b="0" lang="de-DE" sz="1800" spc="-1" strike="noStrike">
+                <a:solidFill>
+                  <a:srgbClr val="000000"/>
+                </a:solidFill>
+                <a:latin typeface="Arial"/>
+                <a:ea typeface="DejaVu Sans"/>
+              </a:rPr>
+              <a:t>→ </a:t>
+            </a:r>
+            <a:r>
+              <a:rPr b="0" lang="de-DE" sz="1800" spc="-1" strike="noStrike">
+                <a:solidFill>
+                  <a:srgbClr val="000000"/>
+                </a:solidFill>
+                <a:latin typeface="Arial"/>
+                <a:ea typeface="DejaVu Sans"/>
+              </a:rPr>
+              <a:t>viele mögliche Quellen, Thymeleaf und Hibernate, </a:t>
+            </a:r>
+            <a:r>
+              <a:rPr b="0" lang="de-DE" sz="1800" spc="-1" strike="noStrike">
+                <a:solidFill>
+                  <a:srgbClr val="000000"/>
+                </a:solidFill>
+                <a:latin typeface="Arial"/>
+                <a:ea typeface="DejaVu Sans"/>
+              </a:rPr>
+              <a:t>	</a:t>
+            </a:r>
+            <a:r>
+              <a:rPr b="0" lang="de-DE" sz="1800" spc="-1" strike="noStrike">
+                <a:solidFill>
+                  <a:srgbClr val="000000"/>
+                </a:solidFill>
+                <a:latin typeface="Arial"/>
+                <a:ea typeface="DejaVu Sans"/>
+              </a:rPr>
+              <a:t>	</a:t>
+            </a:r>
+            <a:r>
+              <a:rPr b="0" lang="de-DE" sz="1800" spc="-1" strike="noStrike">
+                <a:solidFill>
+                  <a:srgbClr val="000000"/>
+                </a:solidFill>
+                <a:latin typeface="Arial"/>
+                <a:ea typeface="DejaVu Sans"/>
+              </a:rPr>
+              <a:t>	</a:t>
+            </a:r>
+            <a:r>
+              <a:rPr b="0" lang="de-DE" sz="1800" spc="-1" strike="noStrike">
+                <a:solidFill>
+                  <a:srgbClr val="000000"/>
+                </a:solidFill>
+                <a:latin typeface="Arial"/>
+                <a:ea typeface="DejaVu Sans"/>
+              </a:rPr>
+              <a:t>	</a:t>
+            </a:r>
+            <a:r>
+              <a:rPr b="0" lang="de-DE" sz="1800" spc="-1" strike="noStrike">
+                <a:solidFill>
+                  <a:srgbClr val="000000"/>
+                </a:solidFill>
+                <a:latin typeface="Arial"/>
+                <a:ea typeface="DejaVu Sans"/>
+              </a:rPr>
+              <a:t>	</a:t>
+            </a:r>
+            <a:r>
+              <a:rPr b="0" lang="de-DE" sz="1800" spc="-1" strike="noStrike">
+                <a:solidFill>
+                  <a:srgbClr val="000000"/>
+                </a:solidFill>
+                <a:latin typeface="Arial"/>
+                <a:ea typeface="DejaVu Sans"/>
+              </a:rPr>
+              <a:t>	</a:t>
+            </a:r>
+            <a:r>
+              <a:rPr b="0" lang="de-DE" sz="1800" spc="-1" strike="noStrike">
+                <a:solidFill>
+                  <a:srgbClr val="000000"/>
+                </a:solidFill>
+                <a:latin typeface="Arial"/>
+                <a:ea typeface="DejaVu Sans"/>
+              </a:rPr>
+              <a:t>     Datenbankenabhängigkeiten</a:t>
+            </a:r>
+            <a:endParaRPr b="0" lang="de-DE" sz="1800" spc="-1" strike="noStrike">
+              <a:latin typeface="Arial"/>
+            </a:endParaRPr>
+          </a:p>
+          <a:p>
+            <a:pPr>
+              <a:lnSpc>
+                <a:spcPct val="150000"/>
+              </a:lnSpc>
+            </a:pPr>
+            <a:r>
+              <a:rPr b="0" lang="de-DE" sz="1800" spc="-1" strike="noStrike">
+                <a:solidFill>
+                  <a:srgbClr val="000000"/>
+                </a:solidFill>
+                <a:latin typeface="Arial"/>
+                <a:ea typeface="DejaVu Sans"/>
               </a:rPr>
               <a:t>- Überblick zu behalten (z.B. sehr verschachtelte Zusammenhänge)</a:t>
             </a:r>
-            <a:endParaRPr b="0" lang="de-DE" sz="1200" spc="-1" strike="noStrike">
+            <a:endParaRPr b="0" lang="de-DE" sz="1800" spc="-1" strike="noStrike">
               <a:latin typeface="Arial"/>
             </a:endParaRPr>
           </a:p>
           <a:p>
             <a:pPr>
               <a:lnSpc>
-                <a:spcPct val="100000"/>
+                <a:spcPct val="150000"/>
               </a:lnSpc>
             </a:pPr>
             <a:r>
-              <a:rPr b="0" lang="de-DE" sz="1200" spc="-1" strike="noStrike">
+              <a:rPr b="0" lang="de-DE" sz="1800" spc="-1" strike="noStrike">
+                <a:solidFill>
+                  <a:srgbClr val="000000"/>
+                </a:solidFill>
                 <a:latin typeface="Arial"/>
+                <a:ea typeface="DejaVu Sans"/>
               </a:rPr>
               <a:t>- Einarbeitung in viele Frameworks</a:t>
             </a:r>
-            <a:endParaRPr b="0" lang="de-DE" sz="1200" spc="-1" strike="noStrike">
+            <a:endParaRPr b="0" lang="de-DE" sz="1800" spc="-1" strike="noStrike">
               <a:latin typeface="Arial"/>
             </a:endParaRPr>
           </a:p>
           <a:p>
             <a:pPr>
               <a:lnSpc>
-                <a:spcPct val="100000"/>
+                <a:spcPct val="150000"/>
               </a:lnSpc>
             </a:pPr>
-            <a:endParaRPr b="0" lang="de-DE" sz="1200" spc="-1" strike="noStrike">
+            <a:endParaRPr b="0" lang="de-DE" sz="1800" spc="-1" strike="noStrike">
               <a:latin typeface="Arial"/>
             </a:endParaRPr>
           </a:p>
@@ -14843,7 +15269,7 @@
         <p:spPr>
           <a:xfrm>
             <a:off x="655920" y="259560"/>
-            <a:ext cx="7934400" cy="511920"/>
+            <a:ext cx="7934040" cy="511560"/>
           </a:xfrm>
           <a:prstGeom prst="rect">
             <a:avLst/>
@@ -14892,7 +15318,7 @@
         <p:spPr>
           <a:xfrm>
             <a:off x="720000" y="771840"/>
-            <a:ext cx="7847640" cy="1002240"/>
+            <a:ext cx="7847280" cy="1001880"/>
           </a:xfrm>
           <a:prstGeom prst="rect">
             <a:avLst/>
@@ -14913,68 +15339,130 @@
           <a:p>
             <a:pPr>
               <a:lnSpc>
-                <a:spcPct val="100000"/>
+                <a:spcPct val="150000"/>
               </a:lnSpc>
             </a:pPr>
-            <a:endParaRPr b="0" lang="de-DE" sz="1200" spc="-1" strike="noStrike">
+            <a:endParaRPr b="0" lang="de-DE" sz="1800" spc="-1" strike="noStrike">
               <a:latin typeface="Arial"/>
             </a:endParaRPr>
           </a:p>
           <a:p>
             <a:pPr>
               <a:lnSpc>
-                <a:spcPct val="100000"/>
+                <a:spcPct val="150000"/>
               </a:lnSpc>
             </a:pPr>
             <a:r>
-              <a:rPr b="0" lang="de-DE" sz="1200" spc="-1" strike="noStrike">
+              <a:rPr b="0" lang="de-DE" sz="1800" spc="-1" strike="noStrike">
+                <a:solidFill>
+                  <a:srgbClr val="000000"/>
+                </a:solidFill>
                 <a:latin typeface="Arial"/>
+                <a:ea typeface="DejaVu Sans"/>
               </a:rPr>
-              <a:t>- zum Glück: gutes Teamwork, einander geholfen und Aufgaben abgenommen</a:t>
+              <a:t>- gutes Teamwork, einander geholfen und Aufgaben abgenommen</a:t>
             </a:r>
-            <a:endParaRPr b="0" lang="de-DE" sz="1200" spc="-1" strike="noStrike">
+            <a:endParaRPr b="0" lang="de-DE" sz="1800" spc="-1" strike="noStrike">
               <a:latin typeface="Arial"/>
             </a:endParaRPr>
           </a:p>
           <a:p>
             <a:pPr>
               <a:lnSpc>
-                <a:spcPct val="100000"/>
+                <a:spcPct val="150000"/>
               </a:lnSpc>
             </a:pPr>
             <a:r>
-              <a:rPr b="0" lang="de-DE" sz="1200" spc="-1" strike="noStrike">
+              <a:rPr b="0" lang="de-DE" sz="1800" spc="-1" strike="noStrike">
+                <a:solidFill>
+                  <a:srgbClr val="000000"/>
+                </a:solidFill>
                 <a:latin typeface="Arial"/>
+                <a:ea typeface="DejaVu Sans"/>
               </a:rPr>
-              <a:t>- Jenkins und Sonarqube → Analyse und Testdurchführung leichter</a:t>
+              <a:t>- schnelle Kommunikation mit Team und Tutor</a:t>
             </a:r>
-            <a:endParaRPr b="0" lang="de-DE" sz="1200" spc="-1" strike="noStrike">
+            <a:endParaRPr b="0" lang="de-DE" sz="1800" spc="-1" strike="noStrike">
               <a:latin typeface="Arial"/>
             </a:endParaRPr>
           </a:p>
           <a:p>
             <a:pPr>
               <a:lnSpc>
-                <a:spcPct val="100000"/>
+                <a:spcPct val="150000"/>
               </a:lnSpc>
             </a:pPr>
             <a:r>
-              <a:rPr b="0" lang="de-DE" sz="1200" spc="-1" strike="noStrike">
+              <a:rPr b="0" lang="de-DE" sz="1800" spc="-1" strike="noStrike">
+                <a:solidFill>
+                  <a:srgbClr val="000000"/>
+                </a:solidFill>
                 <a:latin typeface="Arial"/>
+                <a:ea typeface="DejaVu Sans"/>
               </a:rPr>
-              <a:t>- </a:t>
+              <a:t>- Jenkins und Sonarqube </a:t>
             </a:r>
-            <a:endParaRPr b="0" lang="de-DE" sz="1200" spc="-1" strike="noStrike">
+            <a:endParaRPr b="0" lang="de-DE" sz="1800" spc="-1" strike="noStrike">
               <a:latin typeface="Arial"/>
             </a:endParaRPr>
           </a:p>
           <a:p>
             <a:pPr>
               <a:lnSpc>
-                <a:spcPct val="100000"/>
+                <a:spcPct val="150000"/>
               </a:lnSpc>
             </a:pPr>
-            <a:endParaRPr b="0" lang="de-DE" sz="1200" spc="-1" strike="noStrike">
+            <a:r>
+              <a:rPr b="0" lang="de-DE" sz="1800" spc="-1" strike="noStrike">
+                <a:solidFill>
+                  <a:srgbClr val="000000"/>
+                </a:solidFill>
+                <a:latin typeface="Arial"/>
+                <a:ea typeface="DejaVu Sans"/>
+              </a:rPr>
+              <a:t>	</a:t>
+            </a:r>
+            <a:r>
+              <a:rPr b="0" lang="de-DE" sz="1800" spc="-1" strike="noStrike">
+                <a:solidFill>
+                  <a:srgbClr val="000000"/>
+                </a:solidFill>
+                <a:latin typeface="Arial"/>
+                <a:ea typeface="DejaVu Sans"/>
+              </a:rPr>
+              <a:t>→ </a:t>
+            </a:r>
+            <a:r>
+              <a:rPr b="0" lang="de-DE" sz="1800" spc="-1" strike="noStrike">
+                <a:solidFill>
+                  <a:srgbClr val="000000"/>
+                </a:solidFill>
+                <a:latin typeface="Arial"/>
+                <a:ea typeface="DejaVu Sans"/>
+              </a:rPr>
+              <a:t>Analyse und Testdurchführung leichter</a:t>
+            </a:r>
+            <a:endParaRPr b="0" lang="de-DE" sz="1800" spc="-1" strike="noStrike">
+              <a:latin typeface="Arial"/>
+            </a:endParaRPr>
+          </a:p>
+          <a:p>
+            <a:pPr>
+              <a:lnSpc>
+                <a:spcPct val="150000"/>
+              </a:lnSpc>
+            </a:pPr>
+            <a:endParaRPr b="0" lang="de-DE" sz="1800" spc="-1" strike="noStrike">
+              <a:latin typeface="Arial"/>
+            </a:endParaRPr>
+          </a:p>
+          <a:p>
+            <a:pPr>
+              <a:lnSpc>
+                <a:spcPct val="150000"/>
+              </a:lnSpc>
+            </a:pPr>
+            <a:endParaRPr b="0" lang="de-DE" sz="1800" spc="-1" strike="noStrike">
               <a:latin typeface="Arial"/>
             </a:endParaRPr>
           </a:p>
@@ -15046,7 +15534,7 @@
         <p:spPr>
           <a:xfrm>
             <a:off x="655920" y="2540520"/>
-            <a:ext cx="7934400" cy="897840"/>
+            <a:ext cx="7934040" cy="897480"/>
           </a:xfrm>
           <a:prstGeom prst="rect">
             <a:avLst/>
@@ -15152,7 +15640,7 @@
         <p:spPr>
           <a:xfrm>
             <a:off x="655920" y="259560"/>
-            <a:ext cx="7934400" cy="511920"/>
+            <a:ext cx="7934040" cy="511560"/>
           </a:xfrm>
           <a:prstGeom prst="rect">
             <a:avLst/>
@@ -15201,7 +15689,7 @@
         <p:spPr>
           <a:xfrm>
             <a:off x="655920" y="1113120"/>
-            <a:ext cx="7934400" cy="3257640"/>
+            <a:ext cx="7934040" cy="3257280"/>
           </a:xfrm>
           <a:prstGeom prst="rect">
             <a:avLst/>
@@ -15220,13 +15708,18 @@
         <p:txBody>
           <a:bodyPr lIns="0" rIns="0" tIns="0" bIns="0"/>
           <a:p>
-            <a:pPr>
+            <a:pPr marL="216000" indent="-216000">
               <a:lnSpc>
                 <a:spcPct val="100000"/>
               </a:lnSpc>
               <a:spcBef>
                 <a:spcPts val="1199"/>
               </a:spcBef>
+              <a:buClr>
+                <a:srgbClr val="00305e"/>
+              </a:buClr>
+              <a:buFont typeface="Wingdings" charset="2"/>
+              <a:buChar char=""/>
             </a:pPr>
             <a:r>
               <a:rPr b="0" lang="de-DE" sz="1600" spc="-1" strike="noStrike">
@@ -15243,13 +15736,18 @@
             </a:endParaRPr>
           </a:p>
           <a:p>
-            <a:pPr>
+            <a:pPr marL="216000" indent="-216000">
               <a:lnSpc>
                 <a:spcPct val="100000"/>
               </a:lnSpc>
               <a:spcBef>
                 <a:spcPts val="1199"/>
               </a:spcBef>
+              <a:buClr>
+                <a:srgbClr val="00305e"/>
+              </a:buClr>
+              <a:buFont typeface="Wingdings" charset="2"/>
+              <a:buChar char=""/>
             </a:pPr>
             <a:r>
               <a:rPr b="0" lang="de-DE" sz="1600" spc="-1" strike="noStrike">
@@ -15266,13 +15764,18 @@
             </a:endParaRPr>
           </a:p>
           <a:p>
-            <a:pPr>
+            <a:pPr marL="216000" indent="-216000">
               <a:lnSpc>
                 <a:spcPct val="100000"/>
               </a:lnSpc>
               <a:spcBef>
                 <a:spcPts val="1199"/>
               </a:spcBef>
+              <a:buClr>
+                <a:srgbClr val="00305e"/>
+              </a:buClr>
+              <a:buFont typeface="Wingdings" charset="2"/>
+              <a:buChar char=""/>
             </a:pPr>
             <a:r>
               <a:rPr b="0" lang="de-DE" sz="1600" spc="-1" strike="noStrike">
@@ -15289,13 +15792,18 @@
             </a:endParaRPr>
           </a:p>
           <a:p>
-            <a:pPr>
+            <a:pPr marL="216000" indent="-216000">
               <a:lnSpc>
                 <a:spcPct val="100000"/>
               </a:lnSpc>
               <a:spcBef>
                 <a:spcPts val="1199"/>
               </a:spcBef>
+              <a:buClr>
+                <a:srgbClr val="00305e"/>
+              </a:buClr>
+              <a:buFont typeface="Wingdings" charset="2"/>
+              <a:buChar char=""/>
             </a:pPr>
             <a:r>
               <a:rPr b="0" lang="de-DE" sz="1600" spc="-1" strike="noStrike">
@@ -15312,13 +15820,18 @@
             </a:endParaRPr>
           </a:p>
           <a:p>
-            <a:pPr>
+            <a:pPr marL="216000" indent="-216000">
               <a:lnSpc>
                 <a:spcPct val="100000"/>
               </a:lnSpc>
               <a:spcBef>
                 <a:spcPts val="1199"/>
               </a:spcBef>
+              <a:buClr>
+                <a:srgbClr val="00305e"/>
+              </a:buClr>
+              <a:buFont typeface="Wingdings" charset="2"/>
+              <a:buChar char=""/>
             </a:pPr>
             <a:r>
               <a:rPr b="0" lang="de-DE" sz="1600" spc="-1" strike="noStrike">
@@ -15402,7 +15915,7 @@
         <p:spPr>
           <a:xfrm>
             <a:off x="655920" y="2540520"/>
-            <a:ext cx="7934400" cy="897840"/>
+            <a:ext cx="7934040" cy="897480"/>
           </a:xfrm>
           <a:prstGeom prst="rect">
             <a:avLst/>
@@ -15508,7 +16021,7 @@
         <p:spPr>
           <a:xfrm>
             <a:off x="655920" y="259560"/>
-            <a:ext cx="7934400" cy="511920"/>
+            <a:ext cx="7934040" cy="511560"/>
           </a:xfrm>
           <a:prstGeom prst="rect">
             <a:avLst/>
@@ -15561,7 +16074,7 @@
         <p:spPr>
           <a:xfrm>
             <a:off x="655920" y="627480"/>
-            <a:ext cx="7011360" cy="3850920"/>
+            <a:ext cx="7011000" cy="3850560"/>
           </a:xfrm>
           <a:prstGeom prst="rect">
             <a:avLst/>
@@ -15637,7 +16150,7 @@
         <p:spPr>
           <a:xfrm>
             <a:off x="655920" y="259560"/>
-            <a:ext cx="7934400" cy="511920"/>
+            <a:ext cx="7934040" cy="511560"/>
           </a:xfrm>
           <a:prstGeom prst="rect">
             <a:avLst/>
@@ -15689,8 +16202,8 @@
         </p:blipFill>
         <p:spPr>
           <a:xfrm>
-            <a:off x="216000" y="648000"/>
-            <a:ext cx="7487280" cy="3909240"/>
+            <a:off x="-6120" y="736560"/>
+            <a:ext cx="9143640" cy="2919240"/>
           </a:xfrm>
           <a:prstGeom prst="rect">
             <a:avLst/>
@@ -15766,7 +16279,7 @@
         <p:spPr>
           <a:xfrm>
             <a:off x="655920" y="2540520"/>
-            <a:ext cx="7934400" cy="897840"/>
+            <a:ext cx="7934040" cy="897480"/>
           </a:xfrm>
           <a:prstGeom prst="rect">
             <a:avLst/>
@@ -15872,7 +16385,7 @@
         <p:spPr>
           <a:xfrm>
             <a:off x="655920" y="259560"/>
-            <a:ext cx="7934400" cy="511920"/>
+            <a:ext cx="7934040" cy="511560"/>
           </a:xfrm>
           <a:prstGeom prst="rect">
             <a:avLst/>
@@ -16090,6 +16603,22 @@
                         <a:latin typeface="Arial"/>
                       </a:endParaRPr>
                     </a:p>
+                    <a:p>
+                      <a:pPr>
+                        <a:lnSpc>
+                          <a:spcPct val="100000"/>
+                        </a:lnSpc>
+                      </a:pPr>
+                      <a:r>
+                        <a:rPr b="0" lang="de-DE" sz="1800" spc="-1" strike="noStrike">
+                          <a:latin typeface="Arial"/>
+                        </a:rPr>
+                        <a:t>Testing</a:t>
+                      </a:r>
+                      <a:endParaRPr b="0" lang="de-DE" sz="1800" spc="-1" strike="noStrike">
+                        <a:latin typeface="Arial"/>
+                      </a:endParaRPr>
+                    </a:p>
                   </a:txBody>
                   <a:tcPr marL="90000" marR="90000">
                     <a:lnL w="720">
@@ -16178,7 +16707,7 @@
                         <a:rPr b="0" lang="de-DE" sz="1800" spc="-1" strike="noStrike">
                           <a:latin typeface="Arial"/>
                         </a:rPr>
-                        <a:t>Staff-&amp; Messaging Package</a:t>
+                        <a:t>Staff-&amp; Messaging Package, Testing</a:t>
                       </a:r>
                       <a:endParaRPr b="0" lang="de-DE" sz="1800" spc="-1" strike="noStrike">
                         <a:latin typeface="Arial"/>
@@ -16294,6 +16823,22 @@
                         <a:latin typeface="Arial"/>
                       </a:endParaRPr>
                     </a:p>
+                    <a:p>
+                      <a:pPr>
+                        <a:lnSpc>
+                          <a:spcPct val="100000"/>
+                        </a:lnSpc>
+                      </a:pPr>
+                      <a:r>
+                        <a:rPr b="0" lang="de-DE" sz="1800" spc="-1" strike="noStrike">
+                          <a:latin typeface="Arial"/>
+                        </a:rPr>
+                        <a:t>Testing</a:t>
+                      </a:r>
+                      <a:endParaRPr b="0" lang="de-DE" sz="1800" spc="-1" strike="noStrike">
+                        <a:latin typeface="Arial"/>
+                      </a:endParaRPr>
+                    </a:p>
                   </a:txBody>
                   <a:tcPr marL="90000" marR="90000">
                     <a:lnL w="720">
@@ -16382,7 +16927,7 @@
                         <a:rPr b="0" lang="de-DE" sz="1800" spc="-1" strike="noStrike">
                           <a:latin typeface="Arial"/>
                         </a:rPr>
-                        <a:t>Contracts Package</a:t>
+                        <a:t>Contracts Package, Testing</a:t>
                       </a:r>
                       <a:endParaRPr b="0" lang="de-DE" sz="1800" spc="-1" strike="noStrike">
                         <a:latin typeface="Arial"/>
@@ -16492,7 +17037,7 @@
                         <a:rPr b="0" lang="de-DE" sz="1800" spc="-1" strike="noStrike">
                           <a:latin typeface="Arial"/>
                         </a:rPr>
-                        <a:t>Ticket- und Economic Package</a:t>
+                        <a:t>Ticket- und Economic Package, Testing</a:t>
                       </a:r>
                       <a:endParaRPr b="0" lang="de-DE" sz="1800" spc="-1" strike="noStrike">
                         <a:latin typeface="Arial"/>
@@ -16612,7 +17157,7 @@
         <p:spPr>
           <a:xfrm>
             <a:off x="655920" y="2540520"/>
-            <a:ext cx="7934400" cy="897840"/>
+            <a:ext cx="7934040" cy="897480"/>
           </a:xfrm>
           <a:prstGeom prst="rect">
             <a:avLst/>
@@ -16718,7 +17263,7 @@
         <p:spPr>
           <a:xfrm>
             <a:off x="655920" y="259560"/>
-            <a:ext cx="7934400" cy="511920"/>
+            <a:ext cx="7934040" cy="511560"/>
           </a:xfrm>
           <a:prstGeom prst="rect">
             <a:avLst/>
@@ -16766,8 +17311,8 @@
         </p:nvSpPr>
         <p:spPr>
           <a:xfrm>
-            <a:off x="432000" y="936000"/>
-            <a:ext cx="1871640" cy="935640"/>
+            <a:off x="288000" y="1944000"/>
+            <a:ext cx="1871280" cy="935280"/>
           </a:xfrm>
           <a:prstGeom prst="rect">
             <a:avLst/>
@@ -16839,8 +17384,8 @@
         </p:nvSpPr>
         <p:spPr>
           <a:xfrm>
-            <a:off x="4464000" y="1152000"/>
-            <a:ext cx="1871640" cy="935640"/>
+            <a:off x="2556720" y="1944000"/>
+            <a:ext cx="1871280" cy="935280"/>
           </a:xfrm>
           <a:prstGeom prst="rect">
             <a:avLst/>
@@ -16922,8 +17467,8 @@
         </p:nvSpPr>
         <p:spPr>
           <a:xfrm>
-            <a:off x="6480000" y="2520000"/>
-            <a:ext cx="2016000" cy="936000"/>
+            <a:off x="4965840" y="834120"/>
+            <a:ext cx="2015640" cy="935640"/>
           </a:xfrm>
           <a:prstGeom prst="rect">
             <a:avLst/>
@@ -16995,17 +17540,16 @@
         </p:nvSpPr>
         <p:spPr>
           <a:xfrm>
-            <a:off x="2376000" y="1368000"/>
-            <a:ext cx="1944000" cy="216000"/>
+            <a:off x="2232000" y="2448000"/>
+            <a:ext cx="288000" cy="0"/>
           </a:xfrm>
           <a:prstGeom prst="line">
             <a:avLst/>
           </a:prstGeom>
-          <a:ln cap="rnd">
+          <a:ln>
             <a:solidFill>
               <a:srgbClr val="3465a4"/>
             </a:solidFill>
-            <a:custDash/>
             <a:tailEnd len="med" type="triangle" w="med"/>
           </a:ln>
         </p:spPr>
@@ -17015,29 +17559,6 @@
           <a:effectRef idx="0"/>
           <a:fontRef idx="minor"/>
         </p:style>
-        <p:txBody>
-          <a:bodyPr lIns="90000" rIns="90000" tIns="45000" bIns="45000" anchor="ctr" anchorCtr="1"/>
-          <a:p>
-            <a:pPr algn="ctr">
-              <a:lnSpc>
-                <a:spcPct val="100000"/>
-              </a:lnSpc>
-            </a:pPr>
-            <a:r>
-              <a:rPr b="0" lang="de-DE" sz="1400" spc="-1" strike="noStrike">
-                <a:solidFill>
-                  <a:srgbClr val="000000"/>
-                </a:solidFill>
-                <a:latin typeface="Arial"/>
-                <a:ea typeface="DejaVu Sans"/>
-              </a:rPr>
-              <a:t>zusammensetzen</a:t>
-            </a:r>
-            <a:endParaRPr b="0" lang="de-DE" sz="1400" spc="-1" strike="noStrike">
-              <a:latin typeface="Arial"/>
-            </a:endParaRPr>
-          </a:p>
-        </p:txBody>
       </p:sp>
       <p:sp>
         <p:nvSpPr>
@@ -17047,8 +17568,8 @@
         </p:nvSpPr>
         <p:spPr>
           <a:xfrm>
-            <a:off x="2376000" y="2448000"/>
-            <a:ext cx="1871640" cy="935640"/>
+            <a:off x="4968000" y="3059280"/>
+            <a:ext cx="1871280" cy="935280"/>
           </a:xfrm>
           <a:prstGeom prst="rect">
             <a:avLst/>
@@ -17120,8 +17641,8 @@
         </p:nvSpPr>
         <p:spPr>
           <a:xfrm>
-            <a:off x="4536000" y="3528000"/>
-            <a:ext cx="1871640" cy="935640"/>
+            <a:off x="7056000" y="1944000"/>
+            <a:ext cx="1871280" cy="935280"/>
           </a:xfrm>
           <a:prstGeom prst="rect">
             <a:avLst/>
@@ -17172,9 +17693,9 @@
           <p:nvPr/>
         </p:nvSpPr>
         <p:spPr>
-          <a:xfrm flipH="1">
-            <a:off x="4248000" y="2160000"/>
-            <a:ext cx="216000" cy="288000"/>
+          <a:xfrm>
+            <a:off x="4104000" y="3096000"/>
+            <a:ext cx="720000" cy="504000"/>
           </a:xfrm>
           <a:prstGeom prst="line">
             <a:avLst/>
@@ -17200,9 +17721,9 @@
           <p:nvPr/>
         </p:nvSpPr>
         <p:spPr>
-          <a:xfrm>
-            <a:off x="6336000" y="2160000"/>
-            <a:ext cx="144000" cy="288000"/>
+          <a:xfrm flipV="1">
+            <a:off x="4248000" y="1203120"/>
+            <a:ext cx="504000" cy="596880"/>
           </a:xfrm>
           <a:prstGeom prst="line">
             <a:avLst/>
@@ -17228,9 +17749,9 @@
           <p:nvPr/>
         </p:nvSpPr>
         <p:spPr>
-          <a:xfrm flipH="1">
-            <a:off x="6624000" y="3528000"/>
-            <a:ext cx="432000" cy="432000"/>
+          <a:xfrm>
+            <a:off x="7128000" y="1224000"/>
+            <a:ext cx="720000" cy="504000"/>
           </a:xfrm>
           <a:prstGeom prst="line">
             <a:avLst/>
@@ -17256,9 +17777,9 @@
           <p:nvPr/>
         </p:nvSpPr>
         <p:spPr>
-          <a:xfrm>
-            <a:off x="3672000" y="3456000"/>
-            <a:ext cx="720000" cy="504000"/>
+          <a:xfrm flipV="1">
+            <a:off x="7048440" y="3012840"/>
+            <a:ext cx="504000" cy="596880"/>
           </a:xfrm>
           <a:prstGeom prst="line">
             <a:avLst/>
